--- a/Sessions/00-MovingSmile/slides.pptx
+++ b/Sessions/00-MovingSmile/slides.pptx
@@ -7,33 +7,34 @@
     <p:sldMasterId id="2147483674" r:id="rId4"/>
     <p:sldMasterId id="2147483687" r:id="rId5"/>
     <p:sldMasterId id="2147483700" r:id="rId6"/>
+    <p:sldMasterId id="2147483713" r:id="rId7"/>
   </p:sldMasterIdLst>
   <p:notesMasterIdLst>
-    <p:notesMasterId r:id="rId7"/>
+    <p:notesMasterId r:id="rId8"/>
   </p:notesMasterIdLst>
   <p:sldIdLst>
-    <p:sldId id="256" r:id="rId8"/>
-    <p:sldId id="257" r:id="rId9"/>
-    <p:sldId id="258" r:id="rId10"/>
-    <p:sldId id="259" r:id="rId11"/>
-    <p:sldId id="260" r:id="rId12"/>
-    <p:sldId id="261" r:id="rId13"/>
-    <p:sldId id="262" r:id="rId14"/>
-    <p:sldId id="263" r:id="rId15"/>
-    <p:sldId id="264" r:id="rId16"/>
-    <p:sldId id="265" r:id="rId17"/>
-    <p:sldId id="266" r:id="rId18"/>
-    <p:sldId id="267" r:id="rId19"/>
-    <p:sldId id="268" r:id="rId20"/>
-    <p:sldId id="269" r:id="rId21"/>
-    <p:sldId id="270" r:id="rId22"/>
-    <p:sldId id="271" r:id="rId23"/>
-    <p:sldId id="272" r:id="rId24"/>
-    <p:sldId id="273" r:id="rId25"/>
-    <p:sldId id="274" r:id="rId26"/>
-    <p:sldId id="275" r:id="rId27"/>
-    <p:sldId id="276" r:id="rId28"/>
-    <p:sldId id="277" r:id="rId29"/>
+    <p:sldId id="256" r:id="rId9"/>
+    <p:sldId id="257" r:id="rId10"/>
+    <p:sldId id="258" r:id="rId11"/>
+    <p:sldId id="259" r:id="rId12"/>
+    <p:sldId id="260" r:id="rId13"/>
+    <p:sldId id="261" r:id="rId14"/>
+    <p:sldId id="262" r:id="rId15"/>
+    <p:sldId id="263" r:id="rId16"/>
+    <p:sldId id="264" r:id="rId17"/>
+    <p:sldId id="265" r:id="rId18"/>
+    <p:sldId id="266" r:id="rId19"/>
+    <p:sldId id="267" r:id="rId20"/>
+    <p:sldId id="268" r:id="rId21"/>
+    <p:sldId id="269" r:id="rId22"/>
+    <p:sldId id="270" r:id="rId23"/>
+    <p:sldId id="271" r:id="rId24"/>
+    <p:sldId id="272" r:id="rId25"/>
+    <p:sldId id="273" r:id="rId26"/>
+    <p:sldId id="274" r:id="rId27"/>
+    <p:sldId id="275" r:id="rId28"/>
+    <p:sldId id="276" r:id="rId29"/>
+    <p:sldId id="277" r:id="rId30"/>
   </p:sldIdLst>
   <p:sldSz cx="9144000" cy="6858000"/>
   <p:notesSz cx="9296400" cy="6881812"/>
@@ -59,7 +60,7 @@
       </p:grpSpPr>
       <p:sp>
         <p:nvSpPr>
-          <p:cNvPr id="198" name="PlaceHolder 1"/>
+          <p:cNvPr id="236" name="PlaceHolder 1"/>
           <p:cNvSpPr>
             <a:spLocks noGrp="1"/>
           </p:cNvSpPr>
@@ -96,7 +97,7 @@
       </p:sp>
       <p:sp>
         <p:nvSpPr>
-          <p:cNvPr id="199" name="PlaceHolder 2"/>
+          <p:cNvPr id="237" name="PlaceHolder 2"/>
           <p:cNvSpPr>
             <a:spLocks noGrp="1"/>
           </p:cNvSpPr>
@@ -132,7 +133,7 @@
       </p:sp>
       <p:sp>
         <p:nvSpPr>
-          <p:cNvPr id="200" name="PlaceHolder 3"/>
+          <p:cNvPr id="238" name="PlaceHolder 3"/>
           <p:cNvSpPr>
             <a:spLocks noGrp="1"/>
           </p:cNvSpPr>
@@ -168,7 +169,7 @@
       </p:sp>
       <p:sp>
         <p:nvSpPr>
-          <p:cNvPr id="201" name="PlaceHolder 4"/>
+          <p:cNvPr id="239" name="PlaceHolder 4"/>
           <p:cNvSpPr>
             <a:spLocks noGrp="1"/>
           </p:cNvSpPr>
@@ -205,7 +206,7 @@
       </p:sp>
       <p:sp>
         <p:nvSpPr>
-          <p:cNvPr id="202" name="PlaceHolder 5"/>
+          <p:cNvPr id="240" name="PlaceHolder 5"/>
           <p:cNvSpPr>
             <a:spLocks noGrp="1"/>
           </p:cNvSpPr>
@@ -241,7 +242,7 @@
       </p:sp>
       <p:sp>
         <p:nvSpPr>
-          <p:cNvPr id="203" name="PlaceHolder 6"/>
+          <p:cNvPr id="241" name="PlaceHolder 6"/>
           <p:cNvSpPr>
             <a:spLocks noGrp="1"/>
           </p:cNvSpPr>
@@ -264,7 +265,7 @@
           </a:bodyPr>
           <a:p>
             <a:pPr algn="r"/>
-            <a:fld id="{F118569F-721E-4B70-8E2F-B32E6B240538}" type="slidenum">
+            <a:fld id="{F7C06082-8B1F-4657-8918-ABCA341D5BBD}" type="slidenum">
               <a:rPr b="0" lang="en-US" sz="1400" spc="-1" strike="noStrike">
                 <a:latin typeface="DejaVu Serif"/>
               </a:rPr>
@@ -301,14 +302,14 @@
       </p:grpSpPr>
       <p:sp>
         <p:nvSpPr>
-          <p:cNvPr id="285" name="CustomShape 1"/>
+          <p:cNvPr id="323" name="CustomShape 1"/>
           <p:cNvSpPr/>
           <p:nvPr/>
         </p:nvSpPr>
         <p:spPr>
           <a:xfrm>
             <a:off x="3900600" y="8831160"/>
-            <a:ext cx="2979360" cy="463320"/>
+            <a:ext cx="2979000" cy="462960"/>
           </a:xfrm>
           <a:custGeom>
             <a:avLst/>
@@ -357,7 +358,7 @@
                 <a:spcPct val="100000"/>
               </a:lnSpc>
             </a:pPr>
-            <a:fld id="{90767AA5-BB86-4BAC-A214-54EC8B8BAD3E}" type="slidenum">
+            <a:fld id="{5AE71D17-C60F-4881-A48D-696DEC303C80}" type="slidenum">
               <a:rPr b="0" lang="en-US" sz="1200" spc="-1" strike="noStrike">
                 <a:solidFill>
                   <a:srgbClr val="000000"/>
@@ -374,7 +375,7 @@
       </p:sp>
       <p:sp>
         <p:nvSpPr>
-          <p:cNvPr id="286" name="PlaceHolder 2"/>
+          <p:cNvPr id="324" name="PlaceHolder 2"/>
           <p:cNvSpPr>
             <a:spLocks noGrp="1"/>
           </p:cNvSpPr>
@@ -385,16 +386,16 @@
         <p:spPr>
           <a:xfrm>
             <a:off x="1117440" y="698400"/>
-            <a:ext cx="4646520" cy="3485880"/>
-          </a:xfrm>
-          <a:prstGeom prst="rect">
-            <a:avLst/>
-          </a:prstGeom>
-        </p:spPr>
-      </p:sp>
-      <p:sp>
-        <p:nvSpPr>
-          <p:cNvPr id="287" name="PlaceHolder 3"/>
+            <a:ext cx="4646160" cy="3485520"/>
+          </a:xfrm>
+          <a:prstGeom prst="rect">
+            <a:avLst/>
+          </a:prstGeom>
+        </p:spPr>
+      </p:sp>
+      <p:sp>
+        <p:nvSpPr>
+          <p:cNvPr id="325" name="PlaceHolder 3"/>
           <p:cNvSpPr>
             <a:spLocks noGrp="1"/>
           </p:cNvSpPr>
@@ -405,7 +406,7 @@
         <p:spPr>
           <a:xfrm>
             <a:off x="689040" y="4416120"/>
-            <a:ext cx="5503320" cy="3096720"/>
+            <a:ext cx="5502960" cy="3096720"/>
           </a:xfrm>
           <a:prstGeom prst="rect">
             <a:avLst/>
@@ -446,14 +447,14 @@
       </p:grpSpPr>
       <p:sp>
         <p:nvSpPr>
-          <p:cNvPr id="288" name="CustomShape 1"/>
+          <p:cNvPr id="326" name="CustomShape 1"/>
           <p:cNvSpPr/>
           <p:nvPr/>
         </p:nvSpPr>
         <p:spPr>
           <a:xfrm>
             <a:off x="3900600" y="8831160"/>
-            <a:ext cx="2979360" cy="463320"/>
+            <a:ext cx="2979000" cy="462960"/>
           </a:xfrm>
           <a:custGeom>
             <a:avLst/>
@@ -502,7 +503,7 @@
                 <a:spcPct val="100000"/>
               </a:lnSpc>
             </a:pPr>
-            <a:fld id="{7CBED906-7FEA-45A6-B937-9EE5450ABECE}" type="slidenum">
+            <a:fld id="{AB7C6282-0D49-49F7-9461-63CD2BD56EC2}" type="slidenum">
               <a:rPr b="0" lang="en-US" sz="1200" spc="-1" strike="noStrike">
                 <a:solidFill>
                   <a:srgbClr val="000000"/>
@@ -519,7 +520,7 @@
       </p:sp>
       <p:sp>
         <p:nvSpPr>
-          <p:cNvPr id="289" name="PlaceHolder 2"/>
+          <p:cNvPr id="327" name="PlaceHolder 2"/>
           <p:cNvSpPr>
             <a:spLocks noGrp="1"/>
           </p:cNvSpPr>
@@ -530,16 +531,16 @@
         <p:spPr>
           <a:xfrm>
             <a:off x="1117440" y="698400"/>
-            <a:ext cx="4646520" cy="3485880"/>
-          </a:xfrm>
-          <a:prstGeom prst="rect">
-            <a:avLst/>
-          </a:prstGeom>
-        </p:spPr>
-      </p:sp>
-      <p:sp>
-        <p:nvSpPr>
-          <p:cNvPr id="290" name="PlaceHolder 3"/>
+            <a:ext cx="4646160" cy="3485520"/>
+          </a:xfrm>
+          <a:prstGeom prst="rect">
+            <a:avLst/>
+          </a:prstGeom>
+        </p:spPr>
+      </p:sp>
+      <p:sp>
+        <p:nvSpPr>
+          <p:cNvPr id="328" name="PlaceHolder 3"/>
           <p:cNvSpPr>
             <a:spLocks noGrp="1"/>
           </p:cNvSpPr>
@@ -550,7 +551,7 @@
         <p:spPr>
           <a:xfrm>
             <a:off x="689040" y="4416120"/>
-            <a:ext cx="5503320" cy="3096720"/>
+            <a:ext cx="5502960" cy="3096720"/>
           </a:xfrm>
           <a:prstGeom prst="rect">
             <a:avLst/>
@@ -591,14 +592,14 @@
       </p:grpSpPr>
       <p:sp>
         <p:nvSpPr>
-          <p:cNvPr id="291" name="CustomShape 1"/>
+          <p:cNvPr id="329" name="CustomShape 1"/>
           <p:cNvSpPr/>
           <p:nvPr/>
         </p:nvSpPr>
         <p:spPr>
           <a:xfrm>
             <a:off x="3900600" y="8831160"/>
-            <a:ext cx="2979360" cy="463320"/>
+            <a:ext cx="2979000" cy="462960"/>
           </a:xfrm>
           <a:custGeom>
             <a:avLst/>
@@ -647,7 +648,7 @@
                 <a:spcPct val="100000"/>
               </a:lnSpc>
             </a:pPr>
-            <a:fld id="{29283E18-5F3B-4C09-A004-0643B8F77D99}" type="slidenum">
+            <a:fld id="{00AA2377-2911-410D-94E9-CF075BE6BD28}" type="slidenum">
               <a:rPr b="0" lang="en-US" sz="1200" spc="-1" strike="noStrike">
                 <a:solidFill>
                   <a:srgbClr val="000000"/>
@@ -664,7 +665,7 @@
       </p:sp>
       <p:sp>
         <p:nvSpPr>
-          <p:cNvPr id="292" name="PlaceHolder 2"/>
+          <p:cNvPr id="330" name="PlaceHolder 2"/>
           <p:cNvSpPr>
             <a:spLocks noGrp="1"/>
           </p:cNvSpPr>
@@ -675,16 +676,16 @@
         <p:spPr>
           <a:xfrm>
             <a:off x="1117440" y="698400"/>
-            <a:ext cx="4646520" cy="3485880"/>
-          </a:xfrm>
-          <a:prstGeom prst="rect">
-            <a:avLst/>
-          </a:prstGeom>
-        </p:spPr>
-      </p:sp>
-      <p:sp>
-        <p:nvSpPr>
-          <p:cNvPr id="293" name="PlaceHolder 3"/>
+            <a:ext cx="4646160" cy="3485520"/>
+          </a:xfrm>
+          <a:prstGeom prst="rect">
+            <a:avLst/>
+          </a:prstGeom>
+        </p:spPr>
+      </p:sp>
+      <p:sp>
+        <p:nvSpPr>
+          <p:cNvPr id="331" name="PlaceHolder 3"/>
           <p:cNvSpPr>
             <a:spLocks noGrp="1"/>
           </p:cNvSpPr>
@@ -695,7 +696,7 @@
         <p:spPr>
           <a:xfrm>
             <a:off x="689040" y="4416120"/>
-            <a:ext cx="5503320" cy="3096720"/>
+            <a:ext cx="5502960" cy="3096720"/>
           </a:xfrm>
           <a:prstGeom prst="rect">
             <a:avLst/>
@@ -736,14 +737,14 @@
       </p:grpSpPr>
       <p:sp>
         <p:nvSpPr>
-          <p:cNvPr id="294" name="CustomShape 1"/>
+          <p:cNvPr id="332" name="CustomShape 1"/>
           <p:cNvSpPr/>
           <p:nvPr/>
         </p:nvSpPr>
         <p:spPr>
           <a:xfrm>
             <a:off x="3900600" y="8831160"/>
-            <a:ext cx="2979360" cy="463320"/>
+            <a:ext cx="2979000" cy="462960"/>
           </a:xfrm>
           <a:custGeom>
             <a:avLst/>
@@ -792,7 +793,7 @@
                 <a:spcPct val="100000"/>
               </a:lnSpc>
             </a:pPr>
-            <a:fld id="{619061F3-A46D-4429-A555-BC6B10377F8D}" type="slidenum">
+            <a:fld id="{2D9C59BC-FDA2-4FEA-9CFD-E344F6E456A8}" type="slidenum">
               <a:rPr b="0" lang="en-US" sz="1200" spc="-1" strike="noStrike">
                 <a:solidFill>
                   <a:srgbClr val="000000"/>
@@ -809,7 +810,7 @@
       </p:sp>
       <p:sp>
         <p:nvSpPr>
-          <p:cNvPr id="295" name="PlaceHolder 2"/>
+          <p:cNvPr id="333" name="PlaceHolder 2"/>
           <p:cNvSpPr>
             <a:spLocks noGrp="1"/>
           </p:cNvSpPr>
@@ -820,16 +821,16 @@
         <p:spPr>
           <a:xfrm>
             <a:off x="1117440" y="698400"/>
-            <a:ext cx="4646520" cy="3485880"/>
-          </a:xfrm>
-          <a:prstGeom prst="rect">
-            <a:avLst/>
-          </a:prstGeom>
-        </p:spPr>
-      </p:sp>
-      <p:sp>
-        <p:nvSpPr>
-          <p:cNvPr id="296" name="PlaceHolder 3"/>
+            <a:ext cx="4646160" cy="3485520"/>
+          </a:xfrm>
+          <a:prstGeom prst="rect">
+            <a:avLst/>
+          </a:prstGeom>
+        </p:spPr>
+      </p:sp>
+      <p:sp>
+        <p:nvSpPr>
+          <p:cNvPr id="334" name="PlaceHolder 3"/>
           <p:cNvSpPr>
             <a:spLocks noGrp="1"/>
           </p:cNvSpPr>
@@ -840,7 +841,7 @@
         <p:spPr>
           <a:xfrm>
             <a:off x="689040" y="4416120"/>
-            <a:ext cx="5503320" cy="3096720"/>
+            <a:ext cx="5502960" cy="3096720"/>
           </a:xfrm>
           <a:prstGeom prst="rect">
             <a:avLst/>
@@ -881,14 +882,14 @@
       </p:grpSpPr>
       <p:sp>
         <p:nvSpPr>
-          <p:cNvPr id="297" name="CustomShape 1"/>
+          <p:cNvPr id="335" name="CustomShape 1"/>
           <p:cNvSpPr/>
           <p:nvPr/>
         </p:nvSpPr>
         <p:spPr>
           <a:xfrm>
             <a:off x="3900600" y="8831160"/>
-            <a:ext cx="2979360" cy="463320"/>
+            <a:ext cx="2979000" cy="462960"/>
           </a:xfrm>
           <a:custGeom>
             <a:avLst/>
@@ -937,7 +938,7 @@
                 <a:spcPct val="100000"/>
               </a:lnSpc>
             </a:pPr>
-            <a:fld id="{489F0402-8C19-4C6E-B992-FF4F982E9A51}" type="slidenum">
+            <a:fld id="{52379F9A-49B8-4EE6-A919-44E9F614B465}" type="slidenum">
               <a:rPr b="0" lang="en-US" sz="1200" spc="-1" strike="noStrike">
                 <a:solidFill>
                   <a:srgbClr val="000000"/>
@@ -954,7 +955,7 @@
       </p:sp>
       <p:sp>
         <p:nvSpPr>
-          <p:cNvPr id="298" name="PlaceHolder 2"/>
+          <p:cNvPr id="336" name="PlaceHolder 2"/>
           <p:cNvSpPr>
             <a:spLocks noGrp="1"/>
           </p:cNvSpPr>
@@ -965,16 +966,16 @@
         <p:spPr>
           <a:xfrm>
             <a:off x="1117440" y="698400"/>
-            <a:ext cx="4646520" cy="3485880"/>
-          </a:xfrm>
-          <a:prstGeom prst="rect">
-            <a:avLst/>
-          </a:prstGeom>
-        </p:spPr>
-      </p:sp>
-      <p:sp>
-        <p:nvSpPr>
-          <p:cNvPr id="299" name="PlaceHolder 3"/>
+            <a:ext cx="4646160" cy="3485520"/>
+          </a:xfrm>
+          <a:prstGeom prst="rect">
+            <a:avLst/>
+          </a:prstGeom>
+        </p:spPr>
+      </p:sp>
+      <p:sp>
+        <p:nvSpPr>
+          <p:cNvPr id="337" name="PlaceHolder 3"/>
           <p:cNvSpPr>
             <a:spLocks noGrp="1"/>
           </p:cNvSpPr>
@@ -985,7 +986,7 @@
         <p:spPr>
           <a:xfrm>
             <a:off x="689040" y="4416120"/>
-            <a:ext cx="5503320" cy="3096720"/>
+            <a:ext cx="5502960" cy="3096720"/>
           </a:xfrm>
           <a:prstGeom prst="rect">
             <a:avLst/>
@@ -1026,14 +1027,14 @@
       </p:grpSpPr>
       <p:sp>
         <p:nvSpPr>
-          <p:cNvPr id="300" name="CustomShape 1"/>
+          <p:cNvPr id="338" name="CustomShape 1"/>
           <p:cNvSpPr/>
           <p:nvPr/>
         </p:nvSpPr>
         <p:spPr>
           <a:xfrm>
             <a:off x="3900600" y="8831160"/>
-            <a:ext cx="2979360" cy="463320"/>
+            <a:ext cx="2979000" cy="462960"/>
           </a:xfrm>
           <a:custGeom>
             <a:avLst/>
@@ -1082,7 +1083,7 @@
                 <a:spcPct val="100000"/>
               </a:lnSpc>
             </a:pPr>
-            <a:fld id="{4DE730E7-522A-4042-96C7-6860C5BC9218}" type="slidenum">
+            <a:fld id="{A6AF1848-15D1-4076-AE3B-416EC6361E67}" type="slidenum">
               <a:rPr b="0" lang="en-US" sz="1200" spc="-1" strike="noStrike">
                 <a:solidFill>
                   <a:srgbClr val="000000"/>
@@ -1099,7 +1100,7 @@
       </p:sp>
       <p:sp>
         <p:nvSpPr>
-          <p:cNvPr id="301" name="PlaceHolder 2"/>
+          <p:cNvPr id="339" name="PlaceHolder 2"/>
           <p:cNvSpPr>
             <a:spLocks noGrp="1"/>
           </p:cNvSpPr>
@@ -1110,16 +1111,16 @@
         <p:spPr>
           <a:xfrm>
             <a:off x="1117440" y="698400"/>
-            <a:ext cx="4646520" cy="3485880"/>
-          </a:xfrm>
-          <a:prstGeom prst="rect">
-            <a:avLst/>
-          </a:prstGeom>
-        </p:spPr>
-      </p:sp>
-      <p:sp>
-        <p:nvSpPr>
-          <p:cNvPr id="302" name="PlaceHolder 3"/>
+            <a:ext cx="4646160" cy="3485520"/>
+          </a:xfrm>
+          <a:prstGeom prst="rect">
+            <a:avLst/>
+          </a:prstGeom>
+        </p:spPr>
+      </p:sp>
+      <p:sp>
+        <p:nvSpPr>
+          <p:cNvPr id="340" name="PlaceHolder 3"/>
           <p:cNvSpPr>
             <a:spLocks noGrp="1"/>
           </p:cNvSpPr>
@@ -1130,7 +1131,7 @@
         <p:spPr>
           <a:xfrm>
             <a:off x="689040" y="4416120"/>
-            <a:ext cx="5503320" cy="3096720"/>
+            <a:ext cx="5502960" cy="3096720"/>
           </a:xfrm>
           <a:prstGeom prst="rect">
             <a:avLst/>
@@ -1171,7 +1172,7 @@
       </p:grpSpPr>
       <p:sp>
         <p:nvSpPr>
-          <p:cNvPr id="303" name="PlaceHolder 1"/>
+          <p:cNvPr id="341" name="PlaceHolder 1"/>
           <p:cNvSpPr>
             <a:spLocks noGrp="1"/>
           </p:cNvSpPr>
@@ -1182,16 +1183,16 @@
         <p:spPr>
           <a:xfrm>
             <a:off x="1117440" y="698400"/>
-            <a:ext cx="4646520" cy="3485880"/>
-          </a:xfrm>
-          <a:prstGeom prst="rect">
-            <a:avLst/>
-          </a:prstGeom>
-        </p:spPr>
-      </p:sp>
-      <p:sp>
-        <p:nvSpPr>
-          <p:cNvPr id="304" name="PlaceHolder 2"/>
+            <a:ext cx="4646160" cy="3485520"/>
+          </a:xfrm>
+          <a:prstGeom prst="rect">
+            <a:avLst/>
+          </a:prstGeom>
+        </p:spPr>
+      </p:sp>
+      <p:sp>
+        <p:nvSpPr>
+          <p:cNvPr id="342" name="PlaceHolder 2"/>
           <p:cNvSpPr>
             <a:spLocks noGrp="1"/>
           </p:cNvSpPr>
@@ -1202,7 +1203,7 @@
         <p:spPr>
           <a:xfrm>
             <a:off x="689040" y="4416120"/>
-            <a:ext cx="5503320" cy="3096720"/>
+            <a:ext cx="5502960" cy="3096720"/>
           </a:xfrm>
           <a:prstGeom prst="rect">
             <a:avLst/>
@@ -1221,14 +1222,14 @@
       </p:sp>
       <p:sp>
         <p:nvSpPr>
-          <p:cNvPr id="305" name="CustomShape 3"/>
+          <p:cNvPr id="343" name="CustomShape 3"/>
           <p:cNvSpPr/>
           <p:nvPr/>
         </p:nvSpPr>
         <p:spPr>
           <a:xfrm>
             <a:off x="3900600" y="8831160"/>
-            <a:ext cx="2979360" cy="463320"/>
+            <a:ext cx="2979000" cy="462960"/>
           </a:xfrm>
           <a:custGeom>
             <a:avLst/>
@@ -1277,7 +1278,7 @@
                 <a:spcPct val="100000"/>
               </a:lnSpc>
             </a:pPr>
-            <a:fld id="{72DBE109-3703-4F41-8ACF-C7AB08AF028E}" type="slidenum">
+            <a:fld id="{F333CFE7-5488-47A2-9A04-3EE66AD49855}" type="slidenum">
               <a:rPr b="0" lang="en-US" sz="1200" spc="-1" strike="noStrike">
                 <a:solidFill>
                   <a:srgbClr val="000000"/>
@@ -1316,14 +1317,14 @@
       </p:grpSpPr>
       <p:sp>
         <p:nvSpPr>
-          <p:cNvPr id="270" name="CustomShape 1"/>
+          <p:cNvPr id="308" name="CustomShape 1"/>
           <p:cNvSpPr/>
           <p:nvPr/>
         </p:nvSpPr>
         <p:spPr>
           <a:xfrm>
             <a:off x="5265720" y="6535800"/>
-            <a:ext cx="4028400" cy="343800"/>
+            <a:ext cx="4028040" cy="343440"/>
           </a:xfrm>
           <a:prstGeom prst="rect">
             <a:avLst/>
@@ -1349,7 +1350,7 @@
                 <a:spcPct val="100000"/>
               </a:lnSpc>
             </a:pPr>
-            <a:fld id="{A5720693-9218-48B8-8E1C-77B9B2542615}" type="slidenum">
+            <a:fld id="{4AC676EC-62D3-4CF3-AFF5-954867EAC87E}" type="slidenum">
               <a:rPr b="0" lang="en-US" sz="1200" spc="-1" strike="noStrike">
                 <a:solidFill>
                   <a:srgbClr val="000000"/>
@@ -1367,7 +1368,7 @@
       </p:sp>
       <p:sp>
         <p:nvSpPr>
-          <p:cNvPr id="271" name="PlaceHolder 2"/>
+          <p:cNvPr id="309" name="PlaceHolder 2"/>
           <p:cNvSpPr>
             <a:spLocks noGrp="1"/>
           </p:cNvSpPr>
@@ -1378,16 +1379,16 @@
         <p:spPr>
           <a:xfrm>
             <a:off x="2927520" y="515880"/>
-            <a:ext cx="3440880" cy="2580480"/>
-          </a:xfrm>
-          <a:prstGeom prst="rect">
-            <a:avLst/>
-          </a:prstGeom>
-        </p:spPr>
-      </p:sp>
-      <p:sp>
-        <p:nvSpPr>
-          <p:cNvPr id="272" name="PlaceHolder 3"/>
+            <a:ext cx="3440520" cy="2580120"/>
+          </a:xfrm>
+          <a:prstGeom prst="rect">
+            <a:avLst/>
+          </a:prstGeom>
+        </p:spPr>
+      </p:sp>
+      <p:sp>
+        <p:nvSpPr>
+          <p:cNvPr id="310" name="PlaceHolder 3"/>
           <p:cNvSpPr>
             <a:spLocks noGrp="1"/>
           </p:cNvSpPr>
@@ -1398,7 +1399,7 @@
         <p:spPr>
           <a:xfrm>
             <a:off x="930240" y="3268800"/>
-            <a:ext cx="7435080" cy="3096360"/>
+            <a:ext cx="7434720" cy="3096000"/>
           </a:xfrm>
           <a:prstGeom prst="rect">
             <a:avLst/>
@@ -1439,14 +1440,14 @@
       </p:grpSpPr>
       <p:sp>
         <p:nvSpPr>
-          <p:cNvPr id="273" name="CustomShape 1"/>
+          <p:cNvPr id="311" name="CustomShape 1"/>
           <p:cNvSpPr/>
           <p:nvPr/>
         </p:nvSpPr>
         <p:spPr>
           <a:xfrm>
             <a:off x="5265720" y="6535800"/>
-            <a:ext cx="4028400" cy="343800"/>
+            <a:ext cx="4028040" cy="343440"/>
           </a:xfrm>
           <a:prstGeom prst="rect">
             <a:avLst/>
@@ -1472,7 +1473,7 @@
                 <a:spcPct val="100000"/>
               </a:lnSpc>
             </a:pPr>
-            <a:fld id="{18359A42-DB3A-4759-A515-DE486DAF196C}" type="slidenum">
+            <a:fld id="{3C2D5FF6-6B19-49E8-B480-18F43B3D2503}" type="slidenum">
               <a:rPr b="0" lang="en-US" sz="1200" spc="-1" strike="noStrike">
                 <a:solidFill>
                   <a:srgbClr val="000000"/>
@@ -1490,7 +1491,7 @@
       </p:sp>
       <p:sp>
         <p:nvSpPr>
-          <p:cNvPr id="274" name="PlaceHolder 2"/>
+          <p:cNvPr id="312" name="PlaceHolder 2"/>
           <p:cNvSpPr>
             <a:spLocks noGrp="1"/>
           </p:cNvSpPr>
@@ -1501,16 +1502,16 @@
         <p:spPr>
           <a:xfrm>
             <a:off x="2927520" y="515880"/>
-            <a:ext cx="3440880" cy="2580480"/>
-          </a:xfrm>
-          <a:prstGeom prst="rect">
-            <a:avLst/>
-          </a:prstGeom>
-        </p:spPr>
-      </p:sp>
-      <p:sp>
-        <p:nvSpPr>
-          <p:cNvPr id="275" name="PlaceHolder 3"/>
+            <a:ext cx="3440520" cy="2580120"/>
+          </a:xfrm>
+          <a:prstGeom prst="rect">
+            <a:avLst/>
+          </a:prstGeom>
+        </p:spPr>
+      </p:sp>
+      <p:sp>
+        <p:nvSpPr>
+          <p:cNvPr id="313" name="PlaceHolder 3"/>
           <p:cNvSpPr>
             <a:spLocks noGrp="1"/>
           </p:cNvSpPr>
@@ -1521,7 +1522,7 @@
         <p:spPr>
           <a:xfrm>
             <a:off x="930240" y="3268800"/>
-            <a:ext cx="7435080" cy="3096360"/>
+            <a:ext cx="7434720" cy="3096000"/>
           </a:xfrm>
           <a:prstGeom prst="rect">
             <a:avLst/>
@@ -1562,7 +1563,7 @@
       </p:grpSpPr>
       <p:sp>
         <p:nvSpPr>
-          <p:cNvPr id="276" name="PlaceHolder 1"/>
+          <p:cNvPr id="314" name="PlaceHolder 1"/>
           <p:cNvSpPr>
             <a:spLocks noGrp="1"/>
           </p:cNvSpPr>
@@ -1573,16 +1574,16 @@
         <p:spPr>
           <a:xfrm>
             <a:off x="2927520" y="515880"/>
-            <a:ext cx="3440880" cy="2580480"/>
-          </a:xfrm>
-          <a:prstGeom prst="rect">
-            <a:avLst/>
-          </a:prstGeom>
-        </p:spPr>
-      </p:sp>
-      <p:sp>
-        <p:nvSpPr>
-          <p:cNvPr id="277" name="PlaceHolder 2"/>
+            <a:ext cx="3440520" cy="2580120"/>
+          </a:xfrm>
+          <a:prstGeom prst="rect">
+            <a:avLst/>
+          </a:prstGeom>
+        </p:spPr>
+      </p:sp>
+      <p:sp>
+        <p:nvSpPr>
+          <p:cNvPr id="315" name="PlaceHolder 2"/>
           <p:cNvSpPr>
             <a:spLocks noGrp="1"/>
           </p:cNvSpPr>
@@ -1593,7 +1594,7 @@
         <p:spPr>
           <a:xfrm>
             <a:off x="930240" y="3268800"/>
-            <a:ext cx="7435080" cy="3096360"/>
+            <a:ext cx="7434720" cy="3096000"/>
           </a:xfrm>
           <a:prstGeom prst="rect">
             <a:avLst/>
@@ -1612,14 +1613,14 @@
       </p:sp>
       <p:sp>
         <p:nvSpPr>
-          <p:cNvPr id="278" name="CustomShape 3"/>
+          <p:cNvPr id="316" name="CustomShape 3"/>
           <p:cNvSpPr/>
           <p:nvPr/>
         </p:nvSpPr>
         <p:spPr>
           <a:xfrm>
             <a:off x="5265720" y="6535800"/>
-            <a:ext cx="4028400" cy="343800"/>
+            <a:ext cx="4028040" cy="343440"/>
           </a:xfrm>
           <a:prstGeom prst="rect">
             <a:avLst/>
@@ -1645,7 +1646,7 @@
                 <a:spcPct val="100000"/>
               </a:lnSpc>
             </a:pPr>
-            <a:fld id="{3FF8D8EA-FA50-40DB-A377-BBADA5497731}" type="slidenum">
+            <a:fld id="{2384E118-0073-4A71-A7B0-D5A003661498}" type="slidenum">
               <a:rPr b="0" lang="en-US" sz="1200" spc="-1" strike="noStrike">
                 <a:solidFill>
                   <a:srgbClr val="000000"/>
@@ -1685,14 +1686,14 @@
       </p:grpSpPr>
       <p:sp>
         <p:nvSpPr>
-          <p:cNvPr id="279" name="CustomShape 1"/>
+          <p:cNvPr id="317" name="CustomShape 1"/>
           <p:cNvSpPr/>
           <p:nvPr/>
         </p:nvSpPr>
         <p:spPr>
           <a:xfrm>
             <a:off x="5265720" y="6535800"/>
-            <a:ext cx="4028400" cy="343800"/>
+            <a:ext cx="4028040" cy="343440"/>
           </a:xfrm>
           <a:prstGeom prst="rect">
             <a:avLst/>
@@ -1718,7 +1719,7 @@
                 <a:spcPct val="100000"/>
               </a:lnSpc>
             </a:pPr>
-            <a:fld id="{6334C5C9-50F5-487D-A289-44FB79F615AD}" type="slidenum">
+            <a:fld id="{807BEEFA-D9AF-4C7A-AC58-4CC7903BB71D}" type="slidenum">
               <a:rPr b="0" lang="en-US" sz="1200" spc="-1" strike="noStrike">
                 <a:solidFill>
                   <a:srgbClr val="000000"/>
@@ -1735,7 +1736,7 @@
       </p:sp>
       <p:sp>
         <p:nvSpPr>
-          <p:cNvPr id="280" name="PlaceHolder 2"/>
+          <p:cNvPr id="318" name="PlaceHolder 2"/>
           <p:cNvSpPr>
             <a:spLocks noGrp="1"/>
           </p:cNvSpPr>
@@ -1746,16 +1747,16 @@
         <p:spPr>
           <a:xfrm>
             <a:off x="2927520" y="515880"/>
-            <a:ext cx="3440880" cy="2580480"/>
-          </a:xfrm>
-          <a:prstGeom prst="rect">
-            <a:avLst/>
-          </a:prstGeom>
-        </p:spPr>
-      </p:sp>
-      <p:sp>
-        <p:nvSpPr>
-          <p:cNvPr id="281" name="PlaceHolder 3"/>
+            <a:ext cx="3440520" cy="2580120"/>
+          </a:xfrm>
+          <a:prstGeom prst="rect">
+            <a:avLst/>
+          </a:prstGeom>
+        </p:spPr>
+      </p:sp>
+      <p:sp>
+        <p:nvSpPr>
+          <p:cNvPr id="319" name="PlaceHolder 3"/>
           <p:cNvSpPr>
             <a:spLocks noGrp="1"/>
           </p:cNvSpPr>
@@ -1766,7 +1767,7 @@
         <p:spPr>
           <a:xfrm>
             <a:off x="930240" y="3268800"/>
-            <a:ext cx="7435080" cy="3096360"/>
+            <a:ext cx="7434720" cy="3096000"/>
           </a:xfrm>
           <a:prstGeom prst="rect">
             <a:avLst/>
@@ -1807,14 +1808,14 @@
       </p:grpSpPr>
       <p:sp>
         <p:nvSpPr>
-          <p:cNvPr id="282" name="CustomShape 1"/>
+          <p:cNvPr id="320" name="CustomShape 1"/>
           <p:cNvSpPr/>
           <p:nvPr/>
         </p:nvSpPr>
         <p:spPr>
           <a:xfrm>
             <a:off x="5265720" y="6535800"/>
-            <a:ext cx="4028400" cy="343800"/>
+            <a:ext cx="4028040" cy="343440"/>
           </a:xfrm>
           <a:prstGeom prst="rect">
             <a:avLst/>
@@ -1840,7 +1841,7 @@
                 <a:spcPct val="100000"/>
               </a:lnSpc>
             </a:pPr>
-            <a:fld id="{7DAE28D2-D964-44A0-8FE3-BEE9616B2938}" type="slidenum">
+            <a:fld id="{1F1F4DAB-4007-455E-BB45-C9C2C0ACADAA}" type="slidenum">
               <a:rPr b="0" lang="en-US" sz="1200" spc="-1" strike="noStrike">
                 <a:solidFill>
                   <a:srgbClr val="000000"/>
@@ -1857,7 +1858,7 @@
       </p:sp>
       <p:sp>
         <p:nvSpPr>
-          <p:cNvPr id="283" name="PlaceHolder 2"/>
+          <p:cNvPr id="321" name="PlaceHolder 2"/>
           <p:cNvSpPr>
             <a:spLocks noGrp="1"/>
           </p:cNvSpPr>
@@ -1868,16 +1869,16 @@
         <p:spPr>
           <a:xfrm>
             <a:off x="2927520" y="515880"/>
-            <a:ext cx="3440880" cy="2580480"/>
-          </a:xfrm>
-          <a:prstGeom prst="rect">
-            <a:avLst/>
-          </a:prstGeom>
-        </p:spPr>
-      </p:sp>
-      <p:sp>
-        <p:nvSpPr>
-          <p:cNvPr id="284" name="PlaceHolder 3"/>
+            <a:ext cx="3440520" cy="2580120"/>
+          </a:xfrm>
+          <a:prstGeom prst="rect">
+            <a:avLst/>
+          </a:prstGeom>
+        </p:spPr>
+      </p:sp>
+      <p:sp>
+        <p:nvSpPr>
+          <p:cNvPr id="322" name="PlaceHolder 3"/>
           <p:cNvSpPr>
             <a:spLocks noGrp="1"/>
           </p:cNvSpPr>
@@ -1888,7 +1889,7 @@
         <p:spPr>
           <a:xfrm>
             <a:off x="930240" y="3268800"/>
-            <a:ext cx="7435080" cy="3096360"/>
+            <a:ext cx="7434720" cy="3096000"/>
           </a:xfrm>
           <a:prstGeom prst="rect">
             <a:avLst/>
@@ -1961,8 +1962,8 @@
         </p:nvSpPr>
         <p:spPr>
           <a:xfrm>
-            <a:off x="457200" y="273600"/>
-            <a:ext cx="8229240" cy="1144800"/>
+            <a:off x="457200" y="273240"/>
+            <a:ext cx="8228880" cy="1145160"/>
           </a:xfrm>
           <a:prstGeom prst="rect">
             <a:avLst/>
@@ -1993,7 +1994,7 @@
         <p:spPr>
           <a:xfrm>
             <a:off x="457200" y="1604520"/>
-            <a:ext cx="8229240" cy="1896840"/>
+            <a:ext cx="8228880" cy="1896840"/>
           </a:xfrm>
           <a:prstGeom prst="rect">
             <a:avLst/>
@@ -2023,7 +2024,7 @@
         <p:spPr>
           <a:xfrm>
             <a:off x="457200" y="3682080"/>
-            <a:ext cx="8229240" cy="1896840"/>
+            <a:ext cx="8228880" cy="1896840"/>
           </a:xfrm>
           <a:prstGeom prst="rect">
             <a:avLst/>
@@ -2074,8 +2075,8 @@
         </p:nvSpPr>
         <p:spPr>
           <a:xfrm>
-            <a:off x="457200" y="273600"/>
-            <a:ext cx="8229240" cy="1144800"/>
+            <a:off x="457200" y="273240"/>
+            <a:ext cx="8228880" cy="1145160"/>
           </a:xfrm>
           <a:prstGeom prst="rect">
             <a:avLst/>
@@ -2106,7 +2107,7 @@
         <p:spPr>
           <a:xfrm>
             <a:off x="457200" y="1604520"/>
-            <a:ext cx="4015800" cy="1896840"/>
+            <a:ext cx="4015440" cy="1896840"/>
           </a:xfrm>
           <a:prstGeom prst="rect">
             <a:avLst/>
@@ -2135,8 +2136,8 @@
         </p:nvSpPr>
         <p:spPr>
           <a:xfrm>
-            <a:off x="4674240" y="1604520"/>
-            <a:ext cx="4015800" cy="1896840"/>
+            <a:off x="4673880" y="1604520"/>
+            <a:ext cx="4015440" cy="1896840"/>
           </a:xfrm>
           <a:prstGeom prst="rect">
             <a:avLst/>
@@ -2166,7 +2167,7 @@
         <p:spPr>
           <a:xfrm>
             <a:off x="457200" y="3682080"/>
-            <a:ext cx="4015800" cy="1896840"/>
+            <a:ext cx="4015440" cy="1896840"/>
           </a:xfrm>
           <a:prstGeom prst="rect">
             <a:avLst/>
@@ -2195,8 +2196,8 @@
         </p:nvSpPr>
         <p:spPr>
           <a:xfrm>
-            <a:off x="4674240" y="3682080"/>
-            <a:ext cx="4015800" cy="1896840"/>
+            <a:off x="4673880" y="3682080"/>
+            <a:ext cx="4015440" cy="1896840"/>
           </a:xfrm>
           <a:prstGeom prst="rect">
             <a:avLst/>
@@ -2247,8 +2248,8 @@
         </p:nvSpPr>
         <p:spPr>
           <a:xfrm>
-            <a:off x="457200" y="273600"/>
-            <a:ext cx="8229240" cy="1144800"/>
+            <a:off x="457200" y="273240"/>
+            <a:ext cx="8228880" cy="1145160"/>
           </a:xfrm>
           <a:prstGeom prst="rect">
             <a:avLst/>
@@ -2502,8 +2503,8 @@
         </p:nvSpPr>
         <p:spPr>
           <a:xfrm>
-            <a:off x="457200" y="273600"/>
-            <a:ext cx="8229240" cy="1144800"/>
+            <a:off x="457200" y="273240"/>
+            <a:ext cx="8228880" cy="1145160"/>
           </a:xfrm>
           <a:prstGeom prst="rect">
             <a:avLst/>
@@ -2534,7 +2535,7 @@
         <p:spPr>
           <a:xfrm>
             <a:off x="457200" y="1604520"/>
-            <a:ext cx="8229240" cy="3977280"/>
+            <a:ext cx="8228880" cy="3976920"/>
           </a:xfrm>
           <a:prstGeom prst="rect">
             <a:avLst/>
@@ -2586,8 +2587,8 @@
         </p:nvSpPr>
         <p:spPr>
           <a:xfrm>
-            <a:off x="457200" y="273600"/>
-            <a:ext cx="8229240" cy="1144800"/>
+            <a:off x="457200" y="273240"/>
+            <a:ext cx="8228880" cy="1145160"/>
           </a:xfrm>
           <a:prstGeom prst="rect">
             <a:avLst/>
@@ -2618,7 +2619,7 @@
         <p:spPr>
           <a:xfrm>
             <a:off x="457200" y="1604520"/>
-            <a:ext cx="8229240" cy="3977280"/>
+            <a:ext cx="8228880" cy="3976920"/>
           </a:xfrm>
           <a:prstGeom prst="rect">
             <a:avLst/>
@@ -2669,8 +2670,8 @@
         </p:nvSpPr>
         <p:spPr>
           <a:xfrm>
-            <a:off x="457200" y="273600"/>
-            <a:ext cx="8229240" cy="1144800"/>
+            <a:off x="457200" y="273240"/>
+            <a:ext cx="8228880" cy="1145160"/>
           </a:xfrm>
           <a:prstGeom prst="rect">
             <a:avLst/>
@@ -2701,7 +2702,7 @@
         <p:spPr>
           <a:xfrm>
             <a:off x="457200" y="1604520"/>
-            <a:ext cx="4015800" cy="3977280"/>
+            <a:ext cx="4015440" cy="3976920"/>
           </a:xfrm>
           <a:prstGeom prst="rect">
             <a:avLst/>
@@ -2730,8 +2731,8 @@
         </p:nvSpPr>
         <p:spPr>
           <a:xfrm>
-            <a:off x="4674240" y="1604520"/>
-            <a:ext cx="4015800" cy="3977280"/>
+            <a:off x="4673880" y="1604520"/>
+            <a:ext cx="4015440" cy="3976920"/>
           </a:xfrm>
           <a:prstGeom prst="rect">
             <a:avLst/>
@@ -2782,8 +2783,8 @@
         </p:nvSpPr>
         <p:spPr>
           <a:xfrm>
-            <a:off x="457200" y="273600"/>
-            <a:ext cx="8229240" cy="1144800"/>
+            <a:off x="457200" y="273240"/>
+            <a:ext cx="8228880" cy="1145160"/>
           </a:xfrm>
           <a:prstGeom prst="rect">
             <a:avLst/>
@@ -2835,8 +2836,8 @@
         </p:nvSpPr>
         <p:spPr>
           <a:xfrm>
-            <a:off x="457200" y="273600"/>
-            <a:ext cx="8229240" cy="5307840"/>
+            <a:off x="457200" y="273240"/>
+            <a:ext cx="8228880" cy="5309640"/>
           </a:xfrm>
           <a:prstGeom prst="rect">
             <a:avLst/>
@@ -2888,8 +2889,8 @@
         </p:nvSpPr>
         <p:spPr>
           <a:xfrm>
-            <a:off x="457200" y="273600"/>
-            <a:ext cx="8229240" cy="1144800"/>
+            <a:off x="457200" y="273240"/>
+            <a:ext cx="8228880" cy="1145160"/>
           </a:xfrm>
           <a:prstGeom prst="rect">
             <a:avLst/>
@@ -2920,7 +2921,7 @@
         <p:spPr>
           <a:xfrm>
             <a:off x="457200" y="1604520"/>
-            <a:ext cx="4015800" cy="1896840"/>
+            <a:ext cx="4015440" cy="1896840"/>
           </a:xfrm>
           <a:prstGeom prst="rect">
             <a:avLst/>
@@ -2949,8 +2950,8 @@
         </p:nvSpPr>
         <p:spPr>
           <a:xfrm>
-            <a:off x="4674240" y="1604520"/>
-            <a:ext cx="4015800" cy="3977280"/>
+            <a:off x="4673880" y="1604520"/>
+            <a:ext cx="4015440" cy="3976920"/>
           </a:xfrm>
           <a:prstGeom prst="rect">
             <a:avLst/>
@@ -2980,7 +2981,7 @@
         <p:spPr>
           <a:xfrm>
             <a:off x="457200" y="3682080"/>
-            <a:ext cx="4015800" cy="1896840"/>
+            <a:ext cx="4015440" cy="1896840"/>
           </a:xfrm>
           <a:prstGeom prst="rect">
             <a:avLst/>
@@ -3031,8 +3032,8 @@
         </p:nvSpPr>
         <p:spPr>
           <a:xfrm>
-            <a:off x="457200" y="273600"/>
-            <a:ext cx="8229240" cy="1144800"/>
+            <a:off x="457200" y="273240"/>
+            <a:ext cx="8228880" cy="1145160"/>
           </a:xfrm>
           <a:prstGeom prst="rect">
             <a:avLst/>
@@ -3063,7 +3064,7 @@
         <p:spPr>
           <a:xfrm>
             <a:off x="457200" y="1604520"/>
-            <a:ext cx="8229240" cy="3977280"/>
+            <a:ext cx="8228880" cy="3976920"/>
           </a:xfrm>
           <a:prstGeom prst="rect">
             <a:avLst/>
@@ -3115,8 +3116,8 @@
         </p:nvSpPr>
         <p:spPr>
           <a:xfrm>
-            <a:off x="457200" y="273600"/>
-            <a:ext cx="8229240" cy="1144800"/>
+            <a:off x="457200" y="273240"/>
+            <a:ext cx="8228880" cy="1145160"/>
           </a:xfrm>
           <a:prstGeom prst="rect">
             <a:avLst/>
@@ -3147,7 +3148,7 @@
         <p:spPr>
           <a:xfrm>
             <a:off x="457200" y="1604520"/>
-            <a:ext cx="4015800" cy="3977280"/>
+            <a:ext cx="4015440" cy="3976920"/>
           </a:xfrm>
           <a:prstGeom prst="rect">
             <a:avLst/>
@@ -3176,8 +3177,8 @@
         </p:nvSpPr>
         <p:spPr>
           <a:xfrm>
-            <a:off x="4674240" y="1604520"/>
-            <a:ext cx="4015800" cy="1896840"/>
+            <a:off x="4673880" y="1604520"/>
+            <a:ext cx="4015440" cy="1896840"/>
           </a:xfrm>
           <a:prstGeom prst="rect">
             <a:avLst/>
@@ -3206,8 +3207,8 @@
         </p:nvSpPr>
         <p:spPr>
           <a:xfrm>
-            <a:off x="4674240" y="3682080"/>
-            <a:ext cx="4015800" cy="1896840"/>
+            <a:off x="4673880" y="3682080"/>
+            <a:ext cx="4015440" cy="1896840"/>
           </a:xfrm>
           <a:prstGeom prst="rect">
             <a:avLst/>
@@ -3258,8 +3259,8 @@
         </p:nvSpPr>
         <p:spPr>
           <a:xfrm>
-            <a:off x="457200" y="273600"/>
-            <a:ext cx="8229240" cy="1144800"/>
+            <a:off x="457200" y="273240"/>
+            <a:ext cx="8228880" cy="1145160"/>
           </a:xfrm>
           <a:prstGeom prst="rect">
             <a:avLst/>
@@ -3290,7 +3291,7 @@
         <p:spPr>
           <a:xfrm>
             <a:off x="457200" y="1604520"/>
-            <a:ext cx="4015800" cy="1896840"/>
+            <a:ext cx="4015440" cy="1896840"/>
           </a:xfrm>
           <a:prstGeom prst="rect">
             <a:avLst/>
@@ -3319,8 +3320,8 @@
         </p:nvSpPr>
         <p:spPr>
           <a:xfrm>
-            <a:off x="4674240" y="1604520"/>
-            <a:ext cx="4015800" cy="1896840"/>
+            <a:off x="4673880" y="1604520"/>
+            <a:ext cx="4015440" cy="1896840"/>
           </a:xfrm>
           <a:prstGeom prst="rect">
             <a:avLst/>
@@ -3350,7 +3351,7 @@
         <p:spPr>
           <a:xfrm>
             <a:off x="457200" y="3682080"/>
-            <a:ext cx="8229240" cy="1896840"/>
+            <a:ext cx="8228880" cy="1896840"/>
           </a:xfrm>
           <a:prstGeom prst="rect">
             <a:avLst/>
@@ -3401,8 +3402,8 @@
         </p:nvSpPr>
         <p:spPr>
           <a:xfrm>
-            <a:off x="457200" y="273600"/>
-            <a:ext cx="8229240" cy="1144800"/>
+            <a:off x="457200" y="273240"/>
+            <a:ext cx="8228880" cy="1145160"/>
           </a:xfrm>
           <a:prstGeom prst="rect">
             <a:avLst/>
@@ -3433,7 +3434,7 @@
         <p:spPr>
           <a:xfrm>
             <a:off x="457200" y="1604520"/>
-            <a:ext cx="8229240" cy="1896840"/>
+            <a:ext cx="8228880" cy="1896840"/>
           </a:xfrm>
           <a:prstGeom prst="rect">
             <a:avLst/>
@@ -3463,7 +3464,7 @@
         <p:spPr>
           <a:xfrm>
             <a:off x="457200" y="3682080"/>
-            <a:ext cx="8229240" cy="1896840"/>
+            <a:ext cx="8228880" cy="1896840"/>
           </a:xfrm>
           <a:prstGeom prst="rect">
             <a:avLst/>
@@ -3514,8 +3515,8 @@
         </p:nvSpPr>
         <p:spPr>
           <a:xfrm>
-            <a:off x="457200" y="273600"/>
-            <a:ext cx="8229240" cy="1144800"/>
+            <a:off x="457200" y="273240"/>
+            <a:ext cx="8228880" cy="1145160"/>
           </a:xfrm>
           <a:prstGeom prst="rect">
             <a:avLst/>
@@ -3546,7 +3547,7 @@
         <p:spPr>
           <a:xfrm>
             <a:off x="457200" y="1604520"/>
-            <a:ext cx="4015800" cy="1896840"/>
+            <a:ext cx="4015440" cy="1896840"/>
           </a:xfrm>
           <a:prstGeom prst="rect">
             <a:avLst/>
@@ -3575,8 +3576,8 @@
         </p:nvSpPr>
         <p:spPr>
           <a:xfrm>
-            <a:off x="4674240" y="1604520"/>
-            <a:ext cx="4015800" cy="1896840"/>
+            <a:off x="4673880" y="1604520"/>
+            <a:ext cx="4015440" cy="1896840"/>
           </a:xfrm>
           <a:prstGeom prst="rect">
             <a:avLst/>
@@ -3606,7 +3607,7 @@
         <p:spPr>
           <a:xfrm>
             <a:off x="457200" y="3682080"/>
-            <a:ext cx="4015800" cy="1896840"/>
+            <a:ext cx="4015440" cy="1896840"/>
           </a:xfrm>
           <a:prstGeom prst="rect">
             <a:avLst/>
@@ -3635,8 +3636,8 @@
         </p:nvSpPr>
         <p:spPr>
           <a:xfrm>
-            <a:off x="4674240" y="3682080"/>
-            <a:ext cx="4015800" cy="1896840"/>
+            <a:off x="4673880" y="3682080"/>
+            <a:ext cx="4015440" cy="1896840"/>
           </a:xfrm>
           <a:prstGeom prst="rect">
             <a:avLst/>
@@ -3687,8 +3688,8 @@
         </p:nvSpPr>
         <p:spPr>
           <a:xfrm>
-            <a:off x="457200" y="273600"/>
-            <a:ext cx="8229240" cy="1144800"/>
+            <a:off x="457200" y="273240"/>
+            <a:ext cx="8228880" cy="1145160"/>
           </a:xfrm>
           <a:prstGeom prst="rect">
             <a:avLst/>
@@ -3942,8 +3943,8 @@
         </p:nvSpPr>
         <p:spPr>
           <a:xfrm>
-            <a:off x="457200" y="273600"/>
-            <a:ext cx="8229240" cy="1144800"/>
+            <a:off x="457200" y="273240"/>
+            <a:ext cx="8228880" cy="1145160"/>
           </a:xfrm>
           <a:prstGeom prst="rect">
             <a:avLst/>
@@ -3974,7 +3975,7 @@
         <p:spPr>
           <a:xfrm>
             <a:off x="457200" y="1604520"/>
-            <a:ext cx="8229240" cy="3977280"/>
+            <a:ext cx="8228880" cy="3976920"/>
           </a:xfrm>
           <a:prstGeom prst="rect">
             <a:avLst/>
@@ -4026,8 +4027,8 @@
         </p:nvSpPr>
         <p:spPr>
           <a:xfrm>
-            <a:off x="457200" y="273600"/>
-            <a:ext cx="8229240" cy="1144800"/>
+            <a:off x="457200" y="273240"/>
+            <a:ext cx="8228880" cy="1145160"/>
           </a:xfrm>
           <a:prstGeom prst="rect">
             <a:avLst/>
@@ -4058,7 +4059,7 @@
         <p:spPr>
           <a:xfrm>
             <a:off x="457200" y="1604520"/>
-            <a:ext cx="8229240" cy="3977280"/>
+            <a:ext cx="8228880" cy="3976920"/>
           </a:xfrm>
           <a:prstGeom prst="rect">
             <a:avLst/>
@@ -4109,8 +4110,8 @@
         </p:nvSpPr>
         <p:spPr>
           <a:xfrm>
-            <a:off x="457200" y="273600"/>
-            <a:ext cx="8229240" cy="1144800"/>
+            <a:off x="457200" y="273240"/>
+            <a:ext cx="8228880" cy="1145160"/>
           </a:xfrm>
           <a:prstGeom prst="rect">
             <a:avLst/>
@@ -4141,7 +4142,7 @@
         <p:spPr>
           <a:xfrm>
             <a:off x="457200" y="1604520"/>
-            <a:ext cx="4015800" cy="3977280"/>
+            <a:ext cx="4015440" cy="3976920"/>
           </a:xfrm>
           <a:prstGeom prst="rect">
             <a:avLst/>
@@ -4170,8 +4171,8 @@
         </p:nvSpPr>
         <p:spPr>
           <a:xfrm>
-            <a:off x="4674240" y="1604520"/>
-            <a:ext cx="4015800" cy="3977280"/>
+            <a:off x="4673880" y="1604520"/>
+            <a:ext cx="4015440" cy="3976920"/>
           </a:xfrm>
           <a:prstGeom prst="rect">
             <a:avLst/>
@@ -4222,8 +4223,8 @@
         </p:nvSpPr>
         <p:spPr>
           <a:xfrm>
-            <a:off x="457200" y="273600"/>
-            <a:ext cx="8229240" cy="1144800"/>
+            <a:off x="457200" y="273240"/>
+            <a:ext cx="8228880" cy="1145160"/>
           </a:xfrm>
           <a:prstGeom prst="rect">
             <a:avLst/>
@@ -4275,8 +4276,8 @@
         </p:nvSpPr>
         <p:spPr>
           <a:xfrm>
-            <a:off x="457200" y="273600"/>
-            <a:ext cx="8229240" cy="1144800"/>
+            <a:off x="457200" y="273240"/>
+            <a:ext cx="8228880" cy="1145160"/>
           </a:xfrm>
           <a:prstGeom prst="rect">
             <a:avLst/>
@@ -4307,7 +4308,7 @@
         <p:spPr>
           <a:xfrm>
             <a:off x="457200" y="1604520"/>
-            <a:ext cx="8229240" cy="3977280"/>
+            <a:ext cx="8228880" cy="3976920"/>
           </a:xfrm>
           <a:prstGeom prst="rect">
             <a:avLst/>
@@ -4358,8 +4359,8 @@
         </p:nvSpPr>
         <p:spPr>
           <a:xfrm>
-            <a:off x="457200" y="273600"/>
-            <a:ext cx="8229240" cy="5307840"/>
+            <a:off x="457200" y="273240"/>
+            <a:ext cx="8228880" cy="5309640"/>
           </a:xfrm>
           <a:prstGeom prst="rect">
             <a:avLst/>
@@ -4411,8 +4412,8 @@
         </p:nvSpPr>
         <p:spPr>
           <a:xfrm>
-            <a:off x="457200" y="273600"/>
-            <a:ext cx="8229240" cy="1144800"/>
+            <a:off x="457200" y="273240"/>
+            <a:ext cx="8228880" cy="1145160"/>
           </a:xfrm>
           <a:prstGeom prst="rect">
             <a:avLst/>
@@ -4443,7 +4444,7 @@
         <p:spPr>
           <a:xfrm>
             <a:off x="457200" y="1604520"/>
-            <a:ext cx="4015800" cy="1896840"/>
+            <a:ext cx="4015440" cy="1896840"/>
           </a:xfrm>
           <a:prstGeom prst="rect">
             <a:avLst/>
@@ -4472,8 +4473,8 @@
         </p:nvSpPr>
         <p:spPr>
           <a:xfrm>
-            <a:off x="4674240" y="1604520"/>
-            <a:ext cx="4015800" cy="3977280"/>
+            <a:off x="4673880" y="1604520"/>
+            <a:ext cx="4015440" cy="3976920"/>
           </a:xfrm>
           <a:prstGeom prst="rect">
             <a:avLst/>
@@ -4503,7 +4504,7 @@
         <p:spPr>
           <a:xfrm>
             <a:off x="457200" y="3682080"/>
-            <a:ext cx="4015800" cy="1896840"/>
+            <a:ext cx="4015440" cy="1896840"/>
           </a:xfrm>
           <a:prstGeom prst="rect">
             <a:avLst/>
@@ -4554,8 +4555,8 @@
         </p:nvSpPr>
         <p:spPr>
           <a:xfrm>
-            <a:off x="457200" y="273600"/>
-            <a:ext cx="8229240" cy="1144800"/>
+            <a:off x="457200" y="273240"/>
+            <a:ext cx="8228880" cy="1145160"/>
           </a:xfrm>
           <a:prstGeom prst="rect">
             <a:avLst/>
@@ -4586,7 +4587,7 @@
         <p:spPr>
           <a:xfrm>
             <a:off x="457200" y="1604520"/>
-            <a:ext cx="4015800" cy="3977280"/>
+            <a:ext cx="4015440" cy="3976920"/>
           </a:xfrm>
           <a:prstGeom prst="rect">
             <a:avLst/>
@@ -4615,8 +4616,8 @@
         </p:nvSpPr>
         <p:spPr>
           <a:xfrm>
-            <a:off x="4674240" y="1604520"/>
-            <a:ext cx="4015800" cy="1896840"/>
+            <a:off x="4673880" y="1604520"/>
+            <a:ext cx="4015440" cy="1896840"/>
           </a:xfrm>
           <a:prstGeom prst="rect">
             <a:avLst/>
@@ -4645,8 +4646,8 @@
         </p:nvSpPr>
         <p:spPr>
           <a:xfrm>
-            <a:off x="4674240" y="3682080"/>
-            <a:ext cx="4015800" cy="1896840"/>
+            <a:off x="4673880" y="3682080"/>
+            <a:ext cx="4015440" cy="1896840"/>
           </a:xfrm>
           <a:prstGeom prst="rect">
             <a:avLst/>
@@ -4697,8 +4698,8 @@
         </p:nvSpPr>
         <p:spPr>
           <a:xfrm>
-            <a:off x="457200" y="273600"/>
-            <a:ext cx="8229240" cy="1144800"/>
+            <a:off x="457200" y="273240"/>
+            <a:ext cx="8228880" cy="1145160"/>
           </a:xfrm>
           <a:prstGeom prst="rect">
             <a:avLst/>
@@ -4729,7 +4730,7 @@
         <p:spPr>
           <a:xfrm>
             <a:off x="457200" y="1604520"/>
-            <a:ext cx="4015800" cy="1896840"/>
+            <a:ext cx="4015440" cy="1896840"/>
           </a:xfrm>
           <a:prstGeom prst="rect">
             <a:avLst/>
@@ -4758,8 +4759,8 @@
         </p:nvSpPr>
         <p:spPr>
           <a:xfrm>
-            <a:off x="4674240" y="1604520"/>
-            <a:ext cx="4015800" cy="1896840"/>
+            <a:off x="4673880" y="1604520"/>
+            <a:ext cx="4015440" cy="1896840"/>
           </a:xfrm>
           <a:prstGeom prst="rect">
             <a:avLst/>
@@ -4789,7 +4790,7 @@
         <p:spPr>
           <a:xfrm>
             <a:off x="457200" y="3682080"/>
-            <a:ext cx="8229240" cy="1896840"/>
+            <a:ext cx="8228880" cy="1896840"/>
           </a:xfrm>
           <a:prstGeom prst="rect">
             <a:avLst/>
@@ -4840,8 +4841,8 @@
         </p:nvSpPr>
         <p:spPr>
           <a:xfrm>
-            <a:off x="457200" y="273600"/>
-            <a:ext cx="8229240" cy="1144800"/>
+            <a:off x="457200" y="273240"/>
+            <a:ext cx="8228880" cy="1145160"/>
           </a:xfrm>
           <a:prstGeom prst="rect">
             <a:avLst/>
@@ -4872,7 +4873,7 @@
         <p:spPr>
           <a:xfrm>
             <a:off x="457200" y="1604520"/>
-            <a:ext cx="8229240" cy="1896840"/>
+            <a:ext cx="8228880" cy="1896840"/>
           </a:xfrm>
           <a:prstGeom prst="rect">
             <a:avLst/>
@@ -4902,7 +4903,7 @@
         <p:spPr>
           <a:xfrm>
             <a:off x="457200" y="3682080"/>
-            <a:ext cx="8229240" cy="1896840"/>
+            <a:ext cx="8228880" cy="1896840"/>
           </a:xfrm>
           <a:prstGeom prst="rect">
             <a:avLst/>
@@ -4953,8 +4954,8 @@
         </p:nvSpPr>
         <p:spPr>
           <a:xfrm>
-            <a:off x="457200" y="273600"/>
-            <a:ext cx="8229240" cy="1144800"/>
+            <a:off x="457200" y="273240"/>
+            <a:ext cx="8228880" cy="1145160"/>
           </a:xfrm>
           <a:prstGeom prst="rect">
             <a:avLst/>
@@ -4985,7 +4986,7 @@
         <p:spPr>
           <a:xfrm>
             <a:off x="457200" y="1604520"/>
-            <a:ext cx="4015800" cy="1896840"/>
+            <a:ext cx="4015440" cy="1896840"/>
           </a:xfrm>
           <a:prstGeom prst="rect">
             <a:avLst/>
@@ -5014,8 +5015,8 @@
         </p:nvSpPr>
         <p:spPr>
           <a:xfrm>
-            <a:off x="4674240" y="1604520"/>
-            <a:ext cx="4015800" cy="1896840"/>
+            <a:off x="4673880" y="1604520"/>
+            <a:ext cx="4015440" cy="1896840"/>
           </a:xfrm>
           <a:prstGeom prst="rect">
             <a:avLst/>
@@ -5045,7 +5046,7 @@
         <p:spPr>
           <a:xfrm>
             <a:off x="457200" y="3682080"/>
-            <a:ext cx="4015800" cy="1896840"/>
+            <a:ext cx="4015440" cy="1896840"/>
           </a:xfrm>
           <a:prstGeom prst="rect">
             <a:avLst/>
@@ -5074,8 +5075,8 @@
         </p:nvSpPr>
         <p:spPr>
           <a:xfrm>
-            <a:off x="4674240" y="3682080"/>
-            <a:ext cx="4015800" cy="1896840"/>
+            <a:off x="4673880" y="3682080"/>
+            <a:ext cx="4015440" cy="1896840"/>
           </a:xfrm>
           <a:prstGeom prst="rect">
             <a:avLst/>
@@ -5126,8 +5127,8 @@
         </p:nvSpPr>
         <p:spPr>
           <a:xfrm>
-            <a:off x="457200" y="273600"/>
-            <a:ext cx="8229240" cy="1144800"/>
+            <a:off x="457200" y="273240"/>
+            <a:ext cx="8228880" cy="1145160"/>
           </a:xfrm>
           <a:prstGeom prst="rect">
             <a:avLst/>
@@ -5381,8 +5382,8 @@
         </p:nvSpPr>
         <p:spPr>
           <a:xfrm>
-            <a:off x="457200" y="273600"/>
-            <a:ext cx="8229240" cy="1144800"/>
+            <a:off x="457200" y="273240"/>
+            <a:ext cx="8228880" cy="1145160"/>
           </a:xfrm>
           <a:prstGeom prst="rect">
             <a:avLst/>
@@ -5413,7 +5414,7 @@
         <p:spPr>
           <a:xfrm>
             <a:off x="457200" y="1604520"/>
-            <a:ext cx="8229240" cy="3977280"/>
+            <a:ext cx="8228880" cy="3976920"/>
           </a:xfrm>
           <a:prstGeom prst="rect">
             <a:avLst/>
@@ -5465,8 +5466,8 @@
         </p:nvSpPr>
         <p:spPr>
           <a:xfrm>
-            <a:off x="457200" y="273600"/>
-            <a:ext cx="8229240" cy="1144800"/>
+            <a:off x="457200" y="273240"/>
+            <a:ext cx="8228880" cy="1145160"/>
           </a:xfrm>
           <a:prstGeom prst="rect">
             <a:avLst/>
@@ -5497,7 +5498,7 @@
         <p:spPr>
           <a:xfrm>
             <a:off x="457200" y="1604520"/>
-            <a:ext cx="8229240" cy="3977280"/>
+            <a:ext cx="8228880" cy="3976920"/>
           </a:xfrm>
           <a:prstGeom prst="rect">
             <a:avLst/>
@@ -5548,8 +5549,8 @@
         </p:nvSpPr>
         <p:spPr>
           <a:xfrm>
-            <a:off x="457200" y="273600"/>
-            <a:ext cx="8229240" cy="1144800"/>
+            <a:off x="457200" y="273240"/>
+            <a:ext cx="8228880" cy="1145160"/>
           </a:xfrm>
           <a:prstGeom prst="rect">
             <a:avLst/>
@@ -5580,7 +5581,7 @@
         <p:spPr>
           <a:xfrm>
             <a:off x="457200" y="1604520"/>
-            <a:ext cx="4015800" cy="3977280"/>
+            <a:ext cx="4015440" cy="3976920"/>
           </a:xfrm>
           <a:prstGeom prst="rect">
             <a:avLst/>
@@ -5609,8 +5610,8 @@
         </p:nvSpPr>
         <p:spPr>
           <a:xfrm>
-            <a:off x="4674240" y="1604520"/>
-            <a:ext cx="4015800" cy="3977280"/>
+            <a:off x="4673880" y="1604520"/>
+            <a:ext cx="4015440" cy="3976920"/>
           </a:xfrm>
           <a:prstGeom prst="rect">
             <a:avLst/>
@@ -5661,8 +5662,8 @@
         </p:nvSpPr>
         <p:spPr>
           <a:xfrm>
-            <a:off x="457200" y="273600"/>
-            <a:ext cx="8229240" cy="1144800"/>
+            <a:off x="457200" y="273240"/>
+            <a:ext cx="8228880" cy="1145160"/>
           </a:xfrm>
           <a:prstGeom prst="rect">
             <a:avLst/>
@@ -5693,7 +5694,7 @@
         <p:spPr>
           <a:xfrm>
             <a:off x="457200" y="1604520"/>
-            <a:ext cx="4015800" cy="3977280"/>
+            <a:ext cx="4015440" cy="3976920"/>
           </a:xfrm>
           <a:prstGeom prst="rect">
             <a:avLst/>
@@ -5722,8 +5723,8 @@
         </p:nvSpPr>
         <p:spPr>
           <a:xfrm>
-            <a:off x="4674240" y="1604520"/>
-            <a:ext cx="4015800" cy="3977280"/>
+            <a:off x="4673880" y="1604520"/>
+            <a:ext cx="4015440" cy="3976920"/>
           </a:xfrm>
           <a:prstGeom prst="rect">
             <a:avLst/>
@@ -5774,8 +5775,8 @@
         </p:nvSpPr>
         <p:spPr>
           <a:xfrm>
-            <a:off x="457200" y="273600"/>
-            <a:ext cx="8229240" cy="1144800"/>
+            <a:off x="457200" y="273240"/>
+            <a:ext cx="8228880" cy="1145160"/>
           </a:xfrm>
           <a:prstGeom prst="rect">
             <a:avLst/>
@@ -5827,8 +5828,8 @@
         </p:nvSpPr>
         <p:spPr>
           <a:xfrm>
-            <a:off x="457200" y="273600"/>
-            <a:ext cx="8229240" cy="5307840"/>
+            <a:off x="457200" y="273240"/>
+            <a:ext cx="8228880" cy="5309640"/>
           </a:xfrm>
           <a:prstGeom prst="rect">
             <a:avLst/>
@@ -5880,8 +5881,8 @@
         </p:nvSpPr>
         <p:spPr>
           <a:xfrm>
-            <a:off x="457200" y="273600"/>
-            <a:ext cx="8229240" cy="1144800"/>
+            <a:off x="457200" y="273240"/>
+            <a:ext cx="8228880" cy="1145160"/>
           </a:xfrm>
           <a:prstGeom prst="rect">
             <a:avLst/>
@@ -5912,7 +5913,7 @@
         <p:spPr>
           <a:xfrm>
             <a:off x="457200" y="1604520"/>
-            <a:ext cx="4015800" cy="1896840"/>
+            <a:ext cx="4015440" cy="1896840"/>
           </a:xfrm>
           <a:prstGeom prst="rect">
             <a:avLst/>
@@ -5941,8 +5942,8 @@
         </p:nvSpPr>
         <p:spPr>
           <a:xfrm>
-            <a:off x="4674240" y="1604520"/>
-            <a:ext cx="4015800" cy="3977280"/>
+            <a:off x="4673880" y="1604520"/>
+            <a:ext cx="4015440" cy="3976920"/>
           </a:xfrm>
           <a:prstGeom prst="rect">
             <a:avLst/>
@@ -5972,7 +5973,7 @@
         <p:spPr>
           <a:xfrm>
             <a:off x="457200" y="3682080"/>
-            <a:ext cx="4015800" cy="1896840"/>
+            <a:ext cx="4015440" cy="1896840"/>
           </a:xfrm>
           <a:prstGeom prst="rect">
             <a:avLst/>
@@ -6023,8 +6024,8 @@
         </p:nvSpPr>
         <p:spPr>
           <a:xfrm>
-            <a:off x="457200" y="273600"/>
-            <a:ext cx="8229240" cy="1144800"/>
+            <a:off x="457200" y="273240"/>
+            <a:ext cx="8228880" cy="1145160"/>
           </a:xfrm>
           <a:prstGeom prst="rect">
             <a:avLst/>
@@ -6055,7 +6056,7 @@
         <p:spPr>
           <a:xfrm>
             <a:off x="457200" y="1604520"/>
-            <a:ext cx="4015800" cy="3977280"/>
+            <a:ext cx="4015440" cy="3976920"/>
           </a:xfrm>
           <a:prstGeom prst="rect">
             <a:avLst/>
@@ -6084,8 +6085,8 @@
         </p:nvSpPr>
         <p:spPr>
           <a:xfrm>
-            <a:off x="4674240" y="1604520"/>
-            <a:ext cx="4015800" cy="1896840"/>
+            <a:off x="4673880" y="1604520"/>
+            <a:ext cx="4015440" cy="1896840"/>
           </a:xfrm>
           <a:prstGeom prst="rect">
             <a:avLst/>
@@ -6114,8 +6115,8 @@
         </p:nvSpPr>
         <p:spPr>
           <a:xfrm>
-            <a:off x="4674240" y="3682080"/>
-            <a:ext cx="4015800" cy="1896840"/>
+            <a:off x="4673880" y="3682080"/>
+            <a:ext cx="4015440" cy="1896840"/>
           </a:xfrm>
           <a:prstGeom prst="rect">
             <a:avLst/>
@@ -6166,8 +6167,8 @@
         </p:nvSpPr>
         <p:spPr>
           <a:xfrm>
-            <a:off x="457200" y="273600"/>
-            <a:ext cx="8229240" cy="1144800"/>
+            <a:off x="457200" y="273240"/>
+            <a:ext cx="8228880" cy="1145160"/>
           </a:xfrm>
           <a:prstGeom prst="rect">
             <a:avLst/>
@@ -6198,7 +6199,7 @@
         <p:spPr>
           <a:xfrm>
             <a:off x="457200" y="1604520"/>
-            <a:ext cx="4015800" cy="1896840"/>
+            <a:ext cx="4015440" cy="1896840"/>
           </a:xfrm>
           <a:prstGeom prst="rect">
             <a:avLst/>
@@ -6227,8 +6228,8 @@
         </p:nvSpPr>
         <p:spPr>
           <a:xfrm>
-            <a:off x="4674240" y="1604520"/>
-            <a:ext cx="4015800" cy="1896840"/>
+            <a:off x="4673880" y="1604520"/>
+            <a:ext cx="4015440" cy="1896840"/>
           </a:xfrm>
           <a:prstGeom prst="rect">
             <a:avLst/>
@@ -6258,7 +6259,7 @@
         <p:spPr>
           <a:xfrm>
             <a:off x="457200" y="3682080"/>
-            <a:ext cx="8229240" cy="1896840"/>
+            <a:ext cx="8228880" cy="1896840"/>
           </a:xfrm>
           <a:prstGeom prst="rect">
             <a:avLst/>
@@ -6309,8 +6310,8 @@
         </p:nvSpPr>
         <p:spPr>
           <a:xfrm>
-            <a:off x="457200" y="273600"/>
-            <a:ext cx="8229240" cy="1144800"/>
+            <a:off x="457200" y="273240"/>
+            <a:ext cx="8228880" cy="1145160"/>
           </a:xfrm>
           <a:prstGeom prst="rect">
             <a:avLst/>
@@ -6341,7 +6342,7 @@
         <p:spPr>
           <a:xfrm>
             <a:off x="457200" y="1604520"/>
-            <a:ext cx="8229240" cy="1896840"/>
+            <a:ext cx="8228880" cy="1896840"/>
           </a:xfrm>
           <a:prstGeom prst="rect">
             <a:avLst/>
@@ -6371,7 +6372,7 @@
         <p:spPr>
           <a:xfrm>
             <a:off x="457200" y="3682080"/>
-            <a:ext cx="8229240" cy="1896840"/>
+            <a:ext cx="8228880" cy="1896840"/>
           </a:xfrm>
           <a:prstGeom prst="rect">
             <a:avLst/>
@@ -6422,8 +6423,8 @@
         </p:nvSpPr>
         <p:spPr>
           <a:xfrm>
-            <a:off x="457200" y="273600"/>
-            <a:ext cx="8229240" cy="1144800"/>
+            <a:off x="457200" y="273240"/>
+            <a:ext cx="8228880" cy="1145160"/>
           </a:xfrm>
           <a:prstGeom prst="rect">
             <a:avLst/>
@@ -6454,7 +6455,7 @@
         <p:spPr>
           <a:xfrm>
             <a:off x="457200" y="1604520"/>
-            <a:ext cx="4015800" cy="1896840"/>
+            <a:ext cx="4015440" cy="1896840"/>
           </a:xfrm>
           <a:prstGeom prst="rect">
             <a:avLst/>
@@ -6483,8 +6484,8 @@
         </p:nvSpPr>
         <p:spPr>
           <a:xfrm>
-            <a:off x="4674240" y="1604520"/>
-            <a:ext cx="4015800" cy="1896840"/>
+            <a:off x="4673880" y="1604520"/>
+            <a:ext cx="4015440" cy="1896840"/>
           </a:xfrm>
           <a:prstGeom prst="rect">
             <a:avLst/>
@@ -6514,7 +6515,7 @@
         <p:spPr>
           <a:xfrm>
             <a:off x="457200" y="3682080"/>
-            <a:ext cx="4015800" cy="1896840"/>
+            <a:ext cx="4015440" cy="1896840"/>
           </a:xfrm>
           <a:prstGeom prst="rect">
             <a:avLst/>
@@ -6543,8 +6544,8 @@
         </p:nvSpPr>
         <p:spPr>
           <a:xfrm>
-            <a:off x="4674240" y="3682080"/>
-            <a:ext cx="4015800" cy="1896840"/>
+            <a:off x="4673880" y="3682080"/>
+            <a:ext cx="4015440" cy="1896840"/>
           </a:xfrm>
           <a:prstGeom prst="rect">
             <a:avLst/>
@@ -6595,8 +6596,8 @@
         </p:nvSpPr>
         <p:spPr>
           <a:xfrm>
-            <a:off x="457200" y="273600"/>
-            <a:ext cx="8229240" cy="1144800"/>
+            <a:off x="457200" y="273240"/>
+            <a:ext cx="8228880" cy="1145160"/>
           </a:xfrm>
           <a:prstGeom prst="rect">
             <a:avLst/>
@@ -6850,8 +6851,8 @@
         </p:nvSpPr>
         <p:spPr>
           <a:xfrm>
-            <a:off x="457200" y="273600"/>
-            <a:ext cx="8229240" cy="1144800"/>
+            <a:off x="457200" y="273240"/>
+            <a:ext cx="8228880" cy="1145160"/>
           </a:xfrm>
           <a:prstGeom prst="rect">
             <a:avLst/>
@@ -6893,7 +6894,7 @@
       </p:grpSpPr>
       <p:sp>
         <p:nvSpPr>
-          <p:cNvPr id="162" name="PlaceHolder 1"/>
+          <p:cNvPr id="160" name="PlaceHolder 1"/>
           <p:cNvSpPr>
             <a:spLocks noGrp="1"/>
           </p:cNvSpPr>
@@ -6903,8 +6904,8 @@
         </p:nvSpPr>
         <p:spPr>
           <a:xfrm>
-            <a:off x="457200" y="273600"/>
-            <a:ext cx="8229240" cy="1144800"/>
+            <a:off x="457200" y="273240"/>
+            <a:ext cx="8228880" cy="1145160"/>
           </a:xfrm>
           <a:prstGeom prst="rect">
             <a:avLst/>
@@ -6924,7 +6925,7 @@
       </p:sp>
       <p:sp>
         <p:nvSpPr>
-          <p:cNvPr id="163" name="PlaceHolder 2"/>
+          <p:cNvPr id="161" name="PlaceHolder 2"/>
           <p:cNvSpPr>
             <a:spLocks noGrp="1"/>
           </p:cNvSpPr>
@@ -6935,7 +6936,7 @@
         <p:spPr>
           <a:xfrm>
             <a:off x="457200" y="1604520"/>
-            <a:ext cx="8229240" cy="3977280"/>
+            <a:ext cx="8228880" cy="3976920"/>
           </a:xfrm>
           <a:prstGeom prst="rect">
             <a:avLst/>
@@ -6977,7 +6978,7 @@
       </p:grpSpPr>
       <p:sp>
         <p:nvSpPr>
-          <p:cNvPr id="164" name="PlaceHolder 1"/>
+          <p:cNvPr id="162" name="PlaceHolder 1"/>
           <p:cNvSpPr>
             <a:spLocks noGrp="1"/>
           </p:cNvSpPr>
@@ -6987,8 +6988,8 @@
         </p:nvSpPr>
         <p:spPr>
           <a:xfrm>
-            <a:off x="457200" y="273600"/>
-            <a:ext cx="8229240" cy="1144800"/>
+            <a:off x="457200" y="273240"/>
+            <a:ext cx="8228880" cy="1145160"/>
           </a:xfrm>
           <a:prstGeom prst="rect">
             <a:avLst/>
@@ -7008,7 +7009,7 @@
       </p:sp>
       <p:sp>
         <p:nvSpPr>
-          <p:cNvPr id="165" name="PlaceHolder 2"/>
+          <p:cNvPr id="163" name="PlaceHolder 2"/>
           <p:cNvSpPr>
             <a:spLocks noGrp="1"/>
           </p:cNvSpPr>
@@ -7019,7 +7020,7 @@
         <p:spPr>
           <a:xfrm>
             <a:off x="457200" y="1604520"/>
-            <a:ext cx="8229240" cy="3977280"/>
+            <a:ext cx="8228880" cy="3976920"/>
           </a:xfrm>
           <a:prstGeom prst="rect">
             <a:avLst/>
@@ -7060,7 +7061,7 @@
       </p:grpSpPr>
       <p:sp>
         <p:nvSpPr>
-          <p:cNvPr id="166" name="PlaceHolder 1"/>
+          <p:cNvPr id="164" name="PlaceHolder 1"/>
           <p:cNvSpPr>
             <a:spLocks noGrp="1"/>
           </p:cNvSpPr>
@@ -7070,8 +7071,8 @@
         </p:nvSpPr>
         <p:spPr>
           <a:xfrm>
-            <a:off x="457200" y="273600"/>
-            <a:ext cx="8229240" cy="1144800"/>
+            <a:off x="457200" y="273240"/>
+            <a:ext cx="8228880" cy="1145160"/>
           </a:xfrm>
           <a:prstGeom prst="rect">
             <a:avLst/>
@@ -7091,7 +7092,7 @@
       </p:sp>
       <p:sp>
         <p:nvSpPr>
-          <p:cNvPr id="167" name="PlaceHolder 2"/>
+          <p:cNvPr id="165" name="PlaceHolder 2"/>
           <p:cNvSpPr>
             <a:spLocks noGrp="1"/>
           </p:cNvSpPr>
@@ -7102,7 +7103,7 @@
         <p:spPr>
           <a:xfrm>
             <a:off x="457200" y="1604520"/>
-            <a:ext cx="4015800" cy="3977280"/>
+            <a:ext cx="4015440" cy="3976920"/>
           </a:xfrm>
           <a:prstGeom prst="rect">
             <a:avLst/>
@@ -7121,7 +7122,7 @@
       </p:sp>
       <p:sp>
         <p:nvSpPr>
-          <p:cNvPr id="168" name="PlaceHolder 3"/>
+          <p:cNvPr id="166" name="PlaceHolder 3"/>
           <p:cNvSpPr>
             <a:spLocks noGrp="1"/>
           </p:cNvSpPr>
@@ -7131,8 +7132,8 @@
         </p:nvSpPr>
         <p:spPr>
           <a:xfrm>
-            <a:off x="4674240" y="1604520"/>
-            <a:ext cx="4015800" cy="3977280"/>
+            <a:off x="4673880" y="1604520"/>
+            <a:ext cx="4015440" cy="3976920"/>
           </a:xfrm>
           <a:prstGeom prst="rect">
             <a:avLst/>
@@ -7173,7 +7174,7 @@
       </p:grpSpPr>
       <p:sp>
         <p:nvSpPr>
-          <p:cNvPr id="169" name="PlaceHolder 1"/>
+          <p:cNvPr id="167" name="PlaceHolder 1"/>
           <p:cNvSpPr>
             <a:spLocks noGrp="1"/>
           </p:cNvSpPr>
@@ -7183,8 +7184,8 @@
         </p:nvSpPr>
         <p:spPr>
           <a:xfrm>
-            <a:off x="457200" y="273600"/>
-            <a:ext cx="8229240" cy="1144800"/>
+            <a:off x="457200" y="273240"/>
+            <a:ext cx="8228880" cy="1145160"/>
           </a:xfrm>
           <a:prstGeom prst="rect">
             <a:avLst/>
@@ -7226,7 +7227,7 @@
       </p:grpSpPr>
       <p:sp>
         <p:nvSpPr>
-          <p:cNvPr id="170" name="PlaceHolder 1"/>
+          <p:cNvPr id="168" name="PlaceHolder 1"/>
           <p:cNvSpPr>
             <a:spLocks noGrp="1"/>
           </p:cNvSpPr>
@@ -7236,8 +7237,8 @@
         </p:nvSpPr>
         <p:spPr>
           <a:xfrm>
-            <a:off x="457200" y="273600"/>
-            <a:ext cx="8229240" cy="5307840"/>
+            <a:off x="457200" y="273240"/>
+            <a:ext cx="8228880" cy="5309640"/>
           </a:xfrm>
           <a:prstGeom prst="rect">
             <a:avLst/>
@@ -7279,7 +7280,7 @@
       </p:grpSpPr>
       <p:sp>
         <p:nvSpPr>
-          <p:cNvPr id="171" name="PlaceHolder 1"/>
+          <p:cNvPr id="169" name="PlaceHolder 1"/>
           <p:cNvSpPr>
             <a:spLocks noGrp="1"/>
           </p:cNvSpPr>
@@ -7289,8 +7290,8 @@
         </p:nvSpPr>
         <p:spPr>
           <a:xfrm>
-            <a:off x="457200" y="273600"/>
-            <a:ext cx="8229240" cy="1144800"/>
+            <a:off x="457200" y="273240"/>
+            <a:ext cx="8228880" cy="1145160"/>
           </a:xfrm>
           <a:prstGeom prst="rect">
             <a:avLst/>
@@ -7310,7 +7311,7 @@
       </p:sp>
       <p:sp>
         <p:nvSpPr>
-          <p:cNvPr id="172" name="PlaceHolder 2"/>
+          <p:cNvPr id="170" name="PlaceHolder 2"/>
           <p:cNvSpPr>
             <a:spLocks noGrp="1"/>
           </p:cNvSpPr>
@@ -7321,7 +7322,7 @@
         <p:spPr>
           <a:xfrm>
             <a:off x="457200" y="1604520"/>
-            <a:ext cx="4015800" cy="1896840"/>
+            <a:ext cx="4015440" cy="1896840"/>
           </a:xfrm>
           <a:prstGeom prst="rect">
             <a:avLst/>
@@ -7340,7 +7341,7 @@
       </p:sp>
       <p:sp>
         <p:nvSpPr>
-          <p:cNvPr id="173" name="PlaceHolder 3"/>
+          <p:cNvPr id="171" name="PlaceHolder 3"/>
           <p:cNvSpPr>
             <a:spLocks noGrp="1"/>
           </p:cNvSpPr>
@@ -7350,8 +7351,8 @@
         </p:nvSpPr>
         <p:spPr>
           <a:xfrm>
-            <a:off x="4674240" y="1604520"/>
-            <a:ext cx="4015800" cy="3977280"/>
+            <a:off x="4673880" y="1604520"/>
+            <a:ext cx="4015440" cy="3976920"/>
           </a:xfrm>
           <a:prstGeom prst="rect">
             <a:avLst/>
@@ -7370,7 +7371,7 @@
       </p:sp>
       <p:sp>
         <p:nvSpPr>
-          <p:cNvPr id="174" name="PlaceHolder 4"/>
+          <p:cNvPr id="172" name="PlaceHolder 4"/>
           <p:cNvSpPr>
             <a:spLocks noGrp="1"/>
           </p:cNvSpPr>
@@ -7381,7 +7382,7 @@
         <p:spPr>
           <a:xfrm>
             <a:off x="457200" y="3682080"/>
-            <a:ext cx="4015800" cy="1896840"/>
+            <a:ext cx="4015440" cy="1896840"/>
           </a:xfrm>
           <a:prstGeom prst="rect">
             <a:avLst/>
@@ -7422,7 +7423,7 @@
       </p:grpSpPr>
       <p:sp>
         <p:nvSpPr>
-          <p:cNvPr id="175" name="PlaceHolder 1"/>
+          <p:cNvPr id="173" name="PlaceHolder 1"/>
           <p:cNvSpPr>
             <a:spLocks noGrp="1"/>
           </p:cNvSpPr>
@@ -7432,8 +7433,8 @@
         </p:nvSpPr>
         <p:spPr>
           <a:xfrm>
-            <a:off x="457200" y="273600"/>
-            <a:ext cx="8229240" cy="1144800"/>
+            <a:off x="457200" y="273240"/>
+            <a:ext cx="8228880" cy="1145160"/>
           </a:xfrm>
           <a:prstGeom prst="rect">
             <a:avLst/>
@@ -7453,7 +7454,7 @@
       </p:sp>
       <p:sp>
         <p:nvSpPr>
-          <p:cNvPr id="176" name="PlaceHolder 2"/>
+          <p:cNvPr id="174" name="PlaceHolder 2"/>
           <p:cNvSpPr>
             <a:spLocks noGrp="1"/>
           </p:cNvSpPr>
@@ -7464,7 +7465,7 @@
         <p:spPr>
           <a:xfrm>
             <a:off x="457200" y="1604520"/>
-            <a:ext cx="4015800" cy="3977280"/>
+            <a:ext cx="4015440" cy="3976920"/>
           </a:xfrm>
           <a:prstGeom prst="rect">
             <a:avLst/>
@@ -7483,7 +7484,7 @@
       </p:sp>
       <p:sp>
         <p:nvSpPr>
-          <p:cNvPr id="177" name="PlaceHolder 3"/>
+          <p:cNvPr id="175" name="PlaceHolder 3"/>
           <p:cNvSpPr>
             <a:spLocks noGrp="1"/>
           </p:cNvSpPr>
@@ -7493,8 +7494,8 @@
         </p:nvSpPr>
         <p:spPr>
           <a:xfrm>
-            <a:off x="4674240" y="1604520"/>
-            <a:ext cx="4015800" cy="1896840"/>
+            <a:off x="4673880" y="1604520"/>
+            <a:ext cx="4015440" cy="1896840"/>
           </a:xfrm>
           <a:prstGeom prst="rect">
             <a:avLst/>
@@ -7513,7 +7514,7 @@
       </p:sp>
       <p:sp>
         <p:nvSpPr>
-          <p:cNvPr id="178" name="PlaceHolder 4"/>
+          <p:cNvPr id="176" name="PlaceHolder 4"/>
           <p:cNvSpPr>
             <a:spLocks noGrp="1"/>
           </p:cNvSpPr>
@@ -7523,8 +7524,8 @@
         </p:nvSpPr>
         <p:spPr>
           <a:xfrm>
-            <a:off x="4674240" y="3682080"/>
-            <a:ext cx="4015800" cy="1896840"/>
+            <a:off x="4673880" y="3682080"/>
+            <a:ext cx="4015440" cy="1896840"/>
           </a:xfrm>
           <a:prstGeom prst="rect">
             <a:avLst/>
@@ -7565,7 +7566,7 @@
       </p:grpSpPr>
       <p:sp>
         <p:nvSpPr>
-          <p:cNvPr id="179" name="PlaceHolder 1"/>
+          <p:cNvPr id="177" name="PlaceHolder 1"/>
           <p:cNvSpPr>
             <a:spLocks noGrp="1"/>
           </p:cNvSpPr>
@@ -7575,8 +7576,8 @@
         </p:nvSpPr>
         <p:spPr>
           <a:xfrm>
-            <a:off x="457200" y="273600"/>
-            <a:ext cx="8229240" cy="1144800"/>
+            <a:off x="457200" y="273240"/>
+            <a:ext cx="8228880" cy="1145160"/>
           </a:xfrm>
           <a:prstGeom prst="rect">
             <a:avLst/>
@@ -7596,7 +7597,7 @@
       </p:sp>
       <p:sp>
         <p:nvSpPr>
-          <p:cNvPr id="180" name="PlaceHolder 2"/>
+          <p:cNvPr id="178" name="PlaceHolder 2"/>
           <p:cNvSpPr>
             <a:spLocks noGrp="1"/>
           </p:cNvSpPr>
@@ -7607,7 +7608,7 @@
         <p:spPr>
           <a:xfrm>
             <a:off x="457200" y="1604520"/>
-            <a:ext cx="4015800" cy="1896840"/>
+            <a:ext cx="4015440" cy="1896840"/>
           </a:xfrm>
           <a:prstGeom prst="rect">
             <a:avLst/>
@@ -7626,7 +7627,7 @@
       </p:sp>
       <p:sp>
         <p:nvSpPr>
-          <p:cNvPr id="181" name="PlaceHolder 3"/>
+          <p:cNvPr id="179" name="PlaceHolder 3"/>
           <p:cNvSpPr>
             <a:spLocks noGrp="1"/>
           </p:cNvSpPr>
@@ -7636,8 +7637,8 @@
         </p:nvSpPr>
         <p:spPr>
           <a:xfrm>
-            <a:off x="4674240" y="1604520"/>
-            <a:ext cx="4015800" cy="1896840"/>
+            <a:off x="4673880" y="1604520"/>
+            <a:ext cx="4015440" cy="1896840"/>
           </a:xfrm>
           <a:prstGeom prst="rect">
             <a:avLst/>
@@ -7656,7 +7657,7 @@
       </p:sp>
       <p:sp>
         <p:nvSpPr>
-          <p:cNvPr id="182" name="PlaceHolder 4"/>
+          <p:cNvPr id="180" name="PlaceHolder 4"/>
           <p:cNvSpPr>
             <a:spLocks noGrp="1"/>
           </p:cNvSpPr>
@@ -7667,7 +7668,7 @@
         <p:spPr>
           <a:xfrm>
             <a:off x="457200" y="3682080"/>
-            <a:ext cx="8229240" cy="1896840"/>
+            <a:ext cx="8228880" cy="1896840"/>
           </a:xfrm>
           <a:prstGeom prst="rect">
             <a:avLst/>
@@ -7708,7 +7709,7 @@
       </p:grpSpPr>
       <p:sp>
         <p:nvSpPr>
-          <p:cNvPr id="183" name="PlaceHolder 1"/>
+          <p:cNvPr id="181" name="PlaceHolder 1"/>
           <p:cNvSpPr>
             <a:spLocks noGrp="1"/>
           </p:cNvSpPr>
@@ -7718,8 +7719,8 @@
         </p:nvSpPr>
         <p:spPr>
           <a:xfrm>
-            <a:off x="457200" y="273600"/>
-            <a:ext cx="8229240" cy="1144800"/>
+            <a:off x="457200" y="273240"/>
+            <a:ext cx="8228880" cy="1145160"/>
           </a:xfrm>
           <a:prstGeom prst="rect">
             <a:avLst/>
@@ -7739,7 +7740,7 @@
       </p:sp>
       <p:sp>
         <p:nvSpPr>
-          <p:cNvPr id="184" name="PlaceHolder 2"/>
+          <p:cNvPr id="182" name="PlaceHolder 2"/>
           <p:cNvSpPr>
             <a:spLocks noGrp="1"/>
           </p:cNvSpPr>
@@ -7750,7 +7751,7 @@
         <p:spPr>
           <a:xfrm>
             <a:off x="457200" y="1604520"/>
-            <a:ext cx="8229240" cy="1896840"/>
+            <a:ext cx="8228880" cy="1896840"/>
           </a:xfrm>
           <a:prstGeom prst="rect">
             <a:avLst/>
@@ -7769,7 +7770,7 @@
       </p:sp>
       <p:sp>
         <p:nvSpPr>
-          <p:cNvPr id="185" name="PlaceHolder 3"/>
+          <p:cNvPr id="183" name="PlaceHolder 3"/>
           <p:cNvSpPr>
             <a:spLocks noGrp="1"/>
           </p:cNvSpPr>
@@ -7780,7 +7781,7 @@
         <p:spPr>
           <a:xfrm>
             <a:off x="457200" y="3682080"/>
-            <a:ext cx="8229240" cy="1896840"/>
+            <a:ext cx="8228880" cy="1896840"/>
           </a:xfrm>
           <a:prstGeom prst="rect">
             <a:avLst/>
@@ -7821,7 +7822,7 @@
       </p:grpSpPr>
       <p:sp>
         <p:nvSpPr>
-          <p:cNvPr id="186" name="PlaceHolder 1"/>
+          <p:cNvPr id="184" name="PlaceHolder 1"/>
           <p:cNvSpPr>
             <a:spLocks noGrp="1"/>
           </p:cNvSpPr>
@@ -7831,8 +7832,8 @@
         </p:nvSpPr>
         <p:spPr>
           <a:xfrm>
-            <a:off x="457200" y="273600"/>
-            <a:ext cx="8229240" cy="1144800"/>
+            <a:off x="457200" y="273240"/>
+            <a:ext cx="8228880" cy="1145160"/>
           </a:xfrm>
           <a:prstGeom prst="rect">
             <a:avLst/>
@@ -7852,7 +7853,7 @@
       </p:sp>
       <p:sp>
         <p:nvSpPr>
-          <p:cNvPr id="187" name="PlaceHolder 2"/>
+          <p:cNvPr id="185" name="PlaceHolder 2"/>
           <p:cNvSpPr>
             <a:spLocks noGrp="1"/>
           </p:cNvSpPr>
@@ -7863,7 +7864,7 @@
         <p:spPr>
           <a:xfrm>
             <a:off x="457200" y="1604520"/>
-            <a:ext cx="4015800" cy="1896840"/>
+            <a:ext cx="4015440" cy="1896840"/>
           </a:xfrm>
           <a:prstGeom prst="rect">
             <a:avLst/>
@@ -7882,7 +7883,7 @@
       </p:sp>
       <p:sp>
         <p:nvSpPr>
-          <p:cNvPr id="188" name="PlaceHolder 3"/>
+          <p:cNvPr id="186" name="PlaceHolder 3"/>
           <p:cNvSpPr>
             <a:spLocks noGrp="1"/>
           </p:cNvSpPr>
@@ -7892,8 +7893,8 @@
         </p:nvSpPr>
         <p:spPr>
           <a:xfrm>
-            <a:off x="4674240" y="1604520"/>
-            <a:ext cx="4015800" cy="1896840"/>
+            <a:off x="4673880" y="1604520"/>
+            <a:ext cx="4015440" cy="1896840"/>
           </a:xfrm>
           <a:prstGeom prst="rect">
             <a:avLst/>
@@ -7912,7 +7913,7 @@
       </p:sp>
       <p:sp>
         <p:nvSpPr>
-          <p:cNvPr id="189" name="PlaceHolder 4"/>
+          <p:cNvPr id="187" name="PlaceHolder 4"/>
           <p:cNvSpPr>
             <a:spLocks noGrp="1"/>
           </p:cNvSpPr>
@@ -7923,7 +7924,7 @@
         <p:spPr>
           <a:xfrm>
             <a:off x="457200" y="3682080"/>
-            <a:ext cx="4015800" cy="1896840"/>
+            <a:ext cx="4015440" cy="1896840"/>
           </a:xfrm>
           <a:prstGeom prst="rect">
             <a:avLst/>
@@ -7942,7 +7943,7 @@
       </p:sp>
       <p:sp>
         <p:nvSpPr>
-          <p:cNvPr id="190" name="PlaceHolder 5"/>
+          <p:cNvPr id="188" name="PlaceHolder 5"/>
           <p:cNvSpPr>
             <a:spLocks noGrp="1"/>
           </p:cNvSpPr>
@@ -7952,8 +7953,8 @@
         </p:nvSpPr>
         <p:spPr>
           <a:xfrm>
-            <a:off x="4674240" y="3682080"/>
-            <a:ext cx="4015800" cy="1896840"/>
+            <a:off x="4673880" y="3682080"/>
+            <a:ext cx="4015440" cy="1896840"/>
           </a:xfrm>
           <a:prstGeom prst="rect">
             <a:avLst/>
@@ -8004,8 +8005,8 @@
         </p:nvSpPr>
         <p:spPr>
           <a:xfrm>
-            <a:off x="457200" y="273600"/>
-            <a:ext cx="8229240" cy="5307840"/>
+            <a:off x="457200" y="273240"/>
+            <a:ext cx="8228880" cy="5309640"/>
           </a:xfrm>
           <a:prstGeom prst="rect">
             <a:avLst/>
@@ -8047,7 +8048,7 @@
       </p:grpSpPr>
       <p:sp>
         <p:nvSpPr>
-          <p:cNvPr id="191" name="PlaceHolder 1"/>
+          <p:cNvPr id="189" name="PlaceHolder 1"/>
           <p:cNvSpPr>
             <a:spLocks noGrp="1"/>
           </p:cNvSpPr>
@@ -8057,8 +8058,8 @@
         </p:nvSpPr>
         <p:spPr>
           <a:xfrm>
-            <a:off x="457200" y="273600"/>
-            <a:ext cx="8229240" cy="1144800"/>
+            <a:off x="457200" y="273240"/>
+            <a:ext cx="8228880" cy="1145160"/>
           </a:xfrm>
           <a:prstGeom prst="rect">
             <a:avLst/>
@@ -8078,7 +8079,7 @@
       </p:sp>
       <p:sp>
         <p:nvSpPr>
-          <p:cNvPr id="192" name="PlaceHolder 2"/>
+          <p:cNvPr id="190" name="PlaceHolder 2"/>
           <p:cNvSpPr>
             <a:spLocks noGrp="1"/>
           </p:cNvSpPr>
@@ -8108,7 +8109,7 @@
       </p:sp>
       <p:sp>
         <p:nvSpPr>
-          <p:cNvPr id="193" name="PlaceHolder 3"/>
+          <p:cNvPr id="191" name="PlaceHolder 3"/>
           <p:cNvSpPr>
             <a:spLocks noGrp="1"/>
           </p:cNvSpPr>
@@ -8138,7 +8139,7 @@
       </p:sp>
       <p:sp>
         <p:nvSpPr>
-          <p:cNvPr id="194" name="PlaceHolder 4"/>
+          <p:cNvPr id="192" name="PlaceHolder 4"/>
           <p:cNvSpPr>
             <a:spLocks noGrp="1"/>
           </p:cNvSpPr>
@@ -8168,7 +8169,7 @@
       </p:sp>
       <p:sp>
         <p:nvSpPr>
-          <p:cNvPr id="195" name="PlaceHolder 5"/>
+          <p:cNvPr id="193" name="PlaceHolder 5"/>
           <p:cNvSpPr>
             <a:spLocks noGrp="1"/>
           </p:cNvSpPr>
@@ -8198,7 +8199,7 @@
       </p:sp>
       <p:sp>
         <p:nvSpPr>
-          <p:cNvPr id="196" name="PlaceHolder 6"/>
+          <p:cNvPr id="194" name="PlaceHolder 6"/>
           <p:cNvSpPr>
             <a:spLocks noGrp="1"/>
           </p:cNvSpPr>
@@ -8228,7 +8229,7 @@
       </p:sp>
       <p:sp>
         <p:nvSpPr>
-          <p:cNvPr id="197" name="PlaceHolder 7"/>
+          <p:cNvPr id="195" name="PlaceHolder 7"/>
           <p:cNvSpPr>
             <a:spLocks noGrp="1"/>
           </p:cNvSpPr>
@@ -8240,6 +8241,843 @@
           <a:xfrm>
             <a:off x="6022080" y="3682080"/>
             <a:ext cx="2649600" cy="1896840"/>
+          </a:xfrm>
+          <a:prstGeom prst="rect">
+            <a:avLst/>
+          </a:prstGeom>
+        </p:spPr>
+        <p:txBody>
+          <a:bodyPr lIns="0" rIns="0" tIns="0" bIns="0">
+            <a:normAutofit/>
+          </a:bodyPr>
+          <a:p>
+            <a:endParaRPr b="0" lang="en-US" sz="3200" spc="-1" strike="noStrike">
+              <a:latin typeface="DejaVu Sans"/>
+            </a:endParaRPr>
+          </a:p>
+        </p:txBody>
+      </p:sp>
+    </p:spTree>
+  </p:cSld>
+</p:sldLayout>
+</file>
+
+<file path=ppt/slideLayouts/slideLayout61.xml><?xml version="1.0" encoding="utf-8"?>
+<p:sldLayout xmlns:a="http://schemas.openxmlformats.org/drawingml/2006/main" xmlns:p="http://schemas.openxmlformats.org/presentationml/2006/main" xmlns:r="http://schemas.openxmlformats.org/officeDocument/2006/relationships" xmlns:p14="http://schemas.microsoft.com/office/powerpoint/2010/main" xmlns:p15="http://schemas.microsoft.com/office/powerpoint/2012/main" xmlns:mc="http://schemas.openxmlformats.org/markup-compatibility/2006" type="blank" preserve="1">
+  <p:cSld name="Blank Slide">
+    <p:spTree>
+      <p:nvGrpSpPr>
+        <p:cNvPr id="1" name=""/>
+        <p:cNvGrpSpPr/>
+        <p:nvPr/>
+      </p:nvGrpSpPr>
+      <p:grpSpPr>
+        <a:xfrm>
+          <a:off x="0" y="0"/>
+          <a:ext cx="0" cy="0"/>
+          <a:chOff x="0" y="0"/>
+          <a:chExt cx="0" cy="0"/>
+        </a:xfrm>
+      </p:grpSpPr>
+    </p:spTree>
+  </p:cSld>
+</p:sldLayout>
+</file>
+
+<file path=ppt/slideLayouts/slideLayout62.xml><?xml version="1.0" encoding="utf-8"?>
+<p:sldLayout xmlns:a="http://schemas.openxmlformats.org/drawingml/2006/main" xmlns:p="http://schemas.openxmlformats.org/presentationml/2006/main" xmlns:r="http://schemas.openxmlformats.org/officeDocument/2006/relationships" xmlns:p14="http://schemas.microsoft.com/office/powerpoint/2010/main" xmlns:p15="http://schemas.microsoft.com/office/powerpoint/2012/main" xmlns:mc="http://schemas.openxmlformats.org/markup-compatibility/2006" type="tx" preserve="1">
+  <p:cSld name="Title Slide">
+    <p:spTree>
+      <p:nvGrpSpPr>
+        <p:cNvPr id="1" name=""/>
+        <p:cNvGrpSpPr/>
+        <p:nvPr/>
+      </p:nvGrpSpPr>
+      <p:grpSpPr>
+        <a:xfrm>
+          <a:off x="0" y="0"/>
+          <a:ext cx="0" cy="0"/>
+          <a:chOff x="0" y="0"/>
+          <a:chExt cx="0" cy="0"/>
+        </a:xfrm>
+      </p:grpSpPr>
+      <p:sp>
+        <p:nvSpPr>
+          <p:cNvPr id="200" name="PlaceHolder 1"/>
+          <p:cNvSpPr>
+            <a:spLocks noGrp="1"/>
+          </p:cNvSpPr>
+          <p:nvPr>
+            <p:ph type="title"/>
+          </p:nvPr>
+        </p:nvSpPr>
+        <p:spPr>
+          <a:xfrm>
+            <a:off x="457200" y="273240"/>
+            <a:ext cx="8228880" cy="1145160"/>
+          </a:xfrm>
+          <a:prstGeom prst="rect">
+            <a:avLst/>
+          </a:prstGeom>
+        </p:spPr>
+        <p:txBody>
+          <a:bodyPr lIns="0" rIns="0" tIns="0" bIns="0" anchor="ctr">
+            <a:spAutoFit/>
+          </a:bodyPr>
+          <a:p>
+            <a:pPr algn="ctr"/>
+            <a:endParaRPr b="0" lang="en-US" sz="4400" spc="-1" strike="noStrike">
+              <a:latin typeface="DejaVu Sans"/>
+            </a:endParaRPr>
+          </a:p>
+        </p:txBody>
+      </p:sp>
+      <p:sp>
+        <p:nvSpPr>
+          <p:cNvPr id="201" name="PlaceHolder 2"/>
+          <p:cNvSpPr>
+            <a:spLocks noGrp="1"/>
+          </p:cNvSpPr>
+          <p:nvPr>
+            <p:ph type="subTitle"/>
+          </p:nvPr>
+        </p:nvSpPr>
+        <p:spPr>
+          <a:xfrm>
+            <a:off x="457200" y="1604520"/>
+            <a:ext cx="8228880" cy="3976920"/>
+          </a:xfrm>
+          <a:prstGeom prst="rect">
+            <a:avLst/>
+          </a:prstGeom>
+        </p:spPr>
+        <p:txBody>
+          <a:bodyPr lIns="0" rIns="0" tIns="0" bIns="0" anchor="ctr">
+            <a:spAutoFit/>
+          </a:bodyPr>
+          <a:p>
+            <a:pPr algn="ctr"/>
+            <a:endParaRPr b="0" lang="en-US" sz="3200" spc="-1" strike="noStrike">
+              <a:latin typeface="DejaVu Sans"/>
+            </a:endParaRPr>
+          </a:p>
+        </p:txBody>
+      </p:sp>
+    </p:spTree>
+  </p:cSld>
+</p:sldLayout>
+</file>
+
+<file path=ppt/slideLayouts/slideLayout63.xml><?xml version="1.0" encoding="utf-8"?>
+<p:sldLayout xmlns:a="http://schemas.openxmlformats.org/drawingml/2006/main" xmlns:p="http://schemas.openxmlformats.org/presentationml/2006/main" xmlns:r="http://schemas.openxmlformats.org/officeDocument/2006/relationships" xmlns:p14="http://schemas.microsoft.com/office/powerpoint/2010/main" xmlns:p15="http://schemas.microsoft.com/office/powerpoint/2012/main" xmlns:mc="http://schemas.openxmlformats.org/markup-compatibility/2006" type="obj" preserve="1">
+  <p:cSld name="Title, Content">
+    <p:spTree>
+      <p:nvGrpSpPr>
+        <p:cNvPr id="1" name=""/>
+        <p:cNvGrpSpPr/>
+        <p:nvPr/>
+      </p:nvGrpSpPr>
+      <p:grpSpPr>
+        <a:xfrm>
+          <a:off x="0" y="0"/>
+          <a:ext cx="0" cy="0"/>
+          <a:chOff x="0" y="0"/>
+          <a:chExt cx="0" cy="0"/>
+        </a:xfrm>
+      </p:grpSpPr>
+      <p:sp>
+        <p:nvSpPr>
+          <p:cNvPr id="202" name="PlaceHolder 1"/>
+          <p:cNvSpPr>
+            <a:spLocks noGrp="1"/>
+          </p:cNvSpPr>
+          <p:nvPr>
+            <p:ph type="title"/>
+          </p:nvPr>
+        </p:nvSpPr>
+        <p:spPr>
+          <a:xfrm>
+            <a:off x="457200" y="273240"/>
+            <a:ext cx="8228880" cy="1145160"/>
+          </a:xfrm>
+          <a:prstGeom prst="rect">
+            <a:avLst/>
+          </a:prstGeom>
+        </p:spPr>
+        <p:txBody>
+          <a:bodyPr lIns="0" rIns="0" tIns="0" bIns="0" anchor="ctr">
+            <a:spAutoFit/>
+          </a:bodyPr>
+          <a:p>
+            <a:pPr algn="ctr"/>
+            <a:endParaRPr b="0" lang="en-US" sz="4400" spc="-1" strike="noStrike">
+              <a:latin typeface="DejaVu Sans"/>
+            </a:endParaRPr>
+          </a:p>
+        </p:txBody>
+      </p:sp>
+      <p:sp>
+        <p:nvSpPr>
+          <p:cNvPr id="203" name="PlaceHolder 2"/>
+          <p:cNvSpPr>
+            <a:spLocks noGrp="1"/>
+          </p:cNvSpPr>
+          <p:nvPr>
+            <p:ph type="body"/>
+          </p:nvPr>
+        </p:nvSpPr>
+        <p:spPr>
+          <a:xfrm>
+            <a:off x="457200" y="1604520"/>
+            <a:ext cx="8228880" cy="3976920"/>
+          </a:xfrm>
+          <a:prstGeom prst="rect">
+            <a:avLst/>
+          </a:prstGeom>
+        </p:spPr>
+        <p:txBody>
+          <a:bodyPr lIns="0" rIns="0" tIns="0" bIns="0">
+            <a:normAutofit/>
+          </a:bodyPr>
+          <a:p>
+            <a:endParaRPr b="0" lang="en-US" sz="3200" spc="-1" strike="noStrike">
+              <a:latin typeface="DejaVu Sans"/>
+            </a:endParaRPr>
+          </a:p>
+        </p:txBody>
+      </p:sp>
+    </p:spTree>
+  </p:cSld>
+</p:sldLayout>
+</file>
+
+<file path=ppt/slideLayouts/slideLayout64.xml><?xml version="1.0" encoding="utf-8"?>
+<p:sldLayout xmlns:a="http://schemas.openxmlformats.org/drawingml/2006/main" xmlns:p="http://schemas.openxmlformats.org/presentationml/2006/main" xmlns:r="http://schemas.openxmlformats.org/officeDocument/2006/relationships" xmlns:p14="http://schemas.microsoft.com/office/powerpoint/2010/main" xmlns:p15="http://schemas.microsoft.com/office/powerpoint/2012/main" xmlns:mc="http://schemas.openxmlformats.org/markup-compatibility/2006" type="twoObj" preserve="1">
+  <p:cSld name="Title, 2 Content">
+    <p:spTree>
+      <p:nvGrpSpPr>
+        <p:cNvPr id="1" name=""/>
+        <p:cNvGrpSpPr/>
+        <p:nvPr/>
+      </p:nvGrpSpPr>
+      <p:grpSpPr>
+        <a:xfrm>
+          <a:off x="0" y="0"/>
+          <a:ext cx="0" cy="0"/>
+          <a:chOff x="0" y="0"/>
+          <a:chExt cx="0" cy="0"/>
+        </a:xfrm>
+      </p:grpSpPr>
+      <p:sp>
+        <p:nvSpPr>
+          <p:cNvPr id="204" name="PlaceHolder 1"/>
+          <p:cNvSpPr>
+            <a:spLocks noGrp="1"/>
+          </p:cNvSpPr>
+          <p:nvPr>
+            <p:ph type="title"/>
+          </p:nvPr>
+        </p:nvSpPr>
+        <p:spPr>
+          <a:xfrm>
+            <a:off x="457200" y="273240"/>
+            <a:ext cx="8228880" cy="1145160"/>
+          </a:xfrm>
+          <a:prstGeom prst="rect">
+            <a:avLst/>
+          </a:prstGeom>
+        </p:spPr>
+        <p:txBody>
+          <a:bodyPr lIns="0" rIns="0" tIns="0" bIns="0" anchor="ctr">
+            <a:spAutoFit/>
+          </a:bodyPr>
+          <a:p>
+            <a:pPr algn="ctr"/>
+            <a:endParaRPr b="0" lang="en-US" sz="4400" spc="-1" strike="noStrike">
+              <a:latin typeface="DejaVu Sans"/>
+            </a:endParaRPr>
+          </a:p>
+        </p:txBody>
+      </p:sp>
+      <p:sp>
+        <p:nvSpPr>
+          <p:cNvPr id="205" name="PlaceHolder 2"/>
+          <p:cNvSpPr>
+            <a:spLocks noGrp="1"/>
+          </p:cNvSpPr>
+          <p:nvPr>
+            <p:ph type="body"/>
+          </p:nvPr>
+        </p:nvSpPr>
+        <p:spPr>
+          <a:xfrm>
+            <a:off x="457200" y="1604520"/>
+            <a:ext cx="4015440" cy="3976920"/>
+          </a:xfrm>
+          <a:prstGeom prst="rect">
+            <a:avLst/>
+          </a:prstGeom>
+        </p:spPr>
+        <p:txBody>
+          <a:bodyPr lIns="0" rIns="0" tIns="0" bIns="0">
+            <a:normAutofit/>
+          </a:bodyPr>
+          <a:p>
+            <a:endParaRPr b="0" lang="en-US" sz="3200" spc="-1" strike="noStrike">
+              <a:latin typeface="DejaVu Sans"/>
+            </a:endParaRPr>
+          </a:p>
+        </p:txBody>
+      </p:sp>
+      <p:sp>
+        <p:nvSpPr>
+          <p:cNvPr id="206" name="PlaceHolder 3"/>
+          <p:cNvSpPr>
+            <a:spLocks noGrp="1"/>
+          </p:cNvSpPr>
+          <p:nvPr>
+            <p:ph type="body"/>
+          </p:nvPr>
+        </p:nvSpPr>
+        <p:spPr>
+          <a:xfrm>
+            <a:off x="4673880" y="1604520"/>
+            <a:ext cx="4015440" cy="3976920"/>
+          </a:xfrm>
+          <a:prstGeom prst="rect">
+            <a:avLst/>
+          </a:prstGeom>
+        </p:spPr>
+        <p:txBody>
+          <a:bodyPr lIns="0" rIns="0" tIns="0" bIns="0">
+            <a:normAutofit/>
+          </a:bodyPr>
+          <a:p>
+            <a:endParaRPr b="0" lang="en-US" sz="3200" spc="-1" strike="noStrike">
+              <a:latin typeface="DejaVu Sans"/>
+            </a:endParaRPr>
+          </a:p>
+        </p:txBody>
+      </p:sp>
+    </p:spTree>
+  </p:cSld>
+</p:sldLayout>
+</file>
+
+<file path=ppt/slideLayouts/slideLayout65.xml><?xml version="1.0" encoding="utf-8"?>
+<p:sldLayout xmlns:a="http://schemas.openxmlformats.org/drawingml/2006/main" xmlns:p="http://schemas.openxmlformats.org/presentationml/2006/main" xmlns:r="http://schemas.openxmlformats.org/officeDocument/2006/relationships" xmlns:p14="http://schemas.microsoft.com/office/powerpoint/2010/main" xmlns:p15="http://schemas.microsoft.com/office/powerpoint/2012/main" xmlns:mc="http://schemas.openxmlformats.org/markup-compatibility/2006" type="titleOnly" preserve="1">
+  <p:cSld name="Title Only">
+    <p:spTree>
+      <p:nvGrpSpPr>
+        <p:cNvPr id="1" name=""/>
+        <p:cNvGrpSpPr/>
+        <p:nvPr/>
+      </p:nvGrpSpPr>
+      <p:grpSpPr>
+        <a:xfrm>
+          <a:off x="0" y="0"/>
+          <a:ext cx="0" cy="0"/>
+          <a:chOff x="0" y="0"/>
+          <a:chExt cx="0" cy="0"/>
+        </a:xfrm>
+      </p:grpSpPr>
+      <p:sp>
+        <p:nvSpPr>
+          <p:cNvPr id="207" name="PlaceHolder 1"/>
+          <p:cNvSpPr>
+            <a:spLocks noGrp="1"/>
+          </p:cNvSpPr>
+          <p:nvPr>
+            <p:ph type="title"/>
+          </p:nvPr>
+        </p:nvSpPr>
+        <p:spPr>
+          <a:xfrm>
+            <a:off x="457200" y="273240"/>
+            <a:ext cx="8228880" cy="1145160"/>
+          </a:xfrm>
+          <a:prstGeom prst="rect">
+            <a:avLst/>
+          </a:prstGeom>
+        </p:spPr>
+        <p:txBody>
+          <a:bodyPr lIns="0" rIns="0" tIns="0" bIns="0" anchor="ctr">
+            <a:spAutoFit/>
+          </a:bodyPr>
+          <a:p>
+            <a:pPr algn="ctr"/>
+            <a:endParaRPr b="0" lang="en-US" sz="4400" spc="-1" strike="noStrike">
+              <a:latin typeface="DejaVu Sans"/>
+            </a:endParaRPr>
+          </a:p>
+        </p:txBody>
+      </p:sp>
+    </p:spTree>
+  </p:cSld>
+</p:sldLayout>
+</file>
+
+<file path=ppt/slideLayouts/slideLayout66.xml><?xml version="1.0" encoding="utf-8"?>
+<p:sldLayout xmlns:a="http://schemas.openxmlformats.org/drawingml/2006/main" xmlns:p="http://schemas.openxmlformats.org/presentationml/2006/main" xmlns:r="http://schemas.openxmlformats.org/officeDocument/2006/relationships" xmlns:p14="http://schemas.microsoft.com/office/powerpoint/2010/main" xmlns:p15="http://schemas.microsoft.com/office/powerpoint/2012/main" xmlns:mc="http://schemas.openxmlformats.org/markup-compatibility/2006" type="objOnly" preserve="1">
+  <p:cSld name="Centered Text">
+    <p:spTree>
+      <p:nvGrpSpPr>
+        <p:cNvPr id="1" name=""/>
+        <p:cNvGrpSpPr/>
+        <p:nvPr/>
+      </p:nvGrpSpPr>
+      <p:grpSpPr>
+        <a:xfrm>
+          <a:off x="0" y="0"/>
+          <a:ext cx="0" cy="0"/>
+          <a:chOff x="0" y="0"/>
+          <a:chExt cx="0" cy="0"/>
+        </a:xfrm>
+      </p:grpSpPr>
+      <p:sp>
+        <p:nvSpPr>
+          <p:cNvPr id="208" name="PlaceHolder 1"/>
+          <p:cNvSpPr>
+            <a:spLocks noGrp="1"/>
+          </p:cNvSpPr>
+          <p:nvPr>
+            <p:ph type="subTitle"/>
+          </p:nvPr>
+        </p:nvSpPr>
+        <p:spPr>
+          <a:xfrm>
+            <a:off x="457200" y="273240"/>
+            <a:ext cx="8228880" cy="5309640"/>
+          </a:xfrm>
+          <a:prstGeom prst="rect">
+            <a:avLst/>
+          </a:prstGeom>
+        </p:spPr>
+        <p:txBody>
+          <a:bodyPr lIns="0" rIns="0" tIns="0" bIns="0" anchor="ctr">
+            <a:spAutoFit/>
+          </a:bodyPr>
+          <a:p>
+            <a:pPr algn="ctr"/>
+            <a:endParaRPr b="0" lang="en-US" sz="3200" spc="-1" strike="noStrike">
+              <a:latin typeface="DejaVu Sans"/>
+            </a:endParaRPr>
+          </a:p>
+        </p:txBody>
+      </p:sp>
+    </p:spTree>
+  </p:cSld>
+</p:sldLayout>
+</file>
+
+<file path=ppt/slideLayouts/slideLayout67.xml><?xml version="1.0" encoding="utf-8"?>
+<p:sldLayout xmlns:a="http://schemas.openxmlformats.org/drawingml/2006/main" xmlns:p="http://schemas.openxmlformats.org/presentationml/2006/main" xmlns:r="http://schemas.openxmlformats.org/officeDocument/2006/relationships" xmlns:p14="http://schemas.microsoft.com/office/powerpoint/2010/main" xmlns:p15="http://schemas.microsoft.com/office/powerpoint/2012/main" xmlns:mc="http://schemas.openxmlformats.org/markup-compatibility/2006" type="twoObjAndObj" preserve="1">
+  <p:cSld name="Title, 2 Content and Content">
+    <p:spTree>
+      <p:nvGrpSpPr>
+        <p:cNvPr id="1" name=""/>
+        <p:cNvGrpSpPr/>
+        <p:nvPr/>
+      </p:nvGrpSpPr>
+      <p:grpSpPr>
+        <a:xfrm>
+          <a:off x="0" y="0"/>
+          <a:ext cx="0" cy="0"/>
+          <a:chOff x="0" y="0"/>
+          <a:chExt cx="0" cy="0"/>
+        </a:xfrm>
+      </p:grpSpPr>
+      <p:sp>
+        <p:nvSpPr>
+          <p:cNvPr id="209" name="PlaceHolder 1"/>
+          <p:cNvSpPr>
+            <a:spLocks noGrp="1"/>
+          </p:cNvSpPr>
+          <p:nvPr>
+            <p:ph type="title"/>
+          </p:nvPr>
+        </p:nvSpPr>
+        <p:spPr>
+          <a:xfrm>
+            <a:off x="457200" y="273240"/>
+            <a:ext cx="8228880" cy="1145160"/>
+          </a:xfrm>
+          <a:prstGeom prst="rect">
+            <a:avLst/>
+          </a:prstGeom>
+        </p:spPr>
+        <p:txBody>
+          <a:bodyPr lIns="0" rIns="0" tIns="0" bIns="0" anchor="ctr">
+            <a:spAutoFit/>
+          </a:bodyPr>
+          <a:p>
+            <a:pPr algn="ctr"/>
+            <a:endParaRPr b="0" lang="en-US" sz="4400" spc="-1" strike="noStrike">
+              <a:latin typeface="DejaVu Sans"/>
+            </a:endParaRPr>
+          </a:p>
+        </p:txBody>
+      </p:sp>
+      <p:sp>
+        <p:nvSpPr>
+          <p:cNvPr id="210" name="PlaceHolder 2"/>
+          <p:cNvSpPr>
+            <a:spLocks noGrp="1"/>
+          </p:cNvSpPr>
+          <p:nvPr>
+            <p:ph type="body"/>
+          </p:nvPr>
+        </p:nvSpPr>
+        <p:spPr>
+          <a:xfrm>
+            <a:off x="457200" y="1604520"/>
+            <a:ext cx="4015440" cy="1896840"/>
+          </a:xfrm>
+          <a:prstGeom prst="rect">
+            <a:avLst/>
+          </a:prstGeom>
+        </p:spPr>
+        <p:txBody>
+          <a:bodyPr lIns="0" rIns="0" tIns="0" bIns="0">
+            <a:normAutofit/>
+          </a:bodyPr>
+          <a:p>
+            <a:endParaRPr b="0" lang="en-US" sz="3200" spc="-1" strike="noStrike">
+              <a:latin typeface="DejaVu Sans"/>
+            </a:endParaRPr>
+          </a:p>
+        </p:txBody>
+      </p:sp>
+      <p:sp>
+        <p:nvSpPr>
+          <p:cNvPr id="211" name="PlaceHolder 3"/>
+          <p:cNvSpPr>
+            <a:spLocks noGrp="1"/>
+          </p:cNvSpPr>
+          <p:nvPr>
+            <p:ph type="body"/>
+          </p:nvPr>
+        </p:nvSpPr>
+        <p:spPr>
+          <a:xfrm>
+            <a:off x="4673880" y="1604520"/>
+            <a:ext cx="4015440" cy="3976920"/>
+          </a:xfrm>
+          <a:prstGeom prst="rect">
+            <a:avLst/>
+          </a:prstGeom>
+        </p:spPr>
+        <p:txBody>
+          <a:bodyPr lIns="0" rIns="0" tIns="0" bIns="0">
+            <a:normAutofit/>
+          </a:bodyPr>
+          <a:p>
+            <a:endParaRPr b="0" lang="en-US" sz="3200" spc="-1" strike="noStrike">
+              <a:latin typeface="DejaVu Sans"/>
+            </a:endParaRPr>
+          </a:p>
+        </p:txBody>
+      </p:sp>
+      <p:sp>
+        <p:nvSpPr>
+          <p:cNvPr id="212" name="PlaceHolder 4"/>
+          <p:cNvSpPr>
+            <a:spLocks noGrp="1"/>
+          </p:cNvSpPr>
+          <p:nvPr>
+            <p:ph type="body"/>
+          </p:nvPr>
+        </p:nvSpPr>
+        <p:spPr>
+          <a:xfrm>
+            <a:off x="457200" y="3682080"/>
+            <a:ext cx="4015440" cy="1896840"/>
+          </a:xfrm>
+          <a:prstGeom prst="rect">
+            <a:avLst/>
+          </a:prstGeom>
+        </p:spPr>
+        <p:txBody>
+          <a:bodyPr lIns="0" rIns="0" tIns="0" bIns="0">
+            <a:normAutofit/>
+          </a:bodyPr>
+          <a:p>
+            <a:endParaRPr b="0" lang="en-US" sz="3200" spc="-1" strike="noStrike">
+              <a:latin typeface="DejaVu Sans"/>
+            </a:endParaRPr>
+          </a:p>
+        </p:txBody>
+      </p:sp>
+    </p:spTree>
+  </p:cSld>
+</p:sldLayout>
+</file>
+
+<file path=ppt/slideLayouts/slideLayout68.xml><?xml version="1.0" encoding="utf-8"?>
+<p:sldLayout xmlns:a="http://schemas.openxmlformats.org/drawingml/2006/main" xmlns:p="http://schemas.openxmlformats.org/presentationml/2006/main" xmlns:r="http://schemas.openxmlformats.org/officeDocument/2006/relationships" xmlns:p14="http://schemas.microsoft.com/office/powerpoint/2010/main" xmlns:p15="http://schemas.microsoft.com/office/powerpoint/2012/main" xmlns:mc="http://schemas.openxmlformats.org/markup-compatibility/2006" type="objAndTwoObj" preserve="1">
+  <p:cSld name="Title Content and 2 Content">
+    <p:spTree>
+      <p:nvGrpSpPr>
+        <p:cNvPr id="1" name=""/>
+        <p:cNvGrpSpPr/>
+        <p:nvPr/>
+      </p:nvGrpSpPr>
+      <p:grpSpPr>
+        <a:xfrm>
+          <a:off x="0" y="0"/>
+          <a:ext cx="0" cy="0"/>
+          <a:chOff x="0" y="0"/>
+          <a:chExt cx="0" cy="0"/>
+        </a:xfrm>
+      </p:grpSpPr>
+      <p:sp>
+        <p:nvSpPr>
+          <p:cNvPr id="213" name="PlaceHolder 1"/>
+          <p:cNvSpPr>
+            <a:spLocks noGrp="1"/>
+          </p:cNvSpPr>
+          <p:nvPr>
+            <p:ph type="title"/>
+          </p:nvPr>
+        </p:nvSpPr>
+        <p:spPr>
+          <a:xfrm>
+            <a:off x="457200" y="273240"/>
+            <a:ext cx="8228880" cy="1145160"/>
+          </a:xfrm>
+          <a:prstGeom prst="rect">
+            <a:avLst/>
+          </a:prstGeom>
+        </p:spPr>
+        <p:txBody>
+          <a:bodyPr lIns="0" rIns="0" tIns="0" bIns="0" anchor="ctr">
+            <a:spAutoFit/>
+          </a:bodyPr>
+          <a:p>
+            <a:pPr algn="ctr"/>
+            <a:endParaRPr b="0" lang="en-US" sz="4400" spc="-1" strike="noStrike">
+              <a:latin typeface="DejaVu Sans"/>
+            </a:endParaRPr>
+          </a:p>
+        </p:txBody>
+      </p:sp>
+      <p:sp>
+        <p:nvSpPr>
+          <p:cNvPr id="214" name="PlaceHolder 2"/>
+          <p:cNvSpPr>
+            <a:spLocks noGrp="1"/>
+          </p:cNvSpPr>
+          <p:nvPr>
+            <p:ph type="body"/>
+          </p:nvPr>
+        </p:nvSpPr>
+        <p:spPr>
+          <a:xfrm>
+            <a:off x="457200" y="1604520"/>
+            <a:ext cx="4015440" cy="3976920"/>
+          </a:xfrm>
+          <a:prstGeom prst="rect">
+            <a:avLst/>
+          </a:prstGeom>
+        </p:spPr>
+        <p:txBody>
+          <a:bodyPr lIns="0" rIns="0" tIns="0" bIns="0">
+            <a:normAutofit/>
+          </a:bodyPr>
+          <a:p>
+            <a:endParaRPr b="0" lang="en-US" sz="3200" spc="-1" strike="noStrike">
+              <a:latin typeface="DejaVu Sans"/>
+            </a:endParaRPr>
+          </a:p>
+        </p:txBody>
+      </p:sp>
+      <p:sp>
+        <p:nvSpPr>
+          <p:cNvPr id="215" name="PlaceHolder 3"/>
+          <p:cNvSpPr>
+            <a:spLocks noGrp="1"/>
+          </p:cNvSpPr>
+          <p:nvPr>
+            <p:ph type="body"/>
+          </p:nvPr>
+        </p:nvSpPr>
+        <p:spPr>
+          <a:xfrm>
+            <a:off x="4673880" y="1604520"/>
+            <a:ext cx="4015440" cy="1896840"/>
+          </a:xfrm>
+          <a:prstGeom prst="rect">
+            <a:avLst/>
+          </a:prstGeom>
+        </p:spPr>
+        <p:txBody>
+          <a:bodyPr lIns="0" rIns="0" tIns="0" bIns="0">
+            <a:normAutofit/>
+          </a:bodyPr>
+          <a:p>
+            <a:endParaRPr b="0" lang="en-US" sz="3200" spc="-1" strike="noStrike">
+              <a:latin typeface="DejaVu Sans"/>
+            </a:endParaRPr>
+          </a:p>
+        </p:txBody>
+      </p:sp>
+      <p:sp>
+        <p:nvSpPr>
+          <p:cNvPr id="216" name="PlaceHolder 4"/>
+          <p:cNvSpPr>
+            <a:spLocks noGrp="1"/>
+          </p:cNvSpPr>
+          <p:nvPr>
+            <p:ph type="body"/>
+          </p:nvPr>
+        </p:nvSpPr>
+        <p:spPr>
+          <a:xfrm>
+            <a:off x="4673880" y="3682080"/>
+            <a:ext cx="4015440" cy="1896840"/>
+          </a:xfrm>
+          <a:prstGeom prst="rect">
+            <a:avLst/>
+          </a:prstGeom>
+        </p:spPr>
+        <p:txBody>
+          <a:bodyPr lIns="0" rIns="0" tIns="0" bIns="0">
+            <a:normAutofit/>
+          </a:bodyPr>
+          <a:p>
+            <a:endParaRPr b="0" lang="en-US" sz="3200" spc="-1" strike="noStrike">
+              <a:latin typeface="DejaVu Sans"/>
+            </a:endParaRPr>
+          </a:p>
+        </p:txBody>
+      </p:sp>
+    </p:spTree>
+  </p:cSld>
+</p:sldLayout>
+</file>
+
+<file path=ppt/slideLayouts/slideLayout69.xml><?xml version="1.0" encoding="utf-8"?>
+<p:sldLayout xmlns:a="http://schemas.openxmlformats.org/drawingml/2006/main" xmlns:p="http://schemas.openxmlformats.org/presentationml/2006/main" xmlns:r="http://schemas.openxmlformats.org/officeDocument/2006/relationships" xmlns:p14="http://schemas.microsoft.com/office/powerpoint/2010/main" xmlns:p15="http://schemas.microsoft.com/office/powerpoint/2012/main" xmlns:mc="http://schemas.openxmlformats.org/markup-compatibility/2006" type="twoObjOverTx" preserve="1">
+  <p:cSld name="Title, 2 Content over Content">
+    <p:spTree>
+      <p:nvGrpSpPr>
+        <p:cNvPr id="1" name=""/>
+        <p:cNvGrpSpPr/>
+        <p:nvPr/>
+      </p:nvGrpSpPr>
+      <p:grpSpPr>
+        <a:xfrm>
+          <a:off x="0" y="0"/>
+          <a:ext cx="0" cy="0"/>
+          <a:chOff x="0" y="0"/>
+          <a:chExt cx="0" cy="0"/>
+        </a:xfrm>
+      </p:grpSpPr>
+      <p:sp>
+        <p:nvSpPr>
+          <p:cNvPr id="217" name="PlaceHolder 1"/>
+          <p:cNvSpPr>
+            <a:spLocks noGrp="1"/>
+          </p:cNvSpPr>
+          <p:nvPr>
+            <p:ph type="title"/>
+          </p:nvPr>
+        </p:nvSpPr>
+        <p:spPr>
+          <a:xfrm>
+            <a:off x="457200" y="273240"/>
+            <a:ext cx="8228880" cy="1145160"/>
+          </a:xfrm>
+          <a:prstGeom prst="rect">
+            <a:avLst/>
+          </a:prstGeom>
+        </p:spPr>
+        <p:txBody>
+          <a:bodyPr lIns="0" rIns="0" tIns="0" bIns="0" anchor="ctr">
+            <a:spAutoFit/>
+          </a:bodyPr>
+          <a:p>
+            <a:pPr algn="ctr"/>
+            <a:endParaRPr b="0" lang="en-US" sz="4400" spc="-1" strike="noStrike">
+              <a:latin typeface="DejaVu Sans"/>
+            </a:endParaRPr>
+          </a:p>
+        </p:txBody>
+      </p:sp>
+      <p:sp>
+        <p:nvSpPr>
+          <p:cNvPr id="218" name="PlaceHolder 2"/>
+          <p:cNvSpPr>
+            <a:spLocks noGrp="1"/>
+          </p:cNvSpPr>
+          <p:nvPr>
+            <p:ph type="body"/>
+          </p:nvPr>
+        </p:nvSpPr>
+        <p:spPr>
+          <a:xfrm>
+            <a:off x="457200" y="1604520"/>
+            <a:ext cx="4015440" cy="1896840"/>
+          </a:xfrm>
+          <a:prstGeom prst="rect">
+            <a:avLst/>
+          </a:prstGeom>
+        </p:spPr>
+        <p:txBody>
+          <a:bodyPr lIns="0" rIns="0" tIns="0" bIns="0">
+            <a:normAutofit/>
+          </a:bodyPr>
+          <a:p>
+            <a:endParaRPr b="0" lang="en-US" sz="3200" spc="-1" strike="noStrike">
+              <a:latin typeface="DejaVu Sans"/>
+            </a:endParaRPr>
+          </a:p>
+        </p:txBody>
+      </p:sp>
+      <p:sp>
+        <p:nvSpPr>
+          <p:cNvPr id="219" name="PlaceHolder 3"/>
+          <p:cNvSpPr>
+            <a:spLocks noGrp="1"/>
+          </p:cNvSpPr>
+          <p:nvPr>
+            <p:ph type="body"/>
+          </p:nvPr>
+        </p:nvSpPr>
+        <p:spPr>
+          <a:xfrm>
+            <a:off x="4673880" y="1604520"/>
+            <a:ext cx="4015440" cy="1896840"/>
+          </a:xfrm>
+          <a:prstGeom prst="rect">
+            <a:avLst/>
+          </a:prstGeom>
+        </p:spPr>
+        <p:txBody>
+          <a:bodyPr lIns="0" rIns="0" tIns="0" bIns="0">
+            <a:normAutofit/>
+          </a:bodyPr>
+          <a:p>
+            <a:endParaRPr b="0" lang="en-US" sz="3200" spc="-1" strike="noStrike">
+              <a:latin typeface="DejaVu Sans"/>
+            </a:endParaRPr>
+          </a:p>
+        </p:txBody>
+      </p:sp>
+      <p:sp>
+        <p:nvSpPr>
+          <p:cNvPr id="220" name="PlaceHolder 4"/>
+          <p:cNvSpPr>
+            <a:spLocks noGrp="1"/>
+          </p:cNvSpPr>
+          <p:nvPr>
+            <p:ph type="body"/>
+          </p:nvPr>
+        </p:nvSpPr>
+        <p:spPr>
+          <a:xfrm>
+            <a:off x="457200" y="3682080"/>
+            <a:ext cx="8228880" cy="1896840"/>
           </a:xfrm>
           <a:prstGeom prst="rect">
             <a:avLst/>
@@ -8290,8 +9128,8 @@
         </p:nvSpPr>
         <p:spPr>
           <a:xfrm>
-            <a:off x="457200" y="273600"/>
-            <a:ext cx="8229240" cy="1144800"/>
+            <a:off x="457200" y="273240"/>
+            <a:ext cx="8228880" cy="1145160"/>
           </a:xfrm>
           <a:prstGeom prst="rect">
             <a:avLst/>
@@ -8322,7 +9160,7 @@
         <p:spPr>
           <a:xfrm>
             <a:off x="457200" y="1604520"/>
-            <a:ext cx="4015800" cy="1896840"/>
+            <a:ext cx="4015440" cy="1896840"/>
           </a:xfrm>
           <a:prstGeom prst="rect">
             <a:avLst/>
@@ -8351,8 +9189,8 @@
         </p:nvSpPr>
         <p:spPr>
           <a:xfrm>
-            <a:off x="4674240" y="1604520"/>
-            <a:ext cx="4015800" cy="3977280"/>
+            <a:off x="4673880" y="1604520"/>
+            <a:ext cx="4015440" cy="3976920"/>
           </a:xfrm>
           <a:prstGeom prst="rect">
             <a:avLst/>
@@ -8382,7 +9220,526 @@
         <p:spPr>
           <a:xfrm>
             <a:off x="457200" y="3682080"/>
-            <a:ext cx="4015800" cy="1896840"/>
+            <a:ext cx="4015440" cy="1896840"/>
+          </a:xfrm>
+          <a:prstGeom prst="rect">
+            <a:avLst/>
+          </a:prstGeom>
+        </p:spPr>
+        <p:txBody>
+          <a:bodyPr lIns="0" rIns="0" tIns="0" bIns="0">
+            <a:normAutofit/>
+          </a:bodyPr>
+          <a:p>
+            <a:endParaRPr b="0" lang="en-US" sz="3200" spc="-1" strike="noStrike">
+              <a:latin typeface="DejaVu Sans"/>
+            </a:endParaRPr>
+          </a:p>
+        </p:txBody>
+      </p:sp>
+    </p:spTree>
+  </p:cSld>
+</p:sldLayout>
+</file>
+
+<file path=ppt/slideLayouts/slideLayout70.xml><?xml version="1.0" encoding="utf-8"?>
+<p:sldLayout xmlns:a="http://schemas.openxmlformats.org/drawingml/2006/main" xmlns:p="http://schemas.openxmlformats.org/presentationml/2006/main" xmlns:r="http://schemas.openxmlformats.org/officeDocument/2006/relationships" xmlns:p14="http://schemas.microsoft.com/office/powerpoint/2010/main" xmlns:p15="http://schemas.microsoft.com/office/powerpoint/2012/main" xmlns:mc="http://schemas.openxmlformats.org/markup-compatibility/2006" type="objOverTx" preserve="1">
+  <p:cSld name="Title, Content over Content">
+    <p:spTree>
+      <p:nvGrpSpPr>
+        <p:cNvPr id="1" name=""/>
+        <p:cNvGrpSpPr/>
+        <p:nvPr/>
+      </p:nvGrpSpPr>
+      <p:grpSpPr>
+        <a:xfrm>
+          <a:off x="0" y="0"/>
+          <a:ext cx="0" cy="0"/>
+          <a:chOff x="0" y="0"/>
+          <a:chExt cx="0" cy="0"/>
+        </a:xfrm>
+      </p:grpSpPr>
+      <p:sp>
+        <p:nvSpPr>
+          <p:cNvPr id="221" name="PlaceHolder 1"/>
+          <p:cNvSpPr>
+            <a:spLocks noGrp="1"/>
+          </p:cNvSpPr>
+          <p:nvPr>
+            <p:ph type="title"/>
+          </p:nvPr>
+        </p:nvSpPr>
+        <p:spPr>
+          <a:xfrm>
+            <a:off x="457200" y="273240"/>
+            <a:ext cx="8228880" cy="1145160"/>
+          </a:xfrm>
+          <a:prstGeom prst="rect">
+            <a:avLst/>
+          </a:prstGeom>
+        </p:spPr>
+        <p:txBody>
+          <a:bodyPr lIns="0" rIns="0" tIns="0" bIns="0" anchor="ctr">
+            <a:spAutoFit/>
+          </a:bodyPr>
+          <a:p>
+            <a:pPr algn="ctr"/>
+            <a:endParaRPr b="0" lang="en-US" sz="4400" spc="-1" strike="noStrike">
+              <a:latin typeface="DejaVu Sans"/>
+            </a:endParaRPr>
+          </a:p>
+        </p:txBody>
+      </p:sp>
+      <p:sp>
+        <p:nvSpPr>
+          <p:cNvPr id="222" name="PlaceHolder 2"/>
+          <p:cNvSpPr>
+            <a:spLocks noGrp="1"/>
+          </p:cNvSpPr>
+          <p:nvPr>
+            <p:ph type="body"/>
+          </p:nvPr>
+        </p:nvSpPr>
+        <p:spPr>
+          <a:xfrm>
+            <a:off x="457200" y="1604520"/>
+            <a:ext cx="8228880" cy="1896840"/>
+          </a:xfrm>
+          <a:prstGeom prst="rect">
+            <a:avLst/>
+          </a:prstGeom>
+        </p:spPr>
+        <p:txBody>
+          <a:bodyPr lIns="0" rIns="0" tIns="0" bIns="0">
+            <a:normAutofit/>
+          </a:bodyPr>
+          <a:p>
+            <a:endParaRPr b="0" lang="en-US" sz="3200" spc="-1" strike="noStrike">
+              <a:latin typeface="DejaVu Sans"/>
+            </a:endParaRPr>
+          </a:p>
+        </p:txBody>
+      </p:sp>
+      <p:sp>
+        <p:nvSpPr>
+          <p:cNvPr id="223" name="PlaceHolder 3"/>
+          <p:cNvSpPr>
+            <a:spLocks noGrp="1"/>
+          </p:cNvSpPr>
+          <p:nvPr>
+            <p:ph type="body"/>
+          </p:nvPr>
+        </p:nvSpPr>
+        <p:spPr>
+          <a:xfrm>
+            <a:off x="457200" y="3682080"/>
+            <a:ext cx="8228880" cy="1896840"/>
+          </a:xfrm>
+          <a:prstGeom prst="rect">
+            <a:avLst/>
+          </a:prstGeom>
+        </p:spPr>
+        <p:txBody>
+          <a:bodyPr lIns="0" rIns="0" tIns="0" bIns="0">
+            <a:normAutofit/>
+          </a:bodyPr>
+          <a:p>
+            <a:endParaRPr b="0" lang="en-US" sz="3200" spc="-1" strike="noStrike">
+              <a:latin typeface="DejaVu Sans"/>
+            </a:endParaRPr>
+          </a:p>
+        </p:txBody>
+      </p:sp>
+    </p:spTree>
+  </p:cSld>
+</p:sldLayout>
+</file>
+
+<file path=ppt/slideLayouts/slideLayout71.xml><?xml version="1.0" encoding="utf-8"?>
+<p:sldLayout xmlns:a="http://schemas.openxmlformats.org/drawingml/2006/main" xmlns:p="http://schemas.openxmlformats.org/presentationml/2006/main" xmlns:r="http://schemas.openxmlformats.org/officeDocument/2006/relationships" xmlns:p14="http://schemas.microsoft.com/office/powerpoint/2010/main" xmlns:p15="http://schemas.microsoft.com/office/powerpoint/2012/main" xmlns:mc="http://schemas.openxmlformats.org/markup-compatibility/2006" type="fourObj" preserve="1">
+  <p:cSld name="Title, 4 Content">
+    <p:spTree>
+      <p:nvGrpSpPr>
+        <p:cNvPr id="1" name=""/>
+        <p:cNvGrpSpPr/>
+        <p:nvPr/>
+      </p:nvGrpSpPr>
+      <p:grpSpPr>
+        <a:xfrm>
+          <a:off x="0" y="0"/>
+          <a:ext cx="0" cy="0"/>
+          <a:chOff x="0" y="0"/>
+          <a:chExt cx="0" cy="0"/>
+        </a:xfrm>
+      </p:grpSpPr>
+      <p:sp>
+        <p:nvSpPr>
+          <p:cNvPr id="224" name="PlaceHolder 1"/>
+          <p:cNvSpPr>
+            <a:spLocks noGrp="1"/>
+          </p:cNvSpPr>
+          <p:nvPr>
+            <p:ph type="title"/>
+          </p:nvPr>
+        </p:nvSpPr>
+        <p:spPr>
+          <a:xfrm>
+            <a:off x="457200" y="273240"/>
+            <a:ext cx="8228880" cy="1145160"/>
+          </a:xfrm>
+          <a:prstGeom prst="rect">
+            <a:avLst/>
+          </a:prstGeom>
+        </p:spPr>
+        <p:txBody>
+          <a:bodyPr lIns="0" rIns="0" tIns="0" bIns="0" anchor="ctr">
+            <a:spAutoFit/>
+          </a:bodyPr>
+          <a:p>
+            <a:pPr algn="ctr"/>
+            <a:endParaRPr b="0" lang="en-US" sz="4400" spc="-1" strike="noStrike">
+              <a:latin typeface="DejaVu Sans"/>
+            </a:endParaRPr>
+          </a:p>
+        </p:txBody>
+      </p:sp>
+      <p:sp>
+        <p:nvSpPr>
+          <p:cNvPr id="225" name="PlaceHolder 2"/>
+          <p:cNvSpPr>
+            <a:spLocks noGrp="1"/>
+          </p:cNvSpPr>
+          <p:nvPr>
+            <p:ph type="body"/>
+          </p:nvPr>
+        </p:nvSpPr>
+        <p:spPr>
+          <a:xfrm>
+            <a:off x="457200" y="1604520"/>
+            <a:ext cx="4015440" cy="1896840"/>
+          </a:xfrm>
+          <a:prstGeom prst="rect">
+            <a:avLst/>
+          </a:prstGeom>
+        </p:spPr>
+        <p:txBody>
+          <a:bodyPr lIns="0" rIns="0" tIns="0" bIns="0">
+            <a:normAutofit/>
+          </a:bodyPr>
+          <a:p>
+            <a:endParaRPr b="0" lang="en-US" sz="3200" spc="-1" strike="noStrike">
+              <a:latin typeface="DejaVu Sans"/>
+            </a:endParaRPr>
+          </a:p>
+        </p:txBody>
+      </p:sp>
+      <p:sp>
+        <p:nvSpPr>
+          <p:cNvPr id="226" name="PlaceHolder 3"/>
+          <p:cNvSpPr>
+            <a:spLocks noGrp="1"/>
+          </p:cNvSpPr>
+          <p:nvPr>
+            <p:ph type="body"/>
+          </p:nvPr>
+        </p:nvSpPr>
+        <p:spPr>
+          <a:xfrm>
+            <a:off x="4673880" y="1604520"/>
+            <a:ext cx="4015440" cy="1896840"/>
+          </a:xfrm>
+          <a:prstGeom prst="rect">
+            <a:avLst/>
+          </a:prstGeom>
+        </p:spPr>
+        <p:txBody>
+          <a:bodyPr lIns="0" rIns="0" tIns="0" bIns="0">
+            <a:normAutofit/>
+          </a:bodyPr>
+          <a:p>
+            <a:endParaRPr b="0" lang="en-US" sz="3200" spc="-1" strike="noStrike">
+              <a:latin typeface="DejaVu Sans"/>
+            </a:endParaRPr>
+          </a:p>
+        </p:txBody>
+      </p:sp>
+      <p:sp>
+        <p:nvSpPr>
+          <p:cNvPr id="227" name="PlaceHolder 4"/>
+          <p:cNvSpPr>
+            <a:spLocks noGrp="1"/>
+          </p:cNvSpPr>
+          <p:nvPr>
+            <p:ph type="body"/>
+          </p:nvPr>
+        </p:nvSpPr>
+        <p:spPr>
+          <a:xfrm>
+            <a:off x="457200" y="3682080"/>
+            <a:ext cx="4015440" cy="1896840"/>
+          </a:xfrm>
+          <a:prstGeom prst="rect">
+            <a:avLst/>
+          </a:prstGeom>
+        </p:spPr>
+        <p:txBody>
+          <a:bodyPr lIns="0" rIns="0" tIns="0" bIns="0">
+            <a:normAutofit/>
+          </a:bodyPr>
+          <a:p>
+            <a:endParaRPr b="0" lang="en-US" sz="3200" spc="-1" strike="noStrike">
+              <a:latin typeface="DejaVu Sans"/>
+            </a:endParaRPr>
+          </a:p>
+        </p:txBody>
+      </p:sp>
+      <p:sp>
+        <p:nvSpPr>
+          <p:cNvPr id="228" name="PlaceHolder 5"/>
+          <p:cNvSpPr>
+            <a:spLocks noGrp="1"/>
+          </p:cNvSpPr>
+          <p:nvPr>
+            <p:ph type="body"/>
+          </p:nvPr>
+        </p:nvSpPr>
+        <p:spPr>
+          <a:xfrm>
+            <a:off x="4673880" y="3682080"/>
+            <a:ext cx="4015440" cy="1896840"/>
+          </a:xfrm>
+          <a:prstGeom prst="rect">
+            <a:avLst/>
+          </a:prstGeom>
+        </p:spPr>
+        <p:txBody>
+          <a:bodyPr lIns="0" rIns="0" tIns="0" bIns="0">
+            <a:normAutofit/>
+          </a:bodyPr>
+          <a:p>
+            <a:endParaRPr b="0" lang="en-US" sz="3200" spc="-1" strike="noStrike">
+              <a:latin typeface="DejaVu Sans"/>
+            </a:endParaRPr>
+          </a:p>
+        </p:txBody>
+      </p:sp>
+    </p:spTree>
+  </p:cSld>
+</p:sldLayout>
+</file>
+
+<file path=ppt/slideLayouts/slideLayout72.xml><?xml version="1.0" encoding="utf-8"?>
+<p:sldLayout xmlns:a="http://schemas.openxmlformats.org/drawingml/2006/main" xmlns:p="http://schemas.openxmlformats.org/presentationml/2006/main" xmlns:r="http://schemas.openxmlformats.org/officeDocument/2006/relationships" xmlns:p14="http://schemas.microsoft.com/office/powerpoint/2010/main" xmlns:p15="http://schemas.microsoft.com/office/powerpoint/2012/main" xmlns:mc="http://schemas.openxmlformats.org/markup-compatibility/2006" type="blank" preserve="1">
+  <p:cSld name="Title, 6 Content">
+    <p:spTree>
+      <p:nvGrpSpPr>
+        <p:cNvPr id="1" name=""/>
+        <p:cNvGrpSpPr/>
+        <p:nvPr/>
+      </p:nvGrpSpPr>
+      <p:grpSpPr>
+        <a:xfrm>
+          <a:off x="0" y="0"/>
+          <a:ext cx="0" cy="0"/>
+          <a:chOff x="0" y="0"/>
+          <a:chExt cx="0" cy="0"/>
+        </a:xfrm>
+      </p:grpSpPr>
+      <p:sp>
+        <p:nvSpPr>
+          <p:cNvPr id="229" name="PlaceHolder 1"/>
+          <p:cNvSpPr>
+            <a:spLocks noGrp="1"/>
+          </p:cNvSpPr>
+          <p:nvPr>
+            <p:ph type="title"/>
+          </p:nvPr>
+        </p:nvSpPr>
+        <p:spPr>
+          <a:xfrm>
+            <a:off x="457200" y="273240"/>
+            <a:ext cx="8228880" cy="1145160"/>
+          </a:xfrm>
+          <a:prstGeom prst="rect">
+            <a:avLst/>
+          </a:prstGeom>
+        </p:spPr>
+        <p:txBody>
+          <a:bodyPr lIns="0" rIns="0" tIns="0" bIns="0" anchor="ctr">
+            <a:spAutoFit/>
+          </a:bodyPr>
+          <a:p>
+            <a:pPr algn="ctr"/>
+            <a:endParaRPr b="0" lang="en-US" sz="4400" spc="-1" strike="noStrike">
+              <a:latin typeface="DejaVu Sans"/>
+            </a:endParaRPr>
+          </a:p>
+        </p:txBody>
+      </p:sp>
+      <p:sp>
+        <p:nvSpPr>
+          <p:cNvPr id="230" name="PlaceHolder 2"/>
+          <p:cNvSpPr>
+            <a:spLocks noGrp="1"/>
+          </p:cNvSpPr>
+          <p:nvPr>
+            <p:ph type="body"/>
+          </p:nvPr>
+        </p:nvSpPr>
+        <p:spPr>
+          <a:xfrm>
+            <a:off x="457200" y="1604520"/>
+            <a:ext cx="2649600" cy="1896840"/>
+          </a:xfrm>
+          <a:prstGeom prst="rect">
+            <a:avLst/>
+          </a:prstGeom>
+        </p:spPr>
+        <p:txBody>
+          <a:bodyPr lIns="0" rIns="0" tIns="0" bIns="0">
+            <a:normAutofit/>
+          </a:bodyPr>
+          <a:p>
+            <a:endParaRPr b="0" lang="en-US" sz="3200" spc="-1" strike="noStrike">
+              <a:latin typeface="DejaVu Sans"/>
+            </a:endParaRPr>
+          </a:p>
+        </p:txBody>
+      </p:sp>
+      <p:sp>
+        <p:nvSpPr>
+          <p:cNvPr id="231" name="PlaceHolder 3"/>
+          <p:cNvSpPr>
+            <a:spLocks noGrp="1"/>
+          </p:cNvSpPr>
+          <p:nvPr>
+            <p:ph type="body"/>
+          </p:nvPr>
+        </p:nvSpPr>
+        <p:spPr>
+          <a:xfrm>
+            <a:off x="3239640" y="1604520"/>
+            <a:ext cx="2649600" cy="1896840"/>
+          </a:xfrm>
+          <a:prstGeom prst="rect">
+            <a:avLst/>
+          </a:prstGeom>
+        </p:spPr>
+        <p:txBody>
+          <a:bodyPr lIns="0" rIns="0" tIns="0" bIns="0">
+            <a:normAutofit/>
+          </a:bodyPr>
+          <a:p>
+            <a:endParaRPr b="0" lang="en-US" sz="3200" spc="-1" strike="noStrike">
+              <a:latin typeface="DejaVu Sans"/>
+            </a:endParaRPr>
+          </a:p>
+        </p:txBody>
+      </p:sp>
+      <p:sp>
+        <p:nvSpPr>
+          <p:cNvPr id="232" name="PlaceHolder 4"/>
+          <p:cNvSpPr>
+            <a:spLocks noGrp="1"/>
+          </p:cNvSpPr>
+          <p:nvPr>
+            <p:ph type="body"/>
+          </p:nvPr>
+        </p:nvSpPr>
+        <p:spPr>
+          <a:xfrm>
+            <a:off x="6022080" y="1604520"/>
+            <a:ext cx="2649600" cy="1896840"/>
+          </a:xfrm>
+          <a:prstGeom prst="rect">
+            <a:avLst/>
+          </a:prstGeom>
+        </p:spPr>
+        <p:txBody>
+          <a:bodyPr lIns="0" rIns="0" tIns="0" bIns="0">
+            <a:normAutofit/>
+          </a:bodyPr>
+          <a:p>
+            <a:endParaRPr b="0" lang="en-US" sz="3200" spc="-1" strike="noStrike">
+              <a:latin typeface="DejaVu Sans"/>
+            </a:endParaRPr>
+          </a:p>
+        </p:txBody>
+      </p:sp>
+      <p:sp>
+        <p:nvSpPr>
+          <p:cNvPr id="233" name="PlaceHolder 5"/>
+          <p:cNvSpPr>
+            <a:spLocks noGrp="1"/>
+          </p:cNvSpPr>
+          <p:nvPr>
+            <p:ph type="body"/>
+          </p:nvPr>
+        </p:nvSpPr>
+        <p:spPr>
+          <a:xfrm>
+            <a:off x="457200" y="3682080"/>
+            <a:ext cx="2649600" cy="1896840"/>
+          </a:xfrm>
+          <a:prstGeom prst="rect">
+            <a:avLst/>
+          </a:prstGeom>
+        </p:spPr>
+        <p:txBody>
+          <a:bodyPr lIns="0" rIns="0" tIns="0" bIns="0">
+            <a:normAutofit/>
+          </a:bodyPr>
+          <a:p>
+            <a:endParaRPr b="0" lang="en-US" sz="3200" spc="-1" strike="noStrike">
+              <a:latin typeface="DejaVu Sans"/>
+            </a:endParaRPr>
+          </a:p>
+        </p:txBody>
+      </p:sp>
+      <p:sp>
+        <p:nvSpPr>
+          <p:cNvPr id="234" name="PlaceHolder 6"/>
+          <p:cNvSpPr>
+            <a:spLocks noGrp="1"/>
+          </p:cNvSpPr>
+          <p:nvPr>
+            <p:ph type="body"/>
+          </p:nvPr>
+        </p:nvSpPr>
+        <p:spPr>
+          <a:xfrm>
+            <a:off x="3239640" y="3682080"/>
+            <a:ext cx="2649600" cy="1896840"/>
+          </a:xfrm>
+          <a:prstGeom prst="rect">
+            <a:avLst/>
+          </a:prstGeom>
+        </p:spPr>
+        <p:txBody>
+          <a:bodyPr lIns="0" rIns="0" tIns="0" bIns="0">
+            <a:normAutofit/>
+          </a:bodyPr>
+          <a:p>
+            <a:endParaRPr b="0" lang="en-US" sz="3200" spc="-1" strike="noStrike">
+              <a:latin typeface="DejaVu Sans"/>
+            </a:endParaRPr>
+          </a:p>
+        </p:txBody>
+      </p:sp>
+      <p:sp>
+        <p:nvSpPr>
+          <p:cNvPr id="235" name="PlaceHolder 7"/>
+          <p:cNvSpPr>
+            <a:spLocks noGrp="1"/>
+          </p:cNvSpPr>
+          <p:nvPr>
+            <p:ph type="body"/>
+          </p:nvPr>
+        </p:nvSpPr>
+        <p:spPr>
+          <a:xfrm>
+            <a:off x="6022080" y="3682080"/>
+            <a:ext cx="2649600" cy="1896840"/>
           </a:xfrm>
           <a:prstGeom prst="rect">
             <a:avLst/>
@@ -8433,8 +9790,8 @@
         </p:nvSpPr>
         <p:spPr>
           <a:xfrm>
-            <a:off x="457200" y="273600"/>
-            <a:ext cx="8229240" cy="1144800"/>
+            <a:off x="457200" y="273240"/>
+            <a:ext cx="8228880" cy="1145160"/>
           </a:xfrm>
           <a:prstGeom prst="rect">
             <a:avLst/>
@@ -8465,7 +9822,7 @@
         <p:spPr>
           <a:xfrm>
             <a:off x="457200" y="1604520"/>
-            <a:ext cx="4015800" cy="3977280"/>
+            <a:ext cx="4015440" cy="3976920"/>
           </a:xfrm>
           <a:prstGeom prst="rect">
             <a:avLst/>
@@ -8494,8 +9851,8 @@
         </p:nvSpPr>
         <p:spPr>
           <a:xfrm>
-            <a:off x="4674240" y="1604520"/>
-            <a:ext cx="4015800" cy="1896840"/>
+            <a:off x="4673880" y="1604520"/>
+            <a:ext cx="4015440" cy="1896840"/>
           </a:xfrm>
           <a:prstGeom prst="rect">
             <a:avLst/>
@@ -8524,8 +9881,8 @@
         </p:nvSpPr>
         <p:spPr>
           <a:xfrm>
-            <a:off x="4674240" y="3682080"/>
-            <a:ext cx="4015800" cy="1896840"/>
+            <a:off x="4673880" y="3682080"/>
+            <a:ext cx="4015440" cy="1896840"/>
           </a:xfrm>
           <a:prstGeom prst="rect">
             <a:avLst/>
@@ -8576,8 +9933,8 @@
         </p:nvSpPr>
         <p:spPr>
           <a:xfrm>
-            <a:off x="457200" y="273600"/>
-            <a:ext cx="8229240" cy="1144800"/>
+            <a:off x="457200" y="273240"/>
+            <a:ext cx="8228880" cy="1145160"/>
           </a:xfrm>
           <a:prstGeom prst="rect">
             <a:avLst/>
@@ -8608,7 +9965,7 @@
         <p:spPr>
           <a:xfrm>
             <a:off x="457200" y="1604520"/>
-            <a:ext cx="4015800" cy="1896840"/>
+            <a:ext cx="4015440" cy="1896840"/>
           </a:xfrm>
           <a:prstGeom prst="rect">
             <a:avLst/>
@@ -8637,8 +9994,8 @@
         </p:nvSpPr>
         <p:spPr>
           <a:xfrm>
-            <a:off x="4674240" y="1604520"/>
-            <a:ext cx="4015800" cy="1896840"/>
+            <a:off x="4673880" y="1604520"/>
+            <a:ext cx="4015440" cy="1896840"/>
           </a:xfrm>
           <a:prstGeom prst="rect">
             <a:avLst/>
@@ -8668,7 +10025,7 @@
         <p:spPr>
           <a:xfrm>
             <a:off x="457200" y="3682080"/>
-            <a:ext cx="8229240" cy="1896840"/>
+            <a:ext cx="8228880" cy="1896840"/>
           </a:xfrm>
           <a:prstGeom prst="rect">
             <a:avLst/>
@@ -8723,7 +10080,7 @@
         <p:spPr>
           <a:xfrm>
             <a:off x="0" y="6400800"/>
-            <a:ext cx="9143280" cy="456480"/>
+            <a:ext cx="9142920" cy="456120"/>
           </a:xfrm>
           <a:prstGeom prst="rect">
             <a:avLst/>
@@ -8759,7 +10116,7 @@
         <p:spPr>
           <a:xfrm>
             <a:off x="0" y="6334200"/>
-            <a:ext cx="9143280" cy="65160"/>
+            <a:ext cx="9142920" cy="64800"/>
           </a:xfrm>
           <a:prstGeom prst="rect">
             <a:avLst/>
@@ -8852,7 +10209,13 @@
               <a:rPr b="0" lang="en-US" sz="4400" spc="-1" strike="noStrike">
                 <a:latin typeface="DejaVu Sans"/>
               </a:rPr>
-              <a:t>Click to edit the title text format</a:t>
+              <a:t>Click to edit the title text </a:t>
+            </a:r>
+            <a:r>
+              <a:rPr b="0" lang="en-US" sz="4400" spc="-1" strike="noStrike">
+                <a:latin typeface="DejaVu Sans"/>
+              </a:rPr>
+              <a:t>format</a:t>
             </a:r>
             <a:endParaRPr b="0" lang="en-US" sz="4400" spc="-1" strike="noStrike">
               <a:latin typeface="DejaVu Sans"/>
@@ -9092,7 +10455,7 @@
         <p:spPr>
           <a:xfrm>
             <a:off x="3240" y="6400800"/>
-            <a:ext cx="9140400" cy="456840"/>
+            <a:ext cx="9140040" cy="456480"/>
           </a:xfrm>
           <a:prstGeom prst="rect">
             <a:avLst/>
@@ -9120,7 +10483,7 @@
         <p:spPr>
           <a:xfrm>
             <a:off x="0" y="6334200"/>
-            <a:ext cx="9142200" cy="63000"/>
+            <a:ext cx="9141840" cy="62640"/>
           </a:xfrm>
           <a:prstGeom prst="rect">
             <a:avLst/>
@@ -9699,25 +11062,26 @@
         </p:nvSpPr>
         <p:spPr>
           <a:xfrm>
-            <a:off x="457200" y="179280"/>
-            <a:ext cx="8228880" cy="1238760"/>
-          </a:xfrm>
-          <a:prstGeom prst="rect">
-            <a:avLst/>
-          </a:prstGeom>
-        </p:spPr>
-        <p:txBody>
-          <a:bodyPr lIns="90000" rIns="90000" tIns="46800" bIns="46800" anchor="b">
-            <a:spAutoFit/>
-          </a:bodyPr>
-          <a:p>
-            <a:r>
-              <a:rPr b="0" lang="en-US" sz="1800" spc="-1" strike="noStrike">
+            <a:off x="457200" y="273600"/>
+            <a:ext cx="8229240" cy="1144800"/>
+          </a:xfrm>
+          <a:prstGeom prst="rect">
+            <a:avLst/>
+          </a:prstGeom>
+        </p:spPr>
+        <p:txBody>
+          <a:bodyPr lIns="0" rIns="0" tIns="0" bIns="0" anchor="ctr">
+            <a:noAutofit/>
+          </a:bodyPr>
+          <a:p>
+            <a:pPr algn="ctr"/>
+            <a:r>
+              <a:rPr b="0" lang="en-US" sz="4400" spc="-1" strike="noStrike">
                 <a:latin typeface="DejaVu Sans"/>
               </a:rPr>
               <a:t>Click to edit the title text format</a:t>
             </a:r>
-            <a:endParaRPr b="0" lang="en-US" sz="1800" spc="-1" strike="noStrike">
+            <a:endParaRPr b="0" lang="en-US" sz="4400" spc="-1" strike="noStrike">
               <a:latin typeface="DejaVu Sans"/>
             </a:endParaRPr>
           </a:p>
@@ -9736,14 +11100,14 @@
         <p:spPr>
           <a:xfrm>
             <a:off x="457200" y="1604520"/>
-            <a:ext cx="8228880" cy="3976920"/>
-          </a:xfrm>
-          <a:prstGeom prst="rect">
-            <a:avLst/>
-          </a:prstGeom>
-        </p:spPr>
-        <p:txBody>
-          <a:bodyPr lIns="0" rIns="0" tIns="46800" bIns="46800">
+            <a:ext cx="8229240" cy="3977280"/>
+          </a:xfrm>
+          <a:prstGeom prst="rect">
+            <a:avLst/>
+          </a:prstGeom>
+        </p:spPr>
+        <p:txBody>
+          <a:bodyPr lIns="0" rIns="0" tIns="0" bIns="0">
             <a:normAutofit/>
           </a:bodyPr>
           <a:p>
@@ -9759,12 +11123,12 @@
               <a:buChar char=""/>
             </a:pPr>
             <a:r>
-              <a:rPr b="0" lang="en-US" sz="1800" spc="-1" strike="noStrike">
+              <a:rPr b="0" lang="en-US" sz="3200" spc="-1" strike="noStrike">
                 <a:latin typeface="DejaVu Sans"/>
               </a:rPr>
               <a:t>Click to edit the outline text format</a:t>
             </a:r>
-            <a:endParaRPr b="0" lang="en-US" sz="1800" spc="-1" strike="noStrike">
+            <a:endParaRPr b="0" lang="en-US" sz="3200" spc="-1" strike="noStrike">
               <a:latin typeface="DejaVu Sans"/>
             </a:endParaRPr>
           </a:p>
@@ -9781,12 +11145,12 @@
               <a:buChar char=""/>
             </a:pPr>
             <a:r>
-              <a:rPr b="0" lang="en-US" sz="1800" spc="-1" strike="noStrike">
+              <a:rPr b="0" lang="en-US" sz="2800" spc="-1" strike="noStrike">
                 <a:latin typeface="DejaVu Sans"/>
               </a:rPr>
               <a:t>Second Outline Level</a:t>
             </a:r>
-            <a:endParaRPr b="0" lang="en-US" sz="1800" spc="-1" strike="noStrike">
+            <a:endParaRPr b="0" lang="en-US" sz="2800" spc="-1" strike="noStrike">
               <a:latin typeface="DejaVu Sans"/>
             </a:endParaRPr>
           </a:p>
@@ -9803,12 +11167,12 @@
               <a:buChar char=""/>
             </a:pPr>
             <a:r>
-              <a:rPr b="0" lang="en-US" sz="1800" spc="-1" strike="noStrike">
+              <a:rPr b="0" lang="en-US" sz="2400" spc="-1" strike="noStrike">
                 <a:latin typeface="DejaVu Sans"/>
               </a:rPr>
               <a:t>Third Outline Level</a:t>
             </a:r>
-            <a:endParaRPr b="0" lang="en-US" sz="1800" spc="-1" strike="noStrike">
+            <a:endParaRPr b="0" lang="en-US" sz="2400" spc="-1" strike="noStrike">
               <a:latin typeface="DejaVu Sans"/>
             </a:endParaRPr>
           </a:p>
@@ -9825,12 +11189,12 @@
               <a:buChar char=""/>
             </a:pPr>
             <a:r>
-              <a:rPr b="0" lang="en-US" sz="1800" spc="-1" strike="noStrike">
+              <a:rPr b="0" lang="en-US" sz="2000" spc="-1" strike="noStrike">
                 <a:latin typeface="DejaVu Sans"/>
               </a:rPr>
               <a:t>Fourth Outline Level</a:t>
             </a:r>
-            <a:endParaRPr b="0" lang="en-US" sz="1800" spc="-1" strike="noStrike">
+            <a:endParaRPr b="0" lang="en-US" sz="2000" spc="-1" strike="noStrike">
               <a:latin typeface="DejaVu Sans"/>
             </a:endParaRPr>
           </a:p>
@@ -9847,12 +11211,12 @@
               <a:buChar char=""/>
             </a:pPr>
             <a:r>
-              <a:rPr b="0" lang="en-US" sz="1800" spc="-1" strike="noStrike">
+              <a:rPr b="0" lang="en-US" sz="2000" spc="-1" strike="noStrike">
                 <a:latin typeface="DejaVu Sans"/>
               </a:rPr>
               <a:t>Fifth Outline Level</a:t>
             </a:r>
-            <a:endParaRPr b="0" lang="en-US" sz="1800" spc="-1" strike="noStrike">
+            <a:endParaRPr b="0" lang="en-US" sz="2000" spc="-1" strike="noStrike">
               <a:latin typeface="DejaVu Sans"/>
             </a:endParaRPr>
           </a:p>
@@ -9869,12 +11233,12 @@
               <a:buChar char=""/>
             </a:pPr>
             <a:r>
-              <a:rPr b="0" lang="en-US" sz="1800" spc="-1" strike="noStrike">
+              <a:rPr b="0" lang="en-US" sz="2000" spc="-1" strike="noStrike">
                 <a:latin typeface="DejaVu Sans"/>
               </a:rPr>
               <a:t>Sixth Outline Level</a:t>
             </a:r>
-            <a:endParaRPr b="0" lang="en-US" sz="1800" spc="-1" strike="noStrike">
+            <a:endParaRPr b="0" lang="en-US" sz="2000" spc="-1" strike="noStrike">
               <a:latin typeface="DejaVu Sans"/>
             </a:endParaRPr>
           </a:p>
@@ -9891,12 +11255,12 @@
               <a:buChar char=""/>
             </a:pPr>
             <a:r>
-              <a:rPr b="0" lang="en-US" sz="1800" spc="-1" strike="noStrike">
+              <a:rPr b="0" lang="en-US" sz="2000" spc="-1" strike="noStrike">
                 <a:latin typeface="DejaVu Sans"/>
               </a:rPr>
               <a:t>Seventh Outline Level</a:t>
             </a:r>
-            <a:endParaRPr b="0" lang="en-US" sz="1800" spc="-1" strike="noStrike">
+            <a:endParaRPr b="0" lang="en-US" sz="2000" spc="-1" strike="noStrike">
               <a:latin typeface="DejaVu Sans"/>
             </a:endParaRPr>
           </a:p>
@@ -9948,63 +11312,7 @@
       </p:grpSpPr>
       <p:sp>
         <p:nvSpPr>
-          <p:cNvPr id="158" name="CustomShape 1"/>
-          <p:cNvSpPr/>
-          <p:nvPr/>
-        </p:nvSpPr>
-        <p:spPr>
-          <a:xfrm>
-            <a:off x="3240" y="6400800"/>
-            <a:ext cx="9140400" cy="456840"/>
-          </a:xfrm>
-          <a:prstGeom prst="rect">
-            <a:avLst/>
-          </a:prstGeom>
-          <a:solidFill>
-            <a:srgbClr val="bd582c"/>
-          </a:solidFill>
-          <a:ln>
-            <a:noFill/>
-          </a:ln>
-        </p:spPr>
-        <p:style>
-          <a:lnRef idx="0"/>
-          <a:fillRef idx="0"/>
-          <a:effectRef idx="0"/>
-          <a:fontRef idx="minor"/>
-        </p:style>
-      </p:sp>
-      <p:sp>
-        <p:nvSpPr>
-          <p:cNvPr id="159" name="CustomShape 2"/>
-          <p:cNvSpPr/>
-          <p:nvPr/>
-        </p:nvSpPr>
-        <p:spPr>
-          <a:xfrm>
-            <a:off x="0" y="6334200"/>
-            <a:ext cx="9142200" cy="63000"/>
-          </a:xfrm>
-          <a:prstGeom prst="rect">
-            <a:avLst/>
-          </a:prstGeom>
-          <a:solidFill>
-            <a:srgbClr val="e48312"/>
-          </a:solidFill>
-          <a:ln>
-            <a:noFill/>
-          </a:ln>
-        </p:spPr>
-        <p:style>
-          <a:lnRef idx="0"/>
-          <a:fillRef idx="0"/>
-          <a:effectRef idx="0"/>
-          <a:fontRef idx="minor"/>
-        </p:style>
-      </p:sp>
-      <p:sp>
-        <p:nvSpPr>
-          <p:cNvPr id="160" name="PlaceHolder 3"/>
+          <p:cNvPr id="158" name="PlaceHolder 1"/>
           <p:cNvSpPr>
             <a:spLocks noGrp="1"/>
           </p:cNvSpPr>
@@ -10014,8 +11322,8 @@
         </p:nvSpPr>
         <p:spPr>
           <a:xfrm>
-            <a:off x="457200" y="273600"/>
-            <a:ext cx="8229240" cy="1144800"/>
+            <a:off x="457200" y="273240"/>
+            <a:ext cx="8228880" cy="1145160"/>
           </a:xfrm>
           <a:prstGeom prst="rect">
             <a:avLst/>
@@ -10023,25 +11331,24 @@
         </p:spPr>
         <p:txBody>
           <a:bodyPr lIns="0" rIns="0" tIns="0" bIns="0" anchor="ctr">
-            <a:noAutofit/>
-          </a:bodyPr>
-          <a:p>
-            <a:pPr algn="ctr"/>
-            <a:r>
-              <a:rPr b="0" lang="en-US" sz="4400" spc="-1" strike="noStrike">
+            <a:spAutoFit/>
+          </a:bodyPr>
+          <a:p>
+            <a:r>
+              <a:rPr b="0" lang="en-US" sz="1800" spc="-1" strike="noStrike">
                 <a:latin typeface="DejaVu Sans"/>
               </a:rPr>
               <a:t>Click to edit the title text format</a:t>
             </a:r>
-            <a:endParaRPr b="0" lang="en-US" sz="4400" spc="-1" strike="noStrike">
-              <a:latin typeface="DejaVu Sans"/>
-            </a:endParaRPr>
-          </a:p>
-        </p:txBody>
-      </p:sp>
-      <p:sp>
-        <p:nvSpPr>
-          <p:cNvPr id="161" name="PlaceHolder 4"/>
+            <a:endParaRPr b="0" lang="en-US" sz="1800" spc="-1" strike="noStrike">
+              <a:latin typeface="DejaVu Sans"/>
+            </a:endParaRPr>
+          </a:p>
+        </p:txBody>
+      </p:sp>
+      <p:sp>
+        <p:nvSpPr>
+          <p:cNvPr id="159" name="PlaceHolder 2"/>
           <p:cNvSpPr>
             <a:spLocks noGrp="1"/>
           </p:cNvSpPr>
@@ -10052,7 +11359,7 @@
         <p:spPr>
           <a:xfrm>
             <a:off x="457200" y="1604520"/>
-            <a:ext cx="8229240" cy="3977280"/>
+            <a:ext cx="8228880" cy="3976920"/>
           </a:xfrm>
           <a:prstGeom prst="rect">
             <a:avLst/>
@@ -10075,12 +11382,12 @@
               <a:buChar char=""/>
             </a:pPr>
             <a:r>
-              <a:rPr b="0" lang="en-US" sz="3200" spc="-1" strike="noStrike">
+              <a:rPr b="0" lang="en-US" sz="1800" spc="-1" strike="noStrike">
                 <a:latin typeface="DejaVu Sans"/>
               </a:rPr>
               <a:t>Click to edit the outline text format</a:t>
             </a:r>
-            <a:endParaRPr b="0" lang="en-US" sz="3200" spc="-1" strike="noStrike">
+            <a:endParaRPr b="0" lang="en-US" sz="1800" spc="-1" strike="noStrike">
               <a:latin typeface="DejaVu Sans"/>
             </a:endParaRPr>
           </a:p>
@@ -10097,12 +11404,12 @@
               <a:buChar char=""/>
             </a:pPr>
             <a:r>
-              <a:rPr b="0" lang="en-US" sz="2800" spc="-1" strike="noStrike">
+              <a:rPr b="0" lang="en-US" sz="1800" spc="-1" strike="noStrike">
                 <a:latin typeface="DejaVu Sans"/>
               </a:rPr>
               <a:t>Second Outline Level</a:t>
             </a:r>
-            <a:endParaRPr b="0" lang="en-US" sz="2800" spc="-1" strike="noStrike">
+            <a:endParaRPr b="0" lang="en-US" sz="1800" spc="-1" strike="noStrike">
               <a:latin typeface="DejaVu Sans"/>
             </a:endParaRPr>
           </a:p>
@@ -10119,12 +11426,12 @@
               <a:buChar char=""/>
             </a:pPr>
             <a:r>
-              <a:rPr b="0" lang="en-US" sz="2400" spc="-1" strike="noStrike">
+              <a:rPr b="0" lang="en-US" sz="1800" spc="-1" strike="noStrike">
                 <a:latin typeface="DejaVu Sans"/>
               </a:rPr>
               <a:t>Third Outline Level</a:t>
             </a:r>
-            <a:endParaRPr b="0" lang="en-US" sz="2400" spc="-1" strike="noStrike">
+            <a:endParaRPr b="0" lang="en-US" sz="1800" spc="-1" strike="noStrike">
               <a:latin typeface="DejaVu Sans"/>
             </a:endParaRPr>
           </a:p>
@@ -10141,12 +11448,12 @@
               <a:buChar char=""/>
             </a:pPr>
             <a:r>
-              <a:rPr b="0" lang="en-US" sz="2000" spc="-1" strike="noStrike">
+              <a:rPr b="0" lang="en-US" sz="1800" spc="-1" strike="noStrike">
                 <a:latin typeface="DejaVu Sans"/>
               </a:rPr>
               <a:t>Fourth Outline Level</a:t>
             </a:r>
-            <a:endParaRPr b="0" lang="en-US" sz="2000" spc="-1" strike="noStrike">
+            <a:endParaRPr b="0" lang="en-US" sz="1800" spc="-1" strike="noStrike">
               <a:latin typeface="DejaVu Sans"/>
             </a:endParaRPr>
           </a:p>
@@ -10163,12 +11470,12 @@
               <a:buChar char=""/>
             </a:pPr>
             <a:r>
-              <a:rPr b="0" lang="en-US" sz="2000" spc="-1" strike="noStrike">
+              <a:rPr b="0" lang="en-US" sz="1800" spc="-1" strike="noStrike">
                 <a:latin typeface="DejaVu Sans"/>
               </a:rPr>
               <a:t>Fifth Outline Level</a:t>
             </a:r>
-            <a:endParaRPr b="0" lang="en-US" sz="2000" spc="-1" strike="noStrike">
+            <a:endParaRPr b="0" lang="en-US" sz="1800" spc="-1" strike="noStrike">
               <a:latin typeface="DejaVu Sans"/>
             </a:endParaRPr>
           </a:p>
@@ -10185,12 +11492,12 @@
               <a:buChar char=""/>
             </a:pPr>
             <a:r>
-              <a:rPr b="0" lang="en-US" sz="2000" spc="-1" strike="noStrike">
+              <a:rPr b="0" lang="en-US" sz="1800" spc="-1" strike="noStrike">
                 <a:latin typeface="DejaVu Sans"/>
               </a:rPr>
               <a:t>Sixth Outline Level</a:t>
             </a:r>
-            <a:endParaRPr b="0" lang="en-US" sz="2000" spc="-1" strike="noStrike">
+            <a:endParaRPr b="0" lang="en-US" sz="1800" spc="-1" strike="noStrike">
               <a:latin typeface="DejaVu Sans"/>
             </a:endParaRPr>
           </a:p>
@@ -10207,12 +11514,12 @@
               <a:buChar char=""/>
             </a:pPr>
             <a:r>
-              <a:rPr b="0" lang="en-US" sz="2000" spc="-1" strike="noStrike">
+              <a:rPr b="0" lang="en-US" sz="1800" spc="-1" strike="noStrike">
                 <a:latin typeface="DejaVu Sans"/>
               </a:rPr>
               <a:t>Seventh Outline Level</a:t>
             </a:r>
-            <a:endParaRPr b="0" lang="en-US" sz="2000" spc="-1" strike="noStrike">
+            <a:endParaRPr b="0" lang="en-US" sz="1800" spc="-1" strike="noStrike">
               <a:latin typeface="DejaVu Sans"/>
             </a:endParaRPr>
           </a:p>
@@ -10234,6 +11541,322 @@
     <p:sldLayoutId id="2147483710" r:id="rId11"/>
     <p:sldLayoutId id="2147483711" r:id="rId12"/>
     <p:sldLayoutId id="2147483712" r:id="rId13"/>
+  </p:sldLayoutIdLst>
+</p:sldMaster>
+</file>
+
+<file path=ppt/slideMasters/slideMaster6.xml><?xml version="1.0" encoding="utf-8"?>
+<p:sldMaster xmlns:a="http://schemas.openxmlformats.org/drawingml/2006/main" xmlns:p="http://schemas.openxmlformats.org/presentationml/2006/main" xmlns:r="http://schemas.openxmlformats.org/officeDocument/2006/relationships" xmlns:p14="http://schemas.microsoft.com/office/powerpoint/2010/main" xmlns:p15="http://schemas.microsoft.com/office/powerpoint/2012/main" xmlns:mc="http://schemas.openxmlformats.org/markup-compatibility/2006">
+  <p:cSld>
+    <p:bg>
+      <p:bgPr>
+        <a:solidFill>
+          <a:srgbClr val="ffffff"/>
+        </a:solidFill>
+      </p:bgPr>
+    </p:bg>
+    <p:spTree>
+      <p:nvGrpSpPr>
+        <p:cNvPr id="1" name=""/>
+        <p:cNvGrpSpPr/>
+        <p:nvPr/>
+      </p:nvGrpSpPr>
+      <p:grpSpPr>
+        <a:xfrm>
+          <a:off x="0" y="0"/>
+          <a:ext cx="0" cy="0"/>
+          <a:chOff x="0" y="0"/>
+          <a:chExt cx="0" cy="0"/>
+        </a:xfrm>
+      </p:grpSpPr>
+      <p:sp>
+        <p:nvSpPr>
+          <p:cNvPr id="196" name="CustomShape 1"/>
+          <p:cNvSpPr/>
+          <p:nvPr/>
+        </p:nvSpPr>
+        <p:spPr>
+          <a:xfrm>
+            <a:off x="3240" y="6400800"/>
+            <a:ext cx="9140040" cy="456480"/>
+          </a:xfrm>
+          <a:prstGeom prst="rect">
+            <a:avLst/>
+          </a:prstGeom>
+          <a:solidFill>
+            <a:srgbClr val="bd582c"/>
+          </a:solidFill>
+          <a:ln>
+            <a:noFill/>
+          </a:ln>
+        </p:spPr>
+        <p:style>
+          <a:lnRef idx="0"/>
+          <a:fillRef idx="0"/>
+          <a:effectRef idx="0"/>
+          <a:fontRef idx="minor"/>
+        </p:style>
+      </p:sp>
+      <p:sp>
+        <p:nvSpPr>
+          <p:cNvPr id="197" name="CustomShape 2"/>
+          <p:cNvSpPr/>
+          <p:nvPr/>
+        </p:nvSpPr>
+        <p:spPr>
+          <a:xfrm>
+            <a:off x="0" y="6334200"/>
+            <a:ext cx="9141840" cy="62640"/>
+          </a:xfrm>
+          <a:prstGeom prst="rect">
+            <a:avLst/>
+          </a:prstGeom>
+          <a:solidFill>
+            <a:srgbClr val="e48312"/>
+          </a:solidFill>
+          <a:ln>
+            <a:noFill/>
+          </a:ln>
+        </p:spPr>
+        <p:style>
+          <a:lnRef idx="0"/>
+          <a:fillRef idx="0"/>
+          <a:effectRef idx="0"/>
+          <a:fontRef idx="minor"/>
+        </p:style>
+      </p:sp>
+      <p:sp>
+        <p:nvSpPr>
+          <p:cNvPr id="198" name="PlaceHolder 3"/>
+          <p:cNvSpPr>
+            <a:spLocks noGrp="1"/>
+          </p:cNvSpPr>
+          <p:nvPr>
+            <p:ph type="title"/>
+          </p:nvPr>
+        </p:nvSpPr>
+        <p:spPr>
+          <a:xfrm>
+            <a:off x="457200" y="273600"/>
+            <a:ext cx="8229240" cy="1144800"/>
+          </a:xfrm>
+          <a:prstGeom prst="rect">
+            <a:avLst/>
+          </a:prstGeom>
+        </p:spPr>
+        <p:txBody>
+          <a:bodyPr lIns="0" rIns="0" tIns="0" bIns="0" anchor="ctr">
+            <a:noAutofit/>
+          </a:bodyPr>
+          <a:p>
+            <a:pPr algn="ctr"/>
+            <a:r>
+              <a:rPr b="0" lang="en-US" sz="4400" spc="-1" strike="noStrike">
+                <a:latin typeface="DejaVu Sans"/>
+              </a:rPr>
+              <a:t>Click to edit the title text format</a:t>
+            </a:r>
+            <a:endParaRPr b="0" lang="en-US" sz="4400" spc="-1" strike="noStrike">
+              <a:latin typeface="DejaVu Sans"/>
+            </a:endParaRPr>
+          </a:p>
+        </p:txBody>
+      </p:sp>
+      <p:sp>
+        <p:nvSpPr>
+          <p:cNvPr id="199" name="PlaceHolder 4"/>
+          <p:cNvSpPr>
+            <a:spLocks noGrp="1"/>
+          </p:cNvSpPr>
+          <p:nvPr>
+            <p:ph type="body"/>
+          </p:nvPr>
+        </p:nvSpPr>
+        <p:spPr>
+          <a:xfrm>
+            <a:off x="457200" y="1604520"/>
+            <a:ext cx="8229240" cy="3977280"/>
+          </a:xfrm>
+          <a:prstGeom prst="rect">
+            <a:avLst/>
+          </a:prstGeom>
+        </p:spPr>
+        <p:txBody>
+          <a:bodyPr lIns="0" rIns="0" tIns="0" bIns="0">
+            <a:normAutofit/>
+          </a:bodyPr>
+          <a:p>
+            <a:pPr marL="432000" indent="-324000">
+              <a:spcBef>
+                <a:spcPts val="1417"/>
+              </a:spcBef>
+              <a:buClr>
+                <a:srgbClr val="000000"/>
+              </a:buClr>
+              <a:buSzPct val="45000"/>
+              <a:buFont typeface="Wingdings" charset="2"/>
+              <a:buChar char=""/>
+            </a:pPr>
+            <a:r>
+              <a:rPr b="0" lang="en-US" sz="3200" spc="-1" strike="noStrike">
+                <a:latin typeface="DejaVu Sans"/>
+              </a:rPr>
+              <a:t>Click to edit the outline text format</a:t>
+            </a:r>
+            <a:endParaRPr b="0" lang="en-US" sz="3200" spc="-1" strike="noStrike">
+              <a:latin typeface="DejaVu Sans"/>
+            </a:endParaRPr>
+          </a:p>
+          <a:p>
+            <a:pPr lvl="1" marL="864000" indent="-324000">
+              <a:spcBef>
+                <a:spcPts val="1134"/>
+              </a:spcBef>
+              <a:buClr>
+                <a:srgbClr val="000000"/>
+              </a:buClr>
+              <a:buSzPct val="75000"/>
+              <a:buFont typeface="Symbol" charset="2"/>
+              <a:buChar char=""/>
+            </a:pPr>
+            <a:r>
+              <a:rPr b="0" lang="en-US" sz="2800" spc="-1" strike="noStrike">
+                <a:latin typeface="DejaVu Sans"/>
+              </a:rPr>
+              <a:t>Second Outline Level</a:t>
+            </a:r>
+            <a:endParaRPr b="0" lang="en-US" sz="2800" spc="-1" strike="noStrike">
+              <a:latin typeface="DejaVu Sans"/>
+            </a:endParaRPr>
+          </a:p>
+          <a:p>
+            <a:pPr lvl="2" marL="1296000" indent="-288000">
+              <a:spcBef>
+                <a:spcPts val="850"/>
+              </a:spcBef>
+              <a:buClr>
+                <a:srgbClr val="000000"/>
+              </a:buClr>
+              <a:buSzPct val="45000"/>
+              <a:buFont typeface="Wingdings" charset="2"/>
+              <a:buChar char=""/>
+            </a:pPr>
+            <a:r>
+              <a:rPr b="0" lang="en-US" sz="2400" spc="-1" strike="noStrike">
+                <a:latin typeface="DejaVu Sans"/>
+              </a:rPr>
+              <a:t>Third Outline Level</a:t>
+            </a:r>
+            <a:endParaRPr b="0" lang="en-US" sz="2400" spc="-1" strike="noStrike">
+              <a:latin typeface="DejaVu Sans"/>
+            </a:endParaRPr>
+          </a:p>
+          <a:p>
+            <a:pPr lvl="3" marL="1728000" indent="-216000">
+              <a:spcBef>
+                <a:spcPts val="567"/>
+              </a:spcBef>
+              <a:buClr>
+                <a:srgbClr val="000000"/>
+              </a:buClr>
+              <a:buSzPct val="75000"/>
+              <a:buFont typeface="Symbol" charset="2"/>
+              <a:buChar char=""/>
+            </a:pPr>
+            <a:r>
+              <a:rPr b="0" lang="en-US" sz="2000" spc="-1" strike="noStrike">
+                <a:latin typeface="DejaVu Sans"/>
+              </a:rPr>
+              <a:t>Fourth Outline Level</a:t>
+            </a:r>
+            <a:endParaRPr b="0" lang="en-US" sz="2000" spc="-1" strike="noStrike">
+              <a:latin typeface="DejaVu Sans"/>
+            </a:endParaRPr>
+          </a:p>
+          <a:p>
+            <a:pPr lvl="4" marL="2160000" indent="-216000">
+              <a:spcBef>
+                <a:spcPts val="283"/>
+              </a:spcBef>
+              <a:buClr>
+                <a:srgbClr val="000000"/>
+              </a:buClr>
+              <a:buSzPct val="45000"/>
+              <a:buFont typeface="Wingdings" charset="2"/>
+              <a:buChar char=""/>
+            </a:pPr>
+            <a:r>
+              <a:rPr b="0" lang="en-US" sz="2000" spc="-1" strike="noStrike">
+                <a:latin typeface="DejaVu Sans"/>
+              </a:rPr>
+              <a:t>Fifth Outline Level</a:t>
+            </a:r>
+            <a:endParaRPr b="0" lang="en-US" sz="2000" spc="-1" strike="noStrike">
+              <a:latin typeface="DejaVu Sans"/>
+            </a:endParaRPr>
+          </a:p>
+          <a:p>
+            <a:pPr lvl="5" marL="2592000" indent="-216000">
+              <a:spcBef>
+                <a:spcPts val="283"/>
+              </a:spcBef>
+              <a:buClr>
+                <a:srgbClr val="000000"/>
+              </a:buClr>
+              <a:buSzPct val="45000"/>
+              <a:buFont typeface="Wingdings" charset="2"/>
+              <a:buChar char=""/>
+            </a:pPr>
+            <a:r>
+              <a:rPr b="0" lang="en-US" sz="2000" spc="-1" strike="noStrike">
+                <a:latin typeface="DejaVu Sans"/>
+              </a:rPr>
+              <a:t>Sixth Outline Level</a:t>
+            </a:r>
+            <a:endParaRPr b="0" lang="en-US" sz="2000" spc="-1" strike="noStrike">
+              <a:latin typeface="DejaVu Sans"/>
+            </a:endParaRPr>
+          </a:p>
+          <a:p>
+            <a:pPr lvl="6" marL="3024000" indent="-216000">
+              <a:spcBef>
+                <a:spcPts val="283"/>
+              </a:spcBef>
+              <a:buClr>
+                <a:srgbClr val="000000"/>
+              </a:buClr>
+              <a:buSzPct val="45000"/>
+              <a:buFont typeface="Wingdings" charset="2"/>
+              <a:buChar char=""/>
+            </a:pPr>
+            <a:r>
+              <a:rPr b="0" lang="en-US" sz="2000" spc="-1" strike="noStrike">
+                <a:latin typeface="DejaVu Sans"/>
+              </a:rPr>
+              <a:t>Seventh Outline Level</a:t>
+            </a:r>
+            <a:endParaRPr b="0" lang="en-US" sz="2000" spc="-1" strike="noStrike">
+              <a:latin typeface="DejaVu Sans"/>
+            </a:endParaRPr>
+          </a:p>
+        </p:txBody>
+      </p:sp>
+    </p:spTree>
+  </p:cSld>
+  <p:clrMap bg1="lt1" bg2="lt2" tx1="dk1" tx2="dk2" accent1="accent1" accent2="accent2" accent3="accent3" accent4="accent4" accent5="accent5" accent6="accent6" hlink="hlink" folHlink="folHlink"/>
+  <p:sldLayoutIdLst>
+    <p:sldLayoutId id="2147483714" r:id="rId2"/>
+    <p:sldLayoutId id="2147483715" r:id="rId3"/>
+    <p:sldLayoutId id="2147483716" r:id="rId4"/>
+    <p:sldLayoutId id="2147483717" r:id="rId5"/>
+    <p:sldLayoutId id="2147483718" r:id="rId6"/>
+    <p:sldLayoutId id="2147483719" r:id="rId7"/>
+    <p:sldLayoutId id="2147483720" r:id="rId8"/>
+    <p:sldLayoutId id="2147483721" r:id="rId9"/>
+    <p:sldLayoutId id="2147483722" r:id="rId10"/>
+    <p:sldLayoutId id="2147483723" r:id="rId11"/>
+    <p:sldLayoutId id="2147483724" r:id="rId12"/>
+    <p:sldLayoutId id="2147483725" r:id="rId13"/>
   </p:sldLayoutIdLst>
 </p:sldMaster>
 </file>
@@ -10257,14 +11880,14 @@
       </p:grpSpPr>
       <p:sp>
         <p:nvSpPr>
-          <p:cNvPr id="204" name="CustomShape 1"/>
+          <p:cNvPr id="242" name="CustomShape 1"/>
           <p:cNvSpPr/>
           <p:nvPr/>
         </p:nvSpPr>
         <p:spPr>
           <a:xfrm>
             <a:off x="533520" y="481680"/>
-            <a:ext cx="8609760" cy="1139040"/>
+            <a:ext cx="8609400" cy="1138680"/>
           </a:xfrm>
           <a:prstGeom prst="rect">
             <a:avLst/>
@@ -10296,6 +11919,7 @@
                   <a:srgbClr val="404040"/>
                 </a:solidFill>
                 <a:latin typeface="Calibri Light"/>
+                <a:ea typeface="DejaVu Sans"/>
               </a:rPr>
               <a:t>Operation Catapult </a:t>
             </a:r>
@@ -10306,6 +11930,7 @@
                   <a:srgbClr val="404040"/>
                 </a:solidFill>
                 <a:latin typeface="Calibri Light"/>
+                <a:ea typeface="DejaVu Sans"/>
               </a:rPr>
               <a:t>Python Programming Projects – Day 1</a:t>
             </a:r>
@@ -10317,14 +11942,14 @@
       </p:sp>
       <p:sp>
         <p:nvSpPr>
-          <p:cNvPr id="205" name="CustomShape 2"/>
+          <p:cNvPr id="243" name="CustomShape 2"/>
           <p:cNvSpPr/>
           <p:nvPr/>
         </p:nvSpPr>
         <p:spPr>
           <a:xfrm>
             <a:off x="822960" y="1845720"/>
-            <a:ext cx="7329600" cy="4022640"/>
+            <a:ext cx="7329240" cy="4022280"/>
           </a:xfrm>
           <a:prstGeom prst="rect">
             <a:avLst/>
@@ -10378,6 +12003,7 @@
                   <a:srgbClr val="404040"/>
                 </a:solidFill>
                 <a:latin typeface="Calibri"/>
+                <a:ea typeface="DejaVu Sans"/>
               </a:rPr>
               <a:t>Welcome!</a:t>
             </a:r>
@@ -10389,14 +12015,14 @@
       </p:sp>
       <p:sp>
         <p:nvSpPr>
-          <p:cNvPr id="206" name="CustomShape 3"/>
+          <p:cNvPr id="244" name="CustomShape 3"/>
           <p:cNvSpPr/>
           <p:nvPr/>
         </p:nvSpPr>
         <p:spPr>
           <a:xfrm>
             <a:off x="7425360" y="6459840"/>
-            <a:ext cx="983160" cy="364320"/>
+            <a:ext cx="982800" cy="363960"/>
           </a:xfrm>
           <a:prstGeom prst="rect">
             <a:avLst/>
@@ -10422,7 +12048,7 @@
                 <a:spcPct val="100000"/>
               </a:lnSpc>
             </a:pPr>
-            <a:fld id="{1AFDBBB1-A84E-43C8-A1E9-EBB0A75AAA91}" type="slidenum">
+            <a:fld id="{F07E9EBE-0E8B-4CE6-B837-32FA806C48EE}" type="slidenum">
               <a:rPr b="0" lang="en-US" sz="1050" spc="-1" strike="noStrike">
                 <a:solidFill>
                   <a:srgbClr val="ffffff"/>
@@ -10440,7 +12066,7 @@
       </p:sp>
       <p:pic>
         <p:nvPicPr>
-          <p:cNvPr id="207" name="Picture 1" descr=""/>
+          <p:cNvPr id="245" name="Picture 1" descr=""/>
           <p:cNvPicPr/>
           <p:nvPr/>
         </p:nvPicPr>
@@ -10451,7 +12077,7 @@
         <p:spPr>
           <a:xfrm>
             <a:off x="822960" y="2293920"/>
-            <a:ext cx="4834800" cy="3722040"/>
+            <a:ext cx="4834440" cy="3721680"/>
           </a:xfrm>
           <a:prstGeom prst="rect">
             <a:avLst/>
@@ -10463,14 +12089,14 @@
       </p:pic>
       <p:sp>
         <p:nvSpPr>
-          <p:cNvPr id="208" name="CustomShape 4"/>
+          <p:cNvPr id="246" name="CustomShape 4"/>
           <p:cNvSpPr/>
           <p:nvPr/>
         </p:nvSpPr>
         <p:spPr>
           <a:xfrm>
             <a:off x="6053760" y="3352680"/>
-            <a:ext cx="2742480" cy="2221200"/>
+            <a:ext cx="2742120" cy="2220840"/>
           </a:xfrm>
           <a:prstGeom prst="rect">
             <a:avLst/>
@@ -10554,14 +12180,14 @@
       </p:grpSpPr>
       <p:sp>
         <p:nvSpPr>
-          <p:cNvPr id="240" name="CustomShape 1"/>
+          <p:cNvPr id="278" name="CustomShape 1"/>
           <p:cNvSpPr/>
           <p:nvPr/>
         </p:nvSpPr>
         <p:spPr>
           <a:xfrm>
             <a:off x="821880" y="758880"/>
-            <a:ext cx="7543440" cy="3565080"/>
+            <a:ext cx="7543080" cy="3564720"/>
           </a:xfrm>
           <a:prstGeom prst="rect">
             <a:avLst/>
@@ -10593,6 +12219,7 @@
                   <a:srgbClr val="262626"/>
                 </a:solidFill>
                 <a:latin typeface="Calibri Light"/>
+                <a:ea typeface="DejaVu Sans"/>
               </a:rPr>
               <a:t>Catapult Python Programming</a:t>
             </a:r>
@@ -10604,7 +12231,7 @@
       </p:sp>
       <p:pic>
         <p:nvPicPr>
-          <p:cNvPr id="241" name="Picture 4" descr=""/>
+          <p:cNvPr id="279" name="Picture 4" descr=""/>
           <p:cNvPicPr/>
           <p:nvPr/>
         </p:nvPicPr>
@@ -10615,7 +12242,7 @@
         <p:spPr>
           <a:xfrm>
             <a:off x="7162920" y="4419720"/>
-            <a:ext cx="1696680" cy="1720440"/>
+            <a:ext cx="1696320" cy="1720080"/>
           </a:xfrm>
           <a:prstGeom prst="rect">
             <a:avLst/>
@@ -10627,7 +12254,7 @@
       </p:pic>
       <p:pic>
         <p:nvPicPr>
-          <p:cNvPr id="242" name="Picture 5" descr=""/>
+          <p:cNvPr id="280" name="Picture 5" descr=""/>
           <p:cNvPicPr/>
           <p:nvPr/>
         </p:nvPicPr>
@@ -10638,7 +12265,7 @@
         <p:spPr>
           <a:xfrm>
             <a:off x="7964640" y="0"/>
-            <a:ext cx="1179000" cy="1485720"/>
+            <a:ext cx="1178640" cy="1485360"/>
           </a:xfrm>
           <a:prstGeom prst="rect">
             <a:avLst/>
@@ -10680,14 +12307,14 @@
       </p:grpSpPr>
       <p:sp>
         <p:nvSpPr>
-          <p:cNvPr id="243" name="CustomShape 1"/>
+          <p:cNvPr id="281" name="CustomShape 1"/>
           <p:cNvSpPr/>
           <p:nvPr/>
         </p:nvSpPr>
         <p:spPr>
           <a:xfrm>
             <a:off x="821880" y="287280"/>
-            <a:ext cx="7543440" cy="1449000"/>
+            <a:ext cx="7543080" cy="1448640"/>
           </a:xfrm>
           <a:prstGeom prst="rect">
             <a:avLst/>
@@ -10719,6 +12346,7 @@
                   <a:srgbClr val="404040"/>
                 </a:solidFill>
                 <a:latin typeface="Calibri Light"/>
+                <a:ea typeface="DejaVu Sans"/>
               </a:rPr>
               <a:t>Agenda</a:t>
             </a:r>
@@ -10730,14 +12358,14 @@
       </p:sp>
       <p:sp>
         <p:nvSpPr>
-          <p:cNvPr id="244" name="CustomShape 2"/>
+          <p:cNvPr id="282" name="CustomShape 2"/>
           <p:cNvSpPr/>
           <p:nvPr/>
         </p:nvSpPr>
         <p:spPr>
           <a:xfrm>
             <a:off x="821880" y="1846440"/>
-            <a:ext cx="7543440" cy="4022280"/>
+            <a:ext cx="7543080" cy="4021920"/>
           </a:xfrm>
           <a:prstGeom prst="rect">
             <a:avLst/>
@@ -10758,7 +12386,7 @@
             <a:normAutofit/>
           </a:bodyPr>
           <a:p>
-            <a:pPr marL="90360" indent="-90000">
+            <a:pPr marL="90360" indent="-89640">
               <a:lnSpc>
                 <a:spcPct val="100000"/>
               </a:lnSpc>
@@ -10780,6 +12408,7 @@
                   <a:srgbClr val="404040"/>
                 </a:solidFill>
                 <a:latin typeface="Calibri"/>
+                <a:ea typeface="DejaVu Sans"/>
               </a:rPr>
               <a:t>Python’s interactive console</a:t>
             </a:r>
@@ -10788,7 +12417,7 @@
             </a:endParaRPr>
           </a:p>
           <a:p>
-            <a:pPr marL="90360" indent="-90000">
+            <a:pPr marL="90360" indent="-89640">
               <a:lnSpc>
                 <a:spcPct val="100000"/>
               </a:lnSpc>
@@ -10810,6 +12439,7 @@
                   <a:srgbClr val="404040"/>
                 </a:solidFill>
                 <a:latin typeface="Calibri"/>
+                <a:ea typeface="DejaVu Sans"/>
               </a:rPr>
               <a:t>Basic computations</a:t>
             </a:r>
@@ -10818,7 +12448,7 @@
             </a:endParaRPr>
           </a:p>
           <a:p>
-            <a:pPr marL="90360" indent="-90000">
+            <a:pPr marL="90360" indent="-89640">
               <a:lnSpc>
                 <a:spcPct val="100000"/>
               </a:lnSpc>
@@ -10840,6 +12470,7 @@
                   <a:srgbClr val="404040"/>
                 </a:solidFill>
                 <a:latin typeface="Calibri"/>
+                <a:ea typeface="DejaVu Sans"/>
               </a:rPr>
               <a:t>Data types</a:t>
             </a:r>
@@ -10848,7 +12479,7 @@
             </a:endParaRPr>
           </a:p>
           <a:p>
-            <a:pPr marL="90360" indent="-90000">
+            <a:pPr marL="90360" indent="-89640">
               <a:lnSpc>
                 <a:spcPct val="100000"/>
               </a:lnSpc>
@@ -10870,6 +12501,7 @@
                   <a:srgbClr val="404040"/>
                 </a:solidFill>
                 <a:latin typeface="Calibri"/>
+                <a:ea typeface="DejaVu Sans"/>
               </a:rPr>
               <a:t>Variables</a:t>
             </a:r>
@@ -10878,7 +12510,7 @@
             </a:endParaRPr>
           </a:p>
           <a:p>
-            <a:pPr marL="90360" indent="-90000">
+            <a:pPr marL="90360" indent="-89640">
               <a:lnSpc>
                 <a:spcPct val="100000"/>
               </a:lnSpc>
@@ -10900,6 +12532,7 @@
                   <a:srgbClr val="404040"/>
                 </a:solidFill>
                 <a:latin typeface="Calibri"/>
+                <a:ea typeface="DejaVu Sans"/>
               </a:rPr>
               <a:t>Our first “game” - Moving Smile, narrated by me</a:t>
             </a:r>
@@ -10924,7 +12557,7 @@
             </a:endParaRPr>
           </a:p>
           <a:p>
-            <a:pPr marL="90360" indent="-90000">
+            <a:pPr marL="90360" indent="-89640">
               <a:lnSpc>
                 <a:spcPct val="100000"/>
               </a:lnSpc>
@@ -10940,7 +12573,7 @@
             </a:endParaRPr>
           </a:p>
           <a:p>
-            <a:pPr>
+            <a:pPr marL="90360" indent="-89640">
               <a:lnSpc>
                 <a:spcPct val="100000"/>
               </a:lnSpc>
@@ -10989,14 +12622,14 @@
       </p:grpSpPr>
       <p:sp>
         <p:nvSpPr>
-          <p:cNvPr id="245" name="CustomShape 1"/>
+          <p:cNvPr id="283" name="CustomShape 1"/>
           <p:cNvSpPr/>
           <p:nvPr/>
         </p:nvSpPr>
         <p:spPr>
           <a:xfrm>
             <a:off x="457200" y="592920"/>
-            <a:ext cx="8228880" cy="825120"/>
+            <a:ext cx="8228520" cy="824760"/>
           </a:xfrm>
           <a:prstGeom prst="rect">
             <a:avLst/>
@@ -11028,6 +12661,7 @@
                   <a:srgbClr val="404040"/>
                 </a:solidFill>
                 <a:latin typeface="Calibri Light"/>
+                <a:ea typeface="DejaVu Sans"/>
               </a:rPr>
               <a:t>Python Console</a:t>
             </a:r>
@@ -11039,14 +12673,14 @@
       </p:sp>
       <p:sp>
         <p:nvSpPr>
-          <p:cNvPr id="246" name="CustomShape 2"/>
+          <p:cNvPr id="284" name="CustomShape 2"/>
           <p:cNvSpPr/>
           <p:nvPr/>
         </p:nvSpPr>
         <p:spPr>
           <a:xfrm>
             <a:off x="457200" y="1604520"/>
-            <a:ext cx="8228880" cy="3976920"/>
+            <a:ext cx="8228520" cy="3976560"/>
           </a:xfrm>
           <a:prstGeom prst="rect">
             <a:avLst/>
@@ -11067,7 +12701,7 @@
             <a:normAutofit/>
           </a:bodyPr>
           <a:p>
-            <a:pPr marL="90360" indent="-90000">
+            <a:pPr marL="90360" indent="-89640">
               <a:lnSpc>
                 <a:spcPct val="100000"/>
               </a:lnSpc>
@@ -11089,6 +12723,7 @@
                   <a:srgbClr val="404040"/>
                 </a:solidFill>
                 <a:latin typeface="Calibri"/>
+                <a:ea typeface="DejaVu Sans"/>
               </a:rPr>
               <a:t>The python console is a great place to try out stuff before you code it “formally”</a:t>
             </a:r>
@@ -11097,7 +12732,7 @@
             </a:endParaRPr>
           </a:p>
           <a:p>
-            <a:pPr marL="90360" indent="-90000">
+            <a:pPr marL="90360" indent="-89640">
               <a:lnSpc>
                 <a:spcPct val="100000"/>
               </a:lnSpc>
@@ -11119,6 +12754,7 @@
                   <a:srgbClr val="404040"/>
                 </a:solidFill>
                 <a:latin typeface="Calibri"/>
+                <a:ea typeface="DejaVu Sans"/>
               </a:rPr>
               <a:t>Please play along with me as I take you through the basics and feel free to try stuff out.</a:t>
             </a:r>
@@ -11127,7 +12763,7 @@
             </a:endParaRPr>
           </a:p>
           <a:p>
-            <a:pPr marL="90360" indent="-90000">
+            <a:pPr marL="90360" indent="-89640">
               <a:lnSpc>
                 <a:spcPct val="100000"/>
               </a:lnSpc>
@@ -11149,6 +12785,7 @@
                   <a:srgbClr val="404040"/>
                 </a:solidFill>
                 <a:latin typeface="Calibri"/>
+                <a:ea typeface="DejaVu Sans"/>
               </a:rPr>
               <a:t>If you get confused or your system is not doing what mine does, please get a assistant to help.</a:t>
             </a:r>
@@ -11190,14 +12827,14 @@
       </p:grpSpPr>
       <p:sp>
         <p:nvSpPr>
-          <p:cNvPr id="247" name="CustomShape 1"/>
+          <p:cNvPr id="285" name="CustomShape 1"/>
           <p:cNvSpPr/>
           <p:nvPr/>
         </p:nvSpPr>
         <p:spPr>
           <a:xfrm>
             <a:off x="837720" y="866520"/>
-            <a:ext cx="7543440" cy="702720"/>
+            <a:ext cx="7543080" cy="702360"/>
           </a:xfrm>
           <a:prstGeom prst="rect">
             <a:avLst/>
@@ -11229,6 +12866,7 @@
                   <a:srgbClr val="404040"/>
                 </a:solidFill>
                 <a:latin typeface="Calibri Light"/>
+                <a:ea typeface="DejaVu Sans"/>
               </a:rPr>
               <a:t>Python Basics</a:t>
             </a:r>
@@ -11240,14 +12878,14 @@
       </p:sp>
       <p:sp>
         <p:nvSpPr>
-          <p:cNvPr id="248" name="CustomShape 2"/>
+          <p:cNvPr id="286" name="CustomShape 2"/>
           <p:cNvSpPr/>
           <p:nvPr/>
         </p:nvSpPr>
         <p:spPr>
           <a:xfrm>
             <a:off x="380880" y="1218960"/>
-            <a:ext cx="8686440" cy="5104800"/>
+            <a:ext cx="8686080" cy="5104440"/>
           </a:xfrm>
           <a:prstGeom prst="rect">
             <a:avLst/>
@@ -11300,7 +12938,7 @@
             </a:endParaRPr>
           </a:p>
           <a:p>
-            <a:pPr marL="90360" indent="-90000">
+            <a:pPr marL="90360" indent="-89640">
               <a:lnSpc>
                 <a:spcPct val="70000"/>
               </a:lnSpc>
@@ -11322,6 +12960,7 @@
                   <a:srgbClr val="404040"/>
                 </a:solidFill>
                 <a:latin typeface="Calibri"/>
+                <a:ea typeface="DejaVu Sans"/>
               </a:rPr>
               <a:t>1) numbers and arithmetic:  </a:t>
             </a:r>
@@ -11330,7 +12969,7 @@
             </a:endParaRPr>
           </a:p>
           <a:p>
-            <a:pPr lvl="1" marL="199800" indent="-216000">
+            <a:pPr lvl="1" marL="199800" indent="-215640">
               <a:lnSpc>
                 <a:spcPct val="70000"/>
               </a:lnSpc>
@@ -11361,7 +13000,7 @@
             </a:endParaRPr>
           </a:p>
           <a:p>
-            <a:pPr marL="90360" indent="-90000">
+            <a:pPr marL="90360" indent="-89640">
               <a:lnSpc>
                 <a:spcPct val="70000"/>
               </a:lnSpc>
@@ -11392,7 +13031,7 @@
             </a:endParaRPr>
           </a:p>
           <a:p>
-            <a:pPr lvl="1" marL="199800" indent="-216000">
+            <a:pPr lvl="1" marL="199800" indent="-215640">
               <a:lnSpc>
                 <a:spcPct val="70000"/>
               </a:lnSpc>
@@ -11423,7 +13062,7 @@
             </a:endParaRPr>
           </a:p>
           <a:p>
-            <a:pPr marL="90360" indent="-90000">
+            <a:pPr marL="90360" indent="-89640">
               <a:lnSpc>
                 <a:spcPct val="70000"/>
               </a:lnSpc>
@@ -11454,7 +13093,7 @@
             </a:endParaRPr>
           </a:p>
           <a:p>
-            <a:pPr lvl="1" marL="199800" indent="-216000">
+            <a:pPr lvl="1" marL="199800" indent="-215640">
               <a:lnSpc>
                 <a:spcPct val="70000"/>
               </a:lnSpc>
@@ -11485,7 +13124,7 @@
             </a:endParaRPr>
           </a:p>
           <a:p>
-            <a:pPr marL="90360" indent="-90000">
+            <a:pPr marL="90360" indent="-89640">
               <a:lnSpc>
                 <a:spcPct val="70000"/>
               </a:lnSpc>
@@ -11516,7 +13155,7 @@
             </a:endParaRPr>
           </a:p>
           <a:p>
-            <a:pPr lvl="1" marL="199800" indent="-216000">
+            <a:pPr lvl="1" marL="199800" indent="-215640">
               <a:lnSpc>
                 <a:spcPct val="70000"/>
               </a:lnSpc>
@@ -11547,7 +13186,7 @@
             </a:endParaRPr>
           </a:p>
           <a:p>
-            <a:pPr lvl="1" marL="199800" indent="-216000">
+            <a:pPr lvl="1" marL="199800" indent="-215640">
               <a:lnSpc>
                 <a:spcPct val="70000"/>
               </a:lnSpc>
@@ -11637,14 +13276,14 @@
       </p:grpSpPr>
       <p:sp>
         <p:nvSpPr>
-          <p:cNvPr id="249" name="TextShape 1"/>
-          <p:cNvSpPr txBox="1"/>
+          <p:cNvPr id="287" name="CustomShape 1"/>
+          <p:cNvSpPr/>
           <p:nvPr/>
         </p:nvSpPr>
         <p:spPr>
           <a:xfrm>
-            <a:off x="457200" y="273600"/>
-            <a:ext cx="8229240" cy="1144800"/>
+            <a:off x="457200" y="510120"/>
+            <a:ext cx="8228880" cy="671040"/>
           </a:xfrm>
           <a:prstGeom prst="rect">
             <a:avLst/>
@@ -11654,12 +13293,22 @@
             <a:noFill/>
           </a:ln>
         </p:spPr>
+        <p:style>
+          <a:lnRef idx="0"/>
+          <a:fillRef idx="0"/>
+          <a:effectRef idx="0"/>
+          <a:fontRef idx="minor"/>
+        </p:style>
         <p:txBody>
           <a:bodyPr lIns="0" rIns="0" tIns="0" bIns="0" anchor="ctr">
             <a:spAutoFit/>
           </a:bodyPr>
           <a:p>
-            <a:pPr algn="ctr"/>
+            <a:pPr algn="ctr">
+              <a:lnSpc>
+                <a:spcPct val="100000"/>
+              </a:lnSpc>
+            </a:pPr>
             <a:r>
               <a:rPr b="0" lang="en-US" sz="4400" spc="-1" strike="noStrike">
                 <a:latin typeface="DejaVu Sans"/>
@@ -11674,14 +13323,14 @@
       </p:sp>
       <p:sp>
         <p:nvSpPr>
-          <p:cNvPr id="250" name="TextShape 2"/>
-          <p:cNvSpPr txBox="1"/>
+          <p:cNvPr id="288" name="CustomShape 2"/>
+          <p:cNvSpPr/>
           <p:nvPr/>
         </p:nvSpPr>
         <p:spPr>
           <a:xfrm>
             <a:off x="457200" y="3566160"/>
-            <a:ext cx="8229240" cy="2015640"/>
+            <a:ext cx="8228880" cy="2015280"/>
           </a:xfrm>
           <a:prstGeom prst="rect">
             <a:avLst/>
@@ -11691,12 +13340,21 @@
             <a:noFill/>
           </a:ln>
         </p:spPr>
+        <p:style>
+          <a:lnRef idx="0"/>
+          <a:fillRef idx="0"/>
+          <a:effectRef idx="0"/>
+          <a:fontRef idx="minor"/>
+        </p:style>
         <p:txBody>
           <a:bodyPr lIns="0" rIns="0" tIns="0" bIns="0">
             <a:normAutofit fontScale="62000"/>
           </a:bodyPr>
           <a:p>
-            <a:pPr marL="432000" indent="-324000">
+            <a:pPr marL="432000" indent="-323640">
+              <a:lnSpc>
+                <a:spcPct val="100000"/>
+              </a:lnSpc>
               <a:spcBef>
                 <a:spcPts val="1417"/>
               </a:spcBef>
@@ -11718,7 +13376,10 @@
             </a:endParaRPr>
           </a:p>
           <a:p>
-            <a:pPr marL="432000" indent="-324000">
+            <a:pPr marL="432000" indent="-323640">
+              <a:lnSpc>
+                <a:spcPct val="100000"/>
+              </a:lnSpc>
               <a:spcBef>
                 <a:spcPts val="1417"/>
               </a:spcBef>
@@ -11740,7 +13401,10 @@
             </a:endParaRPr>
           </a:p>
           <a:p>
-            <a:pPr marL="432000" indent="-324000">
+            <a:pPr marL="432000" indent="-323640">
+              <a:lnSpc>
+                <a:spcPct val="100000"/>
+              </a:lnSpc>
               <a:spcBef>
                 <a:spcPts val="1417"/>
               </a:spcBef>
@@ -11765,14 +13429,14 @@
       </p:sp>
       <p:sp>
         <p:nvSpPr>
-          <p:cNvPr id="251" name="TextShape 3"/>
-          <p:cNvSpPr txBox="1"/>
+          <p:cNvPr id="289" name="CustomShape 3"/>
+          <p:cNvSpPr/>
           <p:nvPr/>
         </p:nvSpPr>
         <p:spPr>
           <a:xfrm>
             <a:off x="731520" y="1371600"/>
-            <a:ext cx="6217920" cy="1776960"/>
+            <a:ext cx="6217560" cy="1821240"/>
           </a:xfrm>
           <a:prstGeom prst="rect">
             <a:avLst/>
@@ -11782,6 +13446,12 @@
             <a:noFill/>
           </a:ln>
         </p:spPr>
+        <p:style>
+          <a:lnRef idx="0"/>
+          <a:fillRef idx="0"/>
+          <a:effectRef idx="0"/>
+          <a:fontRef idx="minor"/>
+        </p:style>
         <p:txBody>
           <a:bodyPr lIns="90000" rIns="90000" tIns="45000" bIns="45000">
             <a:spAutoFit/>
@@ -11802,7 +13472,7 @@
               <a:t>my_total = 17</a:t>
             </a:r>
             <a:endParaRPr b="0" lang="en-US" sz="1800" spc="-1" strike="noStrike">
-              <a:latin typeface="DejaVu Sans Mono"/>
+              <a:latin typeface="DejaVu Sans"/>
             </a:endParaRPr>
           </a:p>
           <a:p>
@@ -11821,7 +13491,7 @@
               <a:t>... </a:t>
             </a:r>
             <a:endParaRPr b="0" lang="en-US" sz="1800" spc="-1" strike="noStrike">
-              <a:latin typeface="DejaVu Sans Mono"/>
+              <a:latin typeface="DejaVu Sans"/>
             </a:endParaRPr>
           </a:p>
           <a:p>
@@ -11840,10 +13510,15 @@
               <a:t>my_total = my_total + 3</a:t>
             </a:r>
             <a:endParaRPr b="0" lang="en-US" sz="1800" spc="-1" strike="noStrike">
-              <a:latin typeface="DejaVu Sans Mono"/>
-            </a:endParaRPr>
-          </a:p>
-          <a:p>
+              <a:latin typeface="DejaVu Sans"/>
+            </a:endParaRPr>
+          </a:p>
+          <a:p>
+            <a:pPr>
+              <a:lnSpc>
+                <a:spcPct val="100000"/>
+              </a:lnSpc>
+            </a:pPr>
             <a:r>
               <a:rPr b="0" lang="en-US" sz="1800" spc="-1" strike="noStrike">
                 <a:latin typeface="DejaVu Sans Mono"/>
@@ -11851,10 +13526,15 @@
               <a:t>print(my_total + 3); # prints 23</a:t>
             </a:r>
             <a:endParaRPr b="0" lang="en-US" sz="1800" spc="-1" strike="noStrike">
-              <a:latin typeface="DejaVu Sans Mono"/>
-            </a:endParaRPr>
-          </a:p>
-          <a:p>
+              <a:latin typeface="DejaVu Sans"/>
+            </a:endParaRPr>
+          </a:p>
+          <a:p>
+            <a:pPr>
+              <a:lnSpc>
+                <a:spcPct val="100000"/>
+              </a:lnSpc>
+            </a:pPr>
             <a:r>
               <a:rPr b="0" lang="en-US" sz="1800" spc="-1" strike="noStrike">
                 <a:latin typeface="DejaVu Sans Mono"/>
@@ -11862,7 +13542,7 @@
               <a:t>print(my_total);     # prints 20</a:t>
             </a:r>
             <a:endParaRPr b="0" lang="en-US" sz="1800" spc="-1" strike="noStrike">
-              <a:latin typeface="DejaVu Sans Mono"/>
+              <a:latin typeface="DejaVu Sans"/>
             </a:endParaRPr>
           </a:p>
         </p:txBody>
@@ -11899,14 +13579,14 @@
       </p:grpSpPr>
       <p:sp>
         <p:nvSpPr>
-          <p:cNvPr id="252" name="CustomShape 1"/>
+          <p:cNvPr id="290" name="CustomShape 1"/>
           <p:cNvSpPr/>
           <p:nvPr/>
         </p:nvSpPr>
         <p:spPr>
           <a:xfrm>
             <a:off x="822240" y="287280"/>
-            <a:ext cx="7864200" cy="1449000"/>
+            <a:ext cx="7863840" cy="1448640"/>
           </a:xfrm>
           <a:prstGeom prst="rect">
             <a:avLst/>
@@ -11938,6 +13618,7 @@
                   <a:srgbClr val="404040"/>
                 </a:solidFill>
                 <a:latin typeface="Calibri Light"/>
+                <a:ea typeface="DejaVu Sans"/>
               </a:rPr>
               <a:t>Some Python data types - numeric</a:t>
             </a:r>
@@ -11949,14 +13630,14 @@
       </p:sp>
       <p:sp>
         <p:nvSpPr>
-          <p:cNvPr id="253" name="CustomShape 2"/>
+          <p:cNvPr id="291" name="CustomShape 2"/>
           <p:cNvSpPr/>
           <p:nvPr/>
         </p:nvSpPr>
         <p:spPr>
           <a:xfrm>
             <a:off x="821880" y="1846440"/>
-            <a:ext cx="7543440" cy="4401720"/>
+            <a:ext cx="7543080" cy="4401360"/>
           </a:xfrm>
           <a:prstGeom prst="rect">
             <a:avLst/>
@@ -11977,7 +13658,7 @@
             <a:normAutofit/>
           </a:bodyPr>
           <a:p>
-            <a:pPr lvl="1" marL="382320" indent="-182160">
+            <a:pPr lvl="1" marL="382320" indent="-181800">
               <a:lnSpc>
                 <a:spcPct val="80000"/>
               </a:lnSpc>
@@ -11999,6 +13680,7 @@
                   <a:srgbClr val="404040"/>
                 </a:solidFill>
                 <a:latin typeface="Calibri"/>
+                <a:ea typeface="DejaVu Sans"/>
               </a:rPr>
               <a:t>int</a:t>
             </a:r>
@@ -12008,6 +13690,7 @@
                   <a:srgbClr val="404040"/>
                 </a:solidFill>
                 <a:latin typeface="Calibri"/>
+                <a:ea typeface="DejaVu Sans"/>
               </a:rPr>
               <a:t>: whole numbers </a:t>
             </a:r>
@@ -12016,7 +13699,7 @@
             </a:endParaRPr>
           </a:p>
           <a:p>
-            <a:pPr lvl="2" marL="566640" indent="-182160">
+            <a:pPr lvl="2" marL="566640" indent="-181800">
               <a:lnSpc>
                 <a:spcPct val="80000"/>
               </a:lnSpc>
@@ -12038,6 +13721,7 @@
                   <a:srgbClr val="404040"/>
                 </a:solidFill>
                 <a:latin typeface="Calibri"/>
+                <a:ea typeface="DejaVu Sans"/>
               </a:rPr>
               <a:t>Arbitrarily large whole numbers.</a:t>
             </a:r>
@@ -12046,7 +13730,7 @@
             </a:endParaRPr>
           </a:p>
           <a:p>
-            <a:pPr lvl="2" marL="566640" indent="-182160">
+            <a:pPr lvl="2" marL="566640" indent="-181800">
               <a:lnSpc>
                 <a:spcPct val="80000"/>
               </a:lnSpc>
@@ -12077,7 +13761,7 @@
             </a:endParaRPr>
           </a:p>
           <a:p>
-            <a:pPr lvl="1" marL="382320" indent="-182160">
+            <a:pPr lvl="1" marL="382320" indent="-181800">
               <a:lnSpc>
                 <a:spcPct val="80000"/>
               </a:lnSpc>
@@ -12108,7 +13792,7 @@
             </a:endParaRPr>
           </a:p>
           <a:p>
-            <a:pPr lvl="2" marL="566640" indent="-182160">
+            <a:pPr lvl="2" marL="566640" indent="-181800">
               <a:lnSpc>
                 <a:spcPct val="80000"/>
               </a:lnSpc>
@@ -12139,7 +13823,7 @@
             </a:endParaRPr>
           </a:p>
           <a:p>
-            <a:pPr lvl="2" marL="566640" indent="-182160">
+            <a:pPr lvl="2" marL="566640" indent="-181800">
               <a:lnSpc>
                 <a:spcPct val="80000"/>
               </a:lnSpc>
@@ -12180,7 +13864,7 @@
             </a:endParaRPr>
           </a:p>
           <a:p>
-            <a:pPr lvl="1" marL="382320" indent="-182160">
+            <a:pPr lvl="1" marL="382320" indent="-181800">
               <a:lnSpc>
                 <a:spcPct val="80000"/>
               </a:lnSpc>
@@ -12211,7 +13895,7 @@
             </a:endParaRPr>
           </a:p>
           <a:p>
-            <a:pPr lvl="2" marL="566640" indent="-182160">
+            <a:pPr lvl="2" marL="566640" indent="-181800">
               <a:lnSpc>
                 <a:spcPct val="80000"/>
               </a:lnSpc>
@@ -12242,7 +13926,7 @@
             </a:endParaRPr>
           </a:p>
           <a:p>
-            <a:pPr lvl="2" marL="566640" indent="-182160">
+            <a:pPr lvl="2" marL="566640" indent="-181800">
               <a:lnSpc>
                 <a:spcPct val="80000"/>
               </a:lnSpc>
@@ -12273,7 +13957,7 @@
             </a:endParaRPr>
           </a:p>
           <a:p>
-            <a:pPr lvl="1" marL="382320" indent="-182160">
+            <a:pPr lvl="1" marL="382320" indent="-181800">
               <a:lnSpc>
                 <a:spcPct val="80000"/>
               </a:lnSpc>
@@ -12304,7 +13988,7 @@
             </a:endParaRPr>
           </a:p>
           <a:p>
-            <a:pPr lvl="2" marL="566640" indent="-182160">
+            <a:pPr lvl="2" marL="566640" indent="-181800">
               <a:lnSpc>
                 <a:spcPct val="80000"/>
               </a:lnSpc>
@@ -12416,14 +14100,14 @@
       </p:grpSpPr>
       <p:sp>
         <p:nvSpPr>
-          <p:cNvPr id="254" name="CustomShape 1"/>
+          <p:cNvPr id="292" name="CustomShape 1"/>
           <p:cNvSpPr/>
           <p:nvPr/>
         </p:nvSpPr>
         <p:spPr>
           <a:xfrm>
             <a:off x="-360" y="-204840"/>
-            <a:ext cx="7543440" cy="1294920"/>
+            <a:ext cx="7543080" cy="1294560"/>
           </a:xfrm>
           <a:prstGeom prst="rect">
             <a:avLst/>
@@ -12455,6 +14139,7 @@
                   <a:srgbClr val="404040"/>
                 </a:solidFill>
                 <a:latin typeface="Calibri Light"/>
+                <a:ea typeface="DejaVu Sans"/>
               </a:rPr>
               <a:t>Operations on numeric types</a:t>
             </a:r>
@@ -12466,14 +14151,14 @@
       </p:sp>
       <p:sp>
         <p:nvSpPr>
-          <p:cNvPr id="255" name="CustomShape 2"/>
+          <p:cNvPr id="293" name="CustomShape 2"/>
           <p:cNvSpPr/>
           <p:nvPr/>
         </p:nvSpPr>
         <p:spPr>
           <a:xfrm>
             <a:off x="380520" y="1258920"/>
-            <a:ext cx="4038480" cy="4038120"/>
+            <a:ext cx="4038120" cy="4037760"/>
           </a:xfrm>
           <a:prstGeom prst="rect">
             <a:avLst/>
@@ -12497,7 +14182,7 @@
             <a:normAutofit/>
           </a:bodyPr>
           <a:p>
-            <a:pPr marL="90360" indent="-90000">
+            <a:pPr marL="90360" indent="-89640">
               <a:lnSpc>
                 <a:spcPct val="80000"/>
               </a:lnSpc>
@@ -12519,6 +14204,7 @@
                   <a:srgbClr val="404040"/>
                 </a:solidFill>
                 <a:latin typeface="Courier New"/>
+                <a:ea typeface="DejaVu Sans"/>
               </a:rPr>
               <a:t>x + y</a:t>
             </a:r>
@@ -12527,7 +14213,7 @@
             </a:endParaRPr>
           </a:p>
           <a:p>
-            <a:pPr marL="90360" indent="-90000">
+            <a:pPr marL="90360" indent="-89640">
               <a:lnSpc>
                 <a:spcPct val="80000"/>
               </a:lnSpc>
@@ -12549,6 +14235,7 @@
                   <a:srgbClr val="404040"/>
                 </a:solidFill>
                 <a:latin typeface="Courier New"/>
+                <a:ea typeface="DejaVu Sans"/>
               </a:rPr>
               <a:t>x – y</a:t>
             </a:r>
@@ -12557,7 +14244,7 @@
             </a:endParaRPr>
           </a:p>
           <a:p>
-            <a:pPr marL="90360" indent="-90000">
+            <a:pPr marL="90360" indent="-89640">
               <a:lnSpc>
                 <a:spcPct val="80000"/>
               </a:lnSpc>
@@ -12579,6 +14266,7 @@
                   <a:srgbClr val="404040"/>
                 </a:solidFill>
                 <a:latin typeface="Courier New"/>
+                <a:ea typeface="DejaVu Sans"/>
               </a:rPr>
               <a:t>x * y</a:t>
             </a:r>
@@ -12587,7 +14275,7 @@
             </a:endParaRPr>
           </a:p>
           <a:p>
-            <a:pPr marL="90360" indent="-90000">
+            <a:pPr marL="90360" indent="-89640">
               <a:lnSpc>
                 <a:spcPct val="80000"/>
               </a:lnSpc>
@@ -12609,6 +14297,7 @@
                   <a:srgbClr val="404040"/>
                 </a:solidFill>
                 <a:latin typeface="Courier New"/>
+                <a:ea typeface="DejaVu Sans"/>
               </a:rPr>
               <a:t>x / y</a:t>
             </a:r>
@@ -12617,7 +14306,7 @@
             </a:endParaRPr>
           </a:p>
           <a:p>
-            <a:pPr marL="90360" indent="-90000">
+            <a:pPr marL="90360" indent="-89640">
               <a:lnSpc>
                 <a:spcPct val="80000"/>
               </a:lnSpc>
@@ -12639,6 +14328,7 @@
                   <a:srgbClr val="404040"/>
                 </a:solidFill>
                 <a:latin typeface="Courier New"/>
+                <a:ea typeface="DejaVu Sans"/>
               </a:rPr>
               <a:t>x // y </a:t>
             </a:r>
@@ -12648,6 +14338,7 @@
                   <a:srgbClr val="404040"/>
                 </a:solidFill>
                 <a:latin typeface="Calibri"/>
+                <a:ea typeface="DejaVu Sans"/>
               </a:rPr>
               <a:t>integer division</a:t>
             </a:r>
@@ -12656,7 +14347,7 @@
             </a:endParaRPr>
           </a:p>
           <a:p>
-            <a:pPr marL="90360" indent="-90000">
+            <a:pPr marL="90360" indent="-89640">
               <a:lnSpc>
                 <a:spcPct val="80000"/>
               </a:lnSpc>
@@ -12678,6 +14369,7 @@
                   <a:srgbClr val="404040"/>
                 </a:solidFill>
                 <a:latin typeface="Courier New"/>
+                <a:ea typeface="DejaVu Sans"/>
               </a:rPr>
               <a:t>x % y  </a:t>
             </a:r>
@@ -12687,6 +14379,7 @@
                   <a:srgbClr val="404040"/>
                 </a:solidFill>
                 <a:latin typeface="Calibri"/>
+                <a:ea typeface="DejaVu Sans"/>
               </a:rPr>
               <a:t>remainder (modulo)</a:t>
             </a:r>
@@ -12695,7 +14388,7 @@
             </a:endParaRPr>
           </a:p>
           <a:p>
-            <a:pPr marL="90360" indent="-90000">
+            <a:pPr marL="90360" indent="-89640">
               <a:lnSpc>
                 <a:spcPct val="80000"/>
               </a:lnSpc>
@@ -12717,6 +14410,7 @@
                   <a:srgbClr val="404040"/>
                 </a:solidFill>
                 <a:latin typeface="Courier New"/>
+                <a:ea typeface="DejaVu Sans"/>
               </a:rPr>
               <a:t>x**y </a:t>
             </a:r>
@@ -12726,6 +14420,7 @@
                   <a:srgbClr val="404040"/>
                 </a:solidFill>
                 <a:latin typeface="Calibri"/>
+                <a:ea typeface="DejaVu Sans"/>
               </a:rPr>
               <a:t>      </a:t>
             </a:r>
@@ -12734,7 +14429,7 @@
             </a:endParaRPr>
           </a:p>
           <a:p>
-            <a:pPr marL="90360" indent="-90000">
+            <a:pPr marL="90360" indent="-89640">
               <a:lnSpc>
                 <a:spcPct val="80000"/>
               </a:lnSpc>
@@ -12756,6 +14451,7 @@
                   <a:srgbClr val="404040"/>
                 </a:solidFill>
                 <a:latin typeface="Courier New"/>
+                <a:ea typeface="DejaVu Sans"/>
               </a:rPr>
               <a:t>-x</a:t>
             </a:r>
@@ -12764,7 +14460,7 @@
             </a:endParaRPr>
           </a:p>
           <a:p>
-            <a:pPr marL="90360" indent="-90000">
+            <a:pPr marL="90360" indent="-89640">
               <a:lnSpc>
                 <a:spcPct val="80000"/>
               </a:lnSpc>
@@ -12786,6 +14482,7 @@
                   <a:srgbClr val="404040"/>
                 </a:solidFill>
                 <a:latin typeface="Courier New"/>
+                <a:ea typeface="DejaVu Sans"/>
               </a:rPr>
               <a:t>abs(x)</a:t>
             </a:r>
@@ -12845,14 +14542,14 @@
       </p:sp>
       <p:sp>
         <p:nvSpPr>
-          <p:cNvPr id="256" name="CustomShape 3"/>
+          <p:cNvPr id="294" name="CustomShape 3"/>
           <p:cNvSpPr/>
           <p:nvPr/>
         </p:nvSpPr>
         <p:spPr>
           <a:xfrm>
             <a:off x="4952520" y="1303200"/>
-            <a:ext cx="4038480" cy="4011480"/>
+            <a:ext cx="4038120" cy="4011120"/>
           </a:xfrm>
           <a:prstGeom prst="rect">
             <a:avLst/>
@@ -12876,7 +14573,7 @@
             <a:normAutofit/>
           </a:bodyPr>
           <a:p>
-            <a:pPr marL="90360" indent="-90000">
+            <a:pPr marL="90360" indent="-89640">
               <a:lnSpc>
                 <a:spcPct val="90000"/>
               </a:lnSpc>
@@ -12898,6 +14595,7 @@
                   <a:srgbClr val="404040"/>
                 </a:solidFill>
                 <a:latin typeface="Courier New"/>
+                <a:ea typeface="DejaVu Sans"/>
               </a:rPr>
               <a:t>x == y  </a:t>
             </a:r>
@@ -12907,6 +14605,7 @@
                   <a:srgbClr val="404040"/>
                 </a:solidFill>
                 <a:latin typeface="Calibri"/>
+                <a:ea typeface="DejaVu Sans"/>
               </a:rPr>
               <a:t>True if x equals y, </a:t>
             </a:r>
@@ -12917,6 +14616,7 @@
                   <a:srgbClr val="404040"/>
                 </a:solidFill>
                 <a:latin typeface="Calibri"/>
+                <a:ea typeface="DejaVu Sans"/>
               </a:rPr>
               <a:t>                           False otherwise.</a:t>
             </a:r>
@@ -12925,7 +14625,7 @@
             </a:endParaRPr>
           </a:p>
           <a:p>
-            <a:pPr marL="90360" indent="-90000">
+            <a:pPr marL="90360" indent="-89640">
               <a:lnSpc>
                 <a:spcPct val="90000"/>
               </a:lnSpc>
@@ -12947,6 +14647,7 @@
                   <a:srgbClr val="404040"/>
                 </a:solidFill>
                 <a:latin typeface="Courier New"/>
+                <a:ea typeface="DejaVu Sans"/>
               </a:rPr>
               <a:t>x != y  </a:t>
             </a:r>
@@ -12956,6 +14657,7 @@
                   <a:srgbClr val="404040"/>
                 </a:solidFill>
                 <a:latin typeface="Calibri"/>
+                <a:ea typeface="DejaVu Sans"/>
               </a:rPr>
               <a:t>are x and y unequal?</a:t>
             </a:r>
@@ -12964,7 +14666,7 @@
             </a:endParaRPr>
           </a:p>
           <a:p>
-            <a:pPr marL="90360" indent="-90000">
+            <a:pPr marL="90360" indent="-89640">
               <a:lnSpc>
                 <a:spcPct val="90000"/>
               </a:lnSpc>
@@ -12986,6 +14688,7 @@
                   <a:srgbClr val="404040"/>
                 </a:solidFill>
                 <a:latin typeface="Courier New"/>
+                <a:ea typeface="DejaVu Sans"/>
               </a:rPr>
               <a:t>x &lt; y</a:t>
             </a:r>
@@ -12994,7 +14697,7 @@
             </a:endParaRPr>
           </a:p>
           <a:p>
-            <a:pPr marL="90360" indent="-90000">
+            <a:pPr marL="90360" indent="-89640">
               <a:lnSpc>
                 <a:spcPct val="90000"/>
               </a:lnSpc>
@@ -13016,6 +14719,7 @@
                   <a:srgbClr val="404040"/>
                 </a:solidFill>
                 <a:latin typeface="Courier New"/>
+                <a:ea typeface="DejaVu Sans"/>
               </a:rPr>
               <a:t>x &lt;= y</a:t>
             </a:r>
@@ -13024,7 +14728,7 @@
             </a:endParaRPr>
           </a:p>
           <a:p>
-            <a:pPr marL="90360" indent="-90000">
+            <a:pPr marL="90360" indent="-89640">
               <a:lnSpc>
                 <a:spcPct val="90000"/>
               </a:lnSpc>
@@ -13046,6 +14750,7 @@
                   <a:srgbClr val="404040"/>
                 </a:solidFill>
                 <a:latin typeface="Courier New"/>
+                <a:ea typeface="DejaVu Sans"/>
               </a:rPr>
               <a:t>x &gt; y</a:t>
             </a:r>
@@ -13054,7 +14759,7 @@
             </a:endParaRPr>
           </a:p>
           <a:p>
-            <a:pPr marL="90360" indent="-90000">
+            <a:pPr marL="90360" indent="-89640">
               <a:lnSpc>
                 <a:spcPct val="90000"/>
               </a:lnSpc>
@@ -13076,6 +14781,7 @@
                   <a:srgbClr val="404040"/>
                 </a:solidFill>
                 <a:latin typeface="Courier New"/>
+                <a:ea typeface="DejaVu Sans"/>
               </a:rPr>
               <a:t>x &gt;= y</a:t>
             </a:r>
@@ -13087,14 +14793,14 @@
       </p:sp>
       <p:sp>
         <p:nvSpPr>
-          <p:cNvPr id="257" name="CustomShape 4"/>
+          <p:cNvPr id="295" name="CustomShape 4"/>
           <p:cNvSpPr/>
           <p:nvPr/>
         </p:nvSpPr>
         <p:spPr>
           <a:xfrm>
             <a:off x="531720" y="5465880"/>
-            <a:ext cx="7848360" cy="703440"/>
+            <a:ext cx="7848000" cy="703080"/>
           </a:xfrm>
           <a:custGeom>
             <a:avLst/>
@@ -13326,7 +15032,7 @@
                                           </p:stCondLst>
                                         </p:cTn>
                                         <p:tgtEl>
-                                          <p:spTgt spid="256"/>
+                                          <p:spTgt spid="294"/>
                                         </p:tgtEl>
                                         <p:attrNameLst>
                                           <p:attrName>style.visibility</p:attrName>
@@ -13371,7 +15077,7 @@
                                           </p:stCondLst>
                                         </p:cTn>
                                         <p:tgtEl>
-                                          <p:spTgt spid="256">
+                                          <p:spTgt spid="294">
                                             <p:txEl>
                                               <p:pRg st="0" end="0"/>
                                             </p:txEl>
@@ -13420,7 +15126,7 @@
                                           </p:stCondLst>
                                         </p:cTn>
                                         <p:tgtEl>
-                                          <p:spTgt spid="256">
+                                          <p:spTgt spid="294">
                                             <p:txEl>
                                               <p:pRg st="1" end="1"/>
                                             </p:txEl>
@@ -13469,7 +15175,7 @@
                                           </p:stCondLst>
                                         </p:cTn>
                                         <p:tgtEl>
-                                          <p:spTgt spid="256">
+                                          <p:spTgt spid="294">
                                             <p:txEl>
                                               <p:pRg st="2" end="2"/>
                                             </p:txEl>
@@ -13518,7 +15224,7 @@
                                           </p:stCondLst>
                                         </p:cTn>
                                         <p:tgtEl>
-                                          <p:spTgt spid="256">
+                                          <p:spTgt spid="294">
                                             <p:txEl>
                                               <p:pRg st="3" end="3"/>
                                             </p:txEl>
@@ -13567,7 +15273,7 @@
                                           </p:stCondLst>
                                         </p:cTn>
                                         <p:tgtEl>
-                                          <p:spTgt spid="256">
+                                          <p:spTgt spid="294">
                                             <p:txEl>
                                               <p:pRg st="4" end="4"/>
                                             </p:txEl>
@@ -13616,7 +15322,7 @@
                                           </p:stCondLst>
                                         </p:cTn>
                                         <p:tgtEl>
-                                          <p:spTgt spid="256">
+                                          <p:spTgt spid="294">
                                             <p:txEl>
                                               <p:pRg st="5" end="5"/>
                                             </p:txEl>
@@ -13665,7 +15371,7 @@
                                           </p:stCondLst>
                                         </p:cTn>
                                         <p:tgtEl>
-                                          <p:spTgt spid="257"/>
+                                          <p:spTgt spid="295"/>
                                         </p:tgtEl>
                                         <p:attrNameLst>
                                           <p:attrName>style.visibility</p:attrName>
@@ -13728,14 +15434,14 @@
       </p:grpSpPr>
       <p:sp>
         <p:nvSpPr>
-          <p:cNvPr id="258" name="CustomShape 1"/>
+          <p:cNvPr id="296" name="CustomShape 1"/>
           <p:cNvSpPr/>
           <p:nvPr/>
         </p:nvSpPr>
         <p:spPr>
           <a:xfrm>
             <a:off x="821880" y="287280"/>
-            <a:ext cx="7543440" cy="1449000"/>
+            <a:ext cx="7543080" cy="1448640"/>
           </a:xfrm>
           <a:prstGeom prst="rect">
             <a:avLst/>
@@ -13767,6 +15473,7 @@
                   <a:srgbClr val="404040"/>
                 </a:solidFill>
                 <a:latin typeface="Calibri Light"/>
+                <a:ea typeface="DejaVu Sans"/>
               </a:rPr>
               <a:t>More Python data types</a:t>
             </a:r>
@@ -13776,6 +15483,7 @@
                   <a:srgbClr val="404040"/>
                 </a:solidFill>
                 <a:latin typeface="Calibri Light"/>
+                <a:ea typeface="DejaVu Sans"/>
               </a:rPr>
               <a:t>	</a:t>
             </a:r>
@@ -13785,6 +15493,7 @@
                   <a:srgbClr val="404040"/>
                 </a:solidFill>
                 <a:latin typeface="Calibri Light"/>
+                <a:ea typeface="DejaVu Sans"/>
               </a:rPr>
               <a:t>1/2</a:t>
             </a:r>
@@ -13796,14 +15505,14 @@
       </p:sp>
       <p:sp>
         <p:nvSpPr>
-          <p:cNvPr id="259" name="CustomShape 2"/>
+          <p:cNvPr id="297" name="CustomShape 2"/>
           <p:cNvSpPr/>
           <p:nvPr/>
         </p:nvSpPr>
         <p:spPr>
           <a:xfrm>
             <a:off x="822240" y="1846440"/>
-            <a:ext cx="7940520" cy="4022280"/>
+            <a:ext cx="7940160" cy="4021920"/>
           </a:xfrm>
           <a:prstGeom prst="rect">
             <a:avLst/>
@@ -13824,7 +15533,7 @@
             <a:normAutofit/>
           </a:bodyPr>
           <a:p>
-            <a:pPr marL="90360" indent="-90000">
+            <a:pPr marL="90360" indent="-89640">
               <a:lnSpc>
                 <a:spcPct val="100000"/>
               </a:lnSpc>
@@ -13846,6 +15555,7 @@
                   <a:srgbClr val="404040"/>
                 </a:solidFill>
                 <a:latin typeface="Calibri"/>
+                <a:ea typeface="DejaVu Sans"/>
               </a:rPr>
               <a:t>Boolean</a:t>
             </a:r>
@@ -13854,7 +15564,7 @@
             </a:endParaRPr>
           </a:p>
           <a:p>
-            <a:pPr lvl="1" marL="382320" indent="-182160">
+            <a:pPr lvl="1" marL="382320" indent="-181800">
               <a:lnSpc>
                 <a:spcPct val="100000"/>
               </a:lnSpc>
@@ -13876,6 +15586,7 @@
                   <a:srgbClr val="404040"/>
                 </a:solidFill>
                 <a:latin typeface="Calibri"/>
+                <a:ea typeface="DejaVu Sans"/>
               </a:rPr>
               <a:t>values:  True  False</a:t>
             </a:r>
@@ -13884,7 +15595,7 @@
             </a:endParaRPr>
           </a:p>
           <a:p>
-            <a:pPr lvl="1" marL="382320" indent="-182160">
+            <a:pPr lvl="1" marL="382320" indent="-181800">
               <a:lnSpc>
                 <a:spcPct val="100000"/>
               </a:lnSpc>
@@ -13906,6 +15617,7 @@
                   <a:srgbClr val="404040"/>
                 </a:solidFill>
                 <a:latin typeface="Calibri"/>
+                <a:ea typeface="DejaVu Sans"/>
               </a:rPr>
               <a:t>  </a:t>
             </a:r>
@@ -13915,6 +15627,7 @@
                   <a:srgbClr val="404040"/>
                 </a:solidFill>
                 <a:latin typeface="Calibri"/>
+                <a:ea typeface="DejaVu Sans"/>
               </a:rPr>
               <a:t>&gt;&gt;&gt; </a:t>
             </a:r>
@@ -13944,7 +15657,7 @@
             </a:endParaRPr>
           </a:p>
           <a:p>
-            <a:pPr marL="90360" indent="-90000">
+            <a:pPr marL="90360" indent="-89640">
               <a:lnSpc>
                 <a:spcPct val="100000"/>
               </a:lnSpc>
@@ -13975,7 +15688,7 @@
             </a:endParaRPr>
           </a:p>
           <a:p>
-            <a:pPr lvl="1" marL="382320" indent="-182160">
+            <a:pPr lvl="1" marL="382320" indent="-181800">
               <a:lnSpc>
                 <a:spcPct val="100000"/>
               </a:lnSpc>
@@ -14016,7 +15729,7 @@
             </a:endParaRPr>
           </a:p>
           <a:p>
-            <a:pPr lvl="1" marL="382320" indent="-182160">
+            <a:pPr lvl="1" marL="382320" indent="-181800">
               <a:lnSpc>
                 <a:spcPct val="90000"/>
               </a:lnSpc>
@@ -14116,14 +15829,14 @@
       </p:grpSpPr>
       <p:sp>
         <p:nvSpPr>
-          <p:cNvPr id="260" name="CustomShape 1"/>
+          <p:cNvPr id="298" name="CustomShape 1"/>
           <p:cNvSpPr/>
           <p:nvPr/>
         </p:nvSpPr>
         <p:spPr>
           <a:xfrm>
             <a:off x="821880" y="287280"/>
-            <a:ext cx="7543440" cy="1449000"/>
+            <a:ext cx="7543080" cy="1448640"/>
           </a:xfrm>
           <a:prstGeom prst="rect">
             <a:avLst/>
@@ -14155,6 +15868,7 @@
                   <a:srgbClr val="404040"/>
                 </a:solidFill>
                 <a:latin typeface="Calibri Light"/>
+                <a:ea typeface="DejaVu Sans"/>
               </a:rPr>
               <a:t>More Python data types </a:t>
             </a:r>
@@ -14164,6 +15878,7 @@
                   <a:srgbClr val="404040"/>
                 </a:solidFill>
                 <a:latin typeface="Calibri Light"/>
+                <a:ea typeface="DejaVu Sans"/>
               </a:rPr>
               <a:t>	</a:t>
             </a:r>
@@ -14173,6 +15888,7 @@
                   <a:srgbClr val="404040"/>
                 </a:solidFill>
                 <a:latin typeface="Calibri Light"/>
+                <a:ea typeface="DejaVu Sans"/>
               </a:rPr>
               <a:t>2/2</a:t>
             </a:r>
@@ -14184,14 +15900,14 @@
       </p:sp>
       <p:sp>
         <p:nvSpPr>
-          <p:cNvPr id="261" name="CustomShape 2"/>
+          <p:cNvPr id="299" name="CustomShape 2"/>
           <p:cNvSpPr/>
           <p:nvPr/>
         </p:nvSpPr>
         <p:spPr>
           <a:xfrm>
             <a:off x="821880" y="1846440"/>
-            <a:ext cx="7543440" cy="4022280"/>
+            <a:ext cx="7543080" cy="4021920"/>
           </a:xfrm>
           <a:prstGeom prst="rect">
             <a:avLst/>
@@ -14212,7 +15928,7 @@
             <a:normAutofit/>
           </a:bodyPr>
           <a:p>
-            <a:pPr marL="90360" indent="-90000">
+            <a:pPr marL="90360" indent="-89640">
               <a:lnSpc>
                 <a:spcPct val="100000"/>
               </a:lnSpc>
@@ -14234,6 +15950,7 @@
                   <a:srgbClr val="404040"/>
                 </a:solidFill>
                 <a:latin typeface="Calibri"/>
+                <a:ea typeface="DejaVu Sans"/>
               </a:rPr>
               <a:t>String concatenation:</a:t>
             </a:r>
@@ -14244,6 +15961,7 @@
                   <a:srgbClr val="404040"/>
                 </a:solidFill>
                 <a:latin typeface="Calibri"/>
+                <a:ea typeface="DejaVu Sans"/>
               </a:rPr>
               <a:t>&gt;&gt;&gt; s = "abc" </a:t>
             </a:r>
@@ -14254,6 +15972,7 @@
                   <a:srgbClr val="404040"/>
                 </a:solidFill>
                 <a:latin typeface="Calibri"/>
+                <a:ea typeface="DejaVu Sans"/>
               </a:rPr>
               <a:t>&gt;&gt;&gt; s + "def" </a:t>
             </a:r>
@@ -14264,6 +15983,7 @@
                   <a:srgbClr val="404040"/>
                 </a:solidFill>
                 <a:latin typeface="Calibri"/>
+                <a:ea typeface="DejaVu Sans"/>
               </a:rPr>
               <a:t>'abcdef'</a:t>
             </a:r>
@@ -14274,6 +15994,7 @@
                   <a:srgbClr val="404040"/>
                 </a:solidFill>
                 <a:latin typeface="Calibri"/>
+                <a:ea typeface="DejaVu Sans"/>
               </a:rPr>
               <a:t>&gt;&gt;&gt; 'abc' 'def'</a:t>
             </a:r>
@@ -14284,6 +16005,7 @@
                   <a:srgbClr val="404040"/>
                 </a:solidFill>
                 <a:latin typeface="Calibri"/>
+                <a:ea typeface="DejaVu Sans"/>
               </a:rPr>
               <a:t>'abcdef'</a:t>
             </a:r>
@@ -14294,6 +16016,7 @@
                   <a:srgbClr val="404040"/>
                 </a:solidFill>
                 <a:latin typeface="Calibri"/>
+                <a:ea typeface="DejaVu Sans"/>
               </a:rPr>
               <a:t>&gt;&gt;&gt; s 'def'</a:t>
             </a:r>
@@ -14304,6 +16027,7 @@
                   <a:srgbClr val="404040"/>
                 </a:solidFill>
                 <a:latin typeface="Calibri"/>
+                <a:ea typeface="DejaVu Sans"/>
               </a:rPr>
               <a:t>SyntaxError: invalid syntax</a:t>
             </a:r>
@@ -14361,14 +16085,14 @@
       </p:grpSpPr>
       <p:sp>
         <p:nvSpPr>
-          <p:cNvPr id="262" name="CustomShape 1"/>
+          <p:cNvPr id="300" name="CustomShape 1"/>
           <p:cNvSpPr/>
           <p:nvPr/>
         </p:nvSpPr>
         <p:spPr>
           <a:xfrm>
-            <a:off x="457200" y="-137520"/>
-            <a:ext cx="8228880" cy="1555560"/>
+            <a:off x="457200" y="-137880"/>
+            <a:ext cx="8228520" cy="1555560"/>
           </a:xfrm>
           <a:prstGeom prst="rect">
             <a:avLst/>
@@ -14400,6 +16124,7 @@
                   <a:srgbClr val="404040"/>
                 </a:solidFill>
                 <a:latin typeface="Calibri Light"/>
+                <a:ea typeface="DejaVu Sans"/>
               </a:rPr>
               <a:t>Live Coding: Moving Smile</a:t>
             </a:r>
@@ -14411,14 +16136,14 @@
       </p:sp>
       <p:sp>
         <p:nvSpPr>
-          <p:cNvPr id="263" name="CustomShape 2"/>
+          <p:cNvPr id="301" name="CustomShape 2"/>
           <p:cNvSpPr/>
           <p:nvPr/>
         </p:nvSpPr>
         <p:spPr>
           <a:xfrm>
             <a:off x="457200" y="1604520"/>
-            <a:ext cx="8228880" cy="3976920"/>
+            <a:ext cx="8228520" cy="3976560"/>
           </a:xfrm>
           <a:prstGeom prst="rect">
             <a:avLst/>
@@ -14439,7 +16164,7 @@
             <a:normAutofit/>
           </a:bodyPr>
           <a:p>
-            <a:pPr marL="90360" indent="-90000">
+            <a:pPr marL="90360" indent="-89640">
               <a:lnSpc>
                 <a:spcPct val="100000"/>
               </a:lnSpc>
@@ -14461,6 +16186,7 @@
                   <a:srgbClr val="404040"/>
                 </a:solidFill>
                 <a:latin typeface="Calibri"/>
+                <a:ea typeface="DejaVu Sans"/>
               </a:rPr>
               <a:t>I’m going to ask you to code along with me, and I’ll explain things as I go</a:t>
             </a:r>
@@ -14469,7 +16195,7 @@
             </a:endParaRPr>
           </a:p>
           <a:p>
-            <a:pPr marL="90360" indent="-90000">
+            <a:pPr marL="90360" indent="-89640">
               <a:lnSpc>
                 <a:spcPct val="100000"/>
               </a:lnSpc>
@@ -14491,6 +16217,7 @@
                   <a:srgbClr val="404040"/>
                 </a:solidFill>
                 <a:latin typeface="Calibri"/>
+                <a:ea typeface="DejaVu Sans"/>
               </a:rPr>
               <a:t>If you get stuck – immediately raise your hand and an assistant will be happy to help you</a:t>
             </a:r>
@@ -14499,7 +16226,7 @@
             </a:endParaRPr>
           </a:p>
           <a:p>
-            <a:pPr marL="90360" indent="-90000">
+            <a:pPr marL="90360" indent="-89640">
               <a:lnSpc>
                 <a:spcPct val="100000"/>
               </a:lnSpc>
@@ -14521,6 +16248,7 @@
                   <a:srgbClr val="404040"/>
                 </a:solidFill>
                 <a:latin typeface="Calibri"/>
+                <a:ea typeface="DejaVu Sans"/>
               </a:rPr>
               <a:t>We’re going to see tons of features I’m going to explain on subsequent days, so try to the recall the gist of what the various parts do – and don’t get hung up on the details</a:t>
             </a:r>
@@ -14529,7 +16257,7 @@
             </a:endParaRPr>
           </a:p>
           <a:p>
-            <a:pPr marL="90360" indent="-90000">
+            <a:pPr marL="90360" indent="-89640">
               <a:lnSpc>
                 <a:spcPct val="100000"/>
               </a:lnSpc>
@@ -14551,6 +16279,7 @@
                   <a:srgbClr val="404040"/>
                 </a:solidFill>
                 <a:latin typeface="Calibri"/>
+                <a:ea typeface="DejaVu Sans"/>
               </a:rPr>
               <a:t> </a:t>
             </a:r>
@@ -14592,14 +16321,14 @@
       </p:grpSpPr>
       <p:sp>
         <p:nvSpPr>
-          <p:cNvPr id="209" name="CustomShape 1"/>
+          <p:cNvPr id="247" name="CustomShape 1"/>
           <p:cNvSpPr/>
           <p:nvPr/>
         </p:nvSpPr>
         <p:spPr>
           <a:xfrm>
             <a:off x="822960" y="286560"/>
-            <a:ext cx="7543080" cy="1450080"/>
+            <a:ext cx="7542720" cy="1449720"/>
           </a:xfrm>
           <a:prstGeom prst="rect">
             <a:avLst/>
@@ -14631,6 +16360,7 @@
                   <a:srgbClr val="404040"/>
                 </a:solidFill>
                 <a:latin typeface="Calibri Light"/>
+                <a:ea typeface="DejaVu Sans"/>
               </a:rPr>
               <a:t>Turn on machines now</a:t>
             </a:r>
@@ -14642,14 +16372,14 @@
       </p:sp>
       <p:sp>
         <p:nvSpPr>
-          <p:cNvPr id="210" name="CustomShape 2"/>
+          <p:cNvPr id="248" name="CustomShape 2"/>
           <p:cNvSpPr/>
           <p:nvPr/>
         </p:nvSpPr>
         <p:spPr>
           <a:xfrm>
             <a:off x="822960" y="1845720"/>
-            <a:ext cx="7543080" cy="4022640"/>
+            <a:ext cx="7542720" cy="4022280"/>
           </a:xfrm>
           <a:prstGeom prst="rect">
             <a:avLst/>
@@ -14670,7 +16400,7 @@
             <a:noAutofit/>
           </a:bodyPr>
           <a:p>
-            <a:pPr marL="91440" indent="-90720">
+            <a:pPr marL="91440" indent="-90360">
               <a:lnSpc>
                 <a:spcPct val="90000"/>
               </a:lnSpc>
@@ -14692,6 +16422,7 @@
                   <a:srgbClr val="404040"/>
                 </a:solidFill>
                 <a:latin typeface="Calibri"/>
+                <a:ea typeface="DejaVu Sans"/>
               </a:rPr>
               <a:t>The machines we provide are not to leave the room</a:t>
             </a:r>
@@ -14716,7 +16447,7 @@
             </a:endParaRPr>
           </a:p>
           <a:p>
-            <a:pPr marL="91440" indent="-90720">
+            <a:pPr marL="91440" indent="-90360">
               <a:lnSpc>
                 <a:spcPct val="90000"/>
               </a:lnSpc>
@@ -14738,6 +16469,7 @@
                   <a:srgbClr val="404040"/>
                 </a:solidFill>
                 <a:latin typeface="Calibri"/>
+                <a:ea typeface="DejaVu Sans"/>
               </a:rPr>
               <a:t>Use only for projects and in-class assignments</a:t>
             </a:r>
@@ -14762,7 +16494,7 @@
             </a:endParaRPr>
           </a:p>
           <a:p>
-            <a:pPr marL="91440" indent="-90720">
+            <a:pPr marL="91440" indent="-90360">
               <a:lnSpc>
                 <a:spcPct val="90000"/>
               </a:lnSpc>
@@ -14784,6 +16516,7 @@
                   <a:srgbClr val="404040"/>
                 </a:solidFill>
                 <a:latin typeface="Calibri"/>
+                <a:ea typeface="DejaVu Sans"/>
               </a:rPr>
               <a:t>Who has a laptop they want to use?</a:t>
             </a:r>
@@ -14792,7 +16525,7 @@
             </a:endParaRPr>
           </a:p>
           <a:p>
-            <a:pPr lvl="1" marL="384120" indent="-182160">
+            <a:pPr lvl="1" marL="384120" indent="-181800">
               <a:lnSpc>
                 <a:spcPct val="90000"/>
               </a:lnSpc>
@@ -14814,6 +16547,7 @@
                   <a:srgbClr val="404040"/>
                 </a:solidFill>
                 <a:latin typeface="Calibri"/>
+                <a:ea typeface="DejaVu Sans"/>
               </a:rPr>
               <a:t>We’ll help you install the software that you’ll need throughout our time together</a:t>
             </a:r>
@@ -14825,14 +16559,14 @@
       </p:sp>
       <p:sp>
         <p:nvSpPr>
-          <p:cNvPr id="211" name="CustomShape 3"/>
+          <p:cNvPr id="249" name="CustomShape 3"/>
           <p:cNvSpPr/>
           <p:nvPr/>
         </p:nvSpPr>
         <p:spPr>
           <a:xfrm>
             <a:off x="7425360" y="6459840"/>
-            <a:ext cx="983160" cy="364320"/>
+            <a:ext cx="982800" cy="363960"/>
           </a:xfrm>
           <a:prstGeom prst="rect">
             <a:avLst/>
@@ -14858,7 +16592,7 @@
                 <a:spcPct val="100000"/>
               </a:lnSpc>
             </a:pPr>
-            <a:fld id="{B278C082-BB54-43AC-9C04-B57C9841C3C7}" type="slidenum">
+            <a:fld id="{AA98C1C8-53C6-46EF-8F72-A8914193D0AE}" type="slidenum">
               <a:rPr b="0" lang="en-US" sz="1050" spc="-1" strike="noStrike">
                 <a:solidFill>
                   <a:srgbClr val="ffffff"/>
@@ -14906,14 +16640,14 @@
       </p:grpSpPr>
       <p:sp>
         <p:nvSpPr>
-          <p:cNvPr id="264" name="CustomShape 1"/>
+          <p:cNvPr id="302" name="CustomShape 1"/>
           <p:cNvSpPr/>
           <p:nvPr/>
         </p:nvSpPr>
         <p:spPr>
           <a:xfrm>
             <a:off x="821880" y="287280"/>
-            <a:ext cx="7543440" cy="1449000"/>
+            <a:ext cx="7543080" cy="1448640"/>
           </a:xfrm>
           <a:prstGeom prst="rect">
             <a:avLst/>
@@ -14945,6 +16679,7 @@
                   <a:srgbClr val="404040"/>
                 </a:solidFill>
                 <a:latin typeface="Calibri Light"/>
+                <a:ea typeface="DejaVu Sans"/>
               </a:rPr>
               <a:t>"I have no idea what you are talking about!"</a:t>
             </a:r>
@@ -14956,14 +16691,14 @@
       </p:sp>
       <p:sp>
         <p:nvSpPr>
-          <p:cNvPr id="265" name="CustomShape 2"/>
+          <p:cNvPr id="303" name="CustomShape 2"/>
           <p:cNvSpPr/>
           <p:nvPr/>
         </p:nvSpPr>
         <p:spPr>
           <a:xfrm>
             <a:off x="821880" y="1846440"/>
-            <a:ext cx="7543440" cy="4022280"/>
+            <a:ext cx="7543080" cy="4021920"/>
           </a:xfrm>
           <a:prstGeom prst="rect">
             <a:avLst/>
@@ -14984,7 +16719,7 @@
             <a:normAutofit fontScale="75000"/>
           </a:bodyPr>
           <a:p>
-            <a:pPr marL="90360" indent="-90000">
+            <a:pPr marL="90360" indent="-89640">
               <a:lnSpc>
                 <a:spcPct val="100000"/>
               </a:lnSpc>
@@ -15006,6 +16741,7 @@
                   <a:srgbClr val="bd582c"/>
                 </a:solidFill>
                 <a:latin typeface="Calibri"/>
+                <a:ea typeface="DejaVu Sans"/>
               </a:rPr>
               <a:t>I am serious about this.  Say it, don't just think it!</a:t>
             </a:r>
@@ -15030,7 +16766,7 @@
             </a:endParaRPr>
           </a:p>
           <a:p>
-            <a:pPr marL="90360" indent="-90000">
+            <a:pPr marL="90360" indent="-89640">
               <a:lnSpc>
                 <a:spcPct val="100000"/>
               </a:lnSpc>
@@ -15052,6 +16788,7 @@
                   <a:srgbClr val="404040"/>
                 </a:solidFill>
                 <a:latin typeface="Calibri"/>
+                <a:ea typeface="DejaVu Sans"/>
               </a:rPr>
               <a:t>If I go too fast, or for any other reason you are not getting something, </a:t>
             </a:r>
@@ -15061,6 +16798,7 @@
                   <a:srgbClr val="bd582c"/>
                 </a:solidFill>
                 <a:latin typeface="Calibri"/>
+                <a:ea typeface="DejaVu Sans"/>
               </a:rPr>
               <a:t>don’t let me go on</a:t>
             </a:r>
@@ -15070,6 +16808,7 @@
                   <a:srgbClr val="404040"/>
                 </a:solidFill>
                 <a:latin typeface="Calibri"/>
+                <a:ea typeface="DejaVu Sans"/>
               </a:rPr>
               <a:t>.</a:t>
             </a:r>
@@ -15078,7 +16817,7 @@
             </a:endParaRPr>
           </a:p>
           <a:p>
-            <a:pPr marL="90360" indent="-90000">
+            <a:pPr marL="90360" indent="-89640">
               <a:lnSpc>
                 <a:spcPct val="100000"/>
               </a:lnSpc>
@@ -15100,6 +16839,7 @@
                   <a:srgbClr val="404040"/>
                 </a:solidFill>
                 <a:latin typeface="Calibri"/>
+                <a:ea typeface="DejaVu Sans"/>
               </a:rPr>
               <a:t>Stop me, ask a question! </a:t>
             </a:r>
@@ -15109,6 +16849,7 @@
                   <a:srgbClr val="bd582c"/>
                 </a:solidFill>
                 <a:latin typeface="Calibri"/>
+                <a:ea typeface="DejaVu Sans"/>
               </a:rPr>
               <a:t>I don't want anyone to get lost.</a:t>
             </a:r>
@@ -15117,7 +16858,7 @@
             </a:endParaRPr>
           </a:p>
           <a:p>
-            <a:pPr marL="90360" indent="-90000">
+            <a:pPr marL="90360" indent="-89640">
               <a:lnSpc>
                 <a:spcPct val="100000"/>
               </a:lnSpc>
@@ -15139,6 +16880,7 @@
                   <a:srgbClr val="404040"/>
                 </a:solidFill>
                 <a:latin typeface="Calibri"/>
+                <a:ea typeface="DejaVu Sans"/>
               </a:rPr>
               <a:t>During "all together" demo times, if you are stuck, raise your hand and look at us; one of us will come to help you.</a:t>
             </a:r>
@@ -15147,7 +16889,7 @@
             </a:endParaRPr>
           </a:p>
           <a:p>
-            <a:pPr marL="90360" indent="-90000">
+            <a:pPr marL="90360" indent="-89640">
               <a:lnSpc>
                 <a:spcPct val="100000"/>
               </a:lnSpc>
@@ -15169,6 +16911,7 @@
                   <a:srgbClr val="404040"/>
                 </a:solidFill>
                 <a:latin typeface="Calibri"/>
+                <a:ea typeface="DejaVu Sans"/>
               </a:rPr>
               <a:t>Or perhaps someone near you can help.</a:t>
             </a:r>
@@ -15210,14 +16953,14 @@
       </p:grpSpPr>
       <p:sp>
         <p:nvSpPr>
-          <p:cNvPr id="266" name="TextShape 1"/>
-          <p:cNvSpPr txBox="1"/>
+          <p:cNvPr id="304" name="CustomShape 1"/>
+          <p:cNvSpPr/>
           <p:nvPr/>
         </p:nvSpPr>
         <p:spPr>
           <a:xfrm>
-            <a:off x="457200" y="273600"/>
-            <a:ext cx="8229240" cy="1144800"/>
+            <a:off x="457200" y="510120"/>
+            <a:ext cx="8228880" cy="671040"/>
           </a:xfrm>
           <a:prstGeom prst="rect">
             <a:avLst/>
@@ -15227,12 +16970,22 @@
             <a:noFill/>
           </a:ln>
         </p:spPr>
+        <p:style>
+          <a:lnRef idx="0"/>
+          <a:fillRef idx="0"/>
+          <a:effectRef idx="0"/>
+          <a:fontRef idx="minor"/>
+        </p:style>
         <p:txBody>
           <a:bodyPr lIns="0" rIns="0" tIns="0" bIns="0" anchor="ctr">
             <a:spAutoFit/>
           </a:bodyPr>
           <a:p>
-            <a:pPr algn="ctr"/>
+            <a:pPr algn="ctr">
+              <a:lnSpc>
+                <a:spcPct val="100000"/>
+              </a:lnSpc>
+            </a:pPr>
             <a:r>
               <a:rPr b="0" lang="en-US" sz="4400" spc="-1" strike="noStrike">
                 <a:latin typeface="DejaVu Sans"/>
@@ -15247,14 +17000,14 @@
       </p:sp>
       <p:sp>
         <p:nvSpPr>
-          <p:cNvPr id="267" name="TextShape 2"/>
-          <p:cNvSpPr txBox="1"/>
+          <p:cNvPr id="305" name="CustomShape 2"/>
+          <p:cNvSpPr/>
           <p:nvPr/>
         </p:nvSpPr>
         <p:spPr>
           <a:xfrm>
             <a:off x="457200" y="1604520"/>
-            <a:ext cx="8229240" cy="3977280"/>
+            <a:ext cx="8228880" cy="3976920"/>
           </a:xfrm>
           <a:prstGeom prst="rect">
             <a:avLst/>
@@ -15264,12 +17017,21 @@
             <a:noFill/>
           </a:ln>
         </p:spPr>
+        <p:style>
+          <a:lnRef idx="0"/>
+          <a:fillRef idx="0"/>
+          <a:effectRef idx="0"/>
+          <a:fontRef idx="minor"/>
+        </p:style>
         <p:txBody>
           <a:bodyPr lIns="0" rIns="0" tIns="0" bIns="0">
             <a:normAutofit/>
           </a:bodyPr>
           <a:p>
-            <a:pPr marL="432000" indent="-324000">
+            <a:pPr marL="432000" indent="-323640">
+              <a:lnSpc>
+                <a:spcPct val="100000"/>
+              </a:lnSpc>
               <a:spcBef>
                 <a:spcPts val="1417"/>
               </a:spcBef>
@@ -15324,14 +17086,14 @@
       </p:grpSpPr>
       <p:sp>
         <p:nvSpPr>
-          <p:cNvPr id="268" name="TextShape 1"/>
-          <p:cNvSpPr txBox="1"/>
+          <p:cNvPr id="306" name="CustomShape 1"/>
+          <p:cNvSpPr/>
           <p:nvPr/>
         </p:nvSpPr>
         <p:spPr>
           <a:xfrm>
-            <a:off x="457200" y="273600"/>
-            <a:ext cx="8229240" cy="1144800"/>
+            <a:off x="457200" y="510120"/>
+            <a:ext cx="8228880" cy="671040"/>
           </a:xfrm>
           <a:prstGeom prst="rect">
             <a:avLst/>
@@ -15341,12 +17103,22 @@
             <a:noFill/>
           </a:ln>
         </p:spPr>
+        <p:style>
+          <a:lnRef idx="0"/>
+          <a:fillRef idx="0"/>
+          <a:effectRef idx="0"/>
+          <a:fontRef idx="minor"/>
+        </p:style>
         <p:txBody>
           <a:bodyPr lIns="0" rIns="0" tIns="0" bIns="0" anchor="ctr">
             <a:spAutoFit/>
           </a:bodyPr>
           <a:p>
-            <a:pPr algn="ctr"/>
+            <a:pPr algn="ctr">
+              <a:lnSpc>
+                <a:spcPct val="100000"/>
+              </a:lnSpc>
+            </a:pPr>
             <a:r>
               <a:rPr b="0" lang="en-US" sz="4400" spc="-1" strike="noStrike">
                 <a:latin typeface="DejaVu Sans"/>
@@ -15361,14 +17133,14 @@
       </p:sp>
       <p:sp>
         <p:nvSpPr>
-          <p:cNvPr id="269" name="TextShape 2"/>
-          <p:cNvSpPr txBox="1"/>
+          <p:cNvPr id="307" name="CustomShape 2"/>
+          <p:cNvSpPr/>
           <p:nvPr/>
         </p:nvSpPr>
         <p:spPr>
           <a:xfrm>
             <a:off x="457200" y="1604520"/>
-            <a:ext cx="8229240" cy="3977280"/>
+            <a:ext cx="8228880" cy="3976920"/>
           </a:xfrm>
           <a:prstGeom prst="rect">
             <a:avLst/>
@@ -15378,12 +17150,21 @@
             <a:noFill/>
           </a:ln>
         </p:spPr>
+        <p:style>
+          <a:lnRef idx="0"/>
+          <a:fillRef idx="0"/>
+          <a:effectRef idx="0"/>
+          <a:fontRef idx="minor"/>
+        </p:style>
         <p:txBody>
           <a:bodyPr lIns="0" rIns="0" tIns="0" bIns="0">
             <a:normAutofit/>
           </a:bodyPr>
           <a:p>
-            <a:pPr marL="432000" indent="-324000">
+            <a:pPr marL="432000" indent="-323640">
+              <a:lnSpc>
+                <a:spcPct val="100000"/>
+              </a:lnSpc>
               <a:spcBef>
                 <a:spcPts val="1417"/>
               </a:spcBef>
@@ -15438,14 +17219,14 @@
       </p:grpSpPr>
       <p:sp>
         <p:nvSpPr>
-          <p:cNvPr id="212" name="CustomShape 1"/>
+          <p:cNvPr id="250" name="CustomShape 1"/>
           <p:cNvSpPr/>
           <p:nvPr/>
         </p:nvSpPr>
         <p:spPr>
           <a:xfrm>
             <a:off x="822960" y="286560"/>
-            <a:ext cx="7543080" cy="1450080"/>
+            <a:ext cx="7542720" cy="1449720"/>
           </a:xfrm>
           <a:prstGeom prst="rect">
             <a:avLst/>
@@ -15477,6 +17258,7 @@
                   <a:srgbClr val="404040"/>
                 </a:solidFill>
                 <a:latin typeface="Calibri Light"/>
+                <a:ea typeface="DejaVu Sans"/>
               </a:rPr>
               <a:t>Your teaching team</a:t>
             </a:r>
@@ -15488,14 +17270,14 @@
       </p:sp>
       <p:sp>
         <p:nvSpPr>
-          <p:cNvPr id="213" name="CustomShape 2"/>
+          <p:cNvPr id="251" name="CustomShape 2"/>
           <p:cNvSpPr/>
           <p:nvPr/>
         </p:nvSpPr>
         <p:spPr>
           <a:xfrm>
             <a:off x="7425360" y="6459840"/>
-            <a:ext cx="983160" cy="364320"/>
+            <a:ext cx="982800" cy="363960"/>
           </a:xfrm>
           <a:prstGeom prst="rect">
             <a:avLst/>
@@ -15521,7 +17303,7 @@
                 <a:spcPct val="100000"/>
               </a:lnSpc>
             </a:pPr>
-            <a:fld id="{BEF7066A-BC4C-46AC-8653-8E718D2451FD}" type="slidenum">
+            <a:fld id="{6005BE59-6431-4A7A-B8F3-E7C512EDFEA0}" type="slidenum">
               <a:rPr b="0" lang="en-US" sz="1050" spc="-1" strike="noStrike">
                 <a:solidFill>
                   <a:srgbClr val="ffffff"/>
@@ -15539,7 +17321,7 @@
       </p:sp>
       <p:pic>
         <p:nvPicPr>
-          <p:cNvPr id="214" name="Picture 6" descr=""/>
+          <p:cNvPr id="252" name="Picture 6" descr=""/>
           <p:cNvPicPr/>
           <p:nvPr/>
         </p:nvPicPr>
@@ -15550,7 +17332,7 @@
         <p:spPr>
           <a:xfrm>
             <a:off x="7317360" y="38520"/>
-            <a:ext cx="1621800" cy="1643760"/>
+            <a:ext cx="1621440" cy="1643400"/>
           </a:xfrm>
           <a:prstGeom prst="rect">
             <a:avLst/>
@@ -15562,14 +17344,14 @@
       </p:pic>
       <p:sp>
         <p:nvSpPr>
-          <p:cNvPr id="215" name="CustomShape 3"/>
+          <p:cNvPr id="253" name="CustomShape 3"/>
           <p:cNvSpPr/>
           <p:nvPr/>
         </p:nvSpPr>
         <p:spPr>
           <a:xfrm>
             <a:off x="3505320" y="2305440"/>
-            <a:ext cx="4419000" cy="1461600"/>
+            <a:ext cx="4418640" cy="1461240"/>
           </a:xfrm>
           <a:prstGeom prst="rect">
             <a:avLst/>
@@ -15683,14 +17465,14 @@
       </p:sp>
       <p:sp>
         <p:nvSpPr>
-          <p:cNvPr id="216" name="CustomShape 4"/>
+          <p:cNvPr id="254" name="CustomShape 4"/>
           <p:cNvSpPr/>
           <p:nvPr/>
         </p:nvSpPr>
         <p:spPr>
           <a:xfrm>
             <a:off x="628200" y="4598640"/>
-            <a:ext cx="3010680" cy="942480"/>
+            <a:ext cx="3010320" cy="942120"/>
           </a:xfrm>
           <a:prstGeom prst="rect">
             <a:avLst/>
@@ -15794,14 +17576,14 @@
       </p:sp>
       <p:sp>
         <p:nvSpPr>
-          <p:cNvPr id="217" name="CustomShape 5"/>
+          <p:cNvPr id="255" name="CustomShape 5"/>
           <p:cNvSpPr/>
           <p:nvPr/>
         </p:nvSpPr>
         <p:spPr>
           <a:xfrm>
             <a:off x="4971240" y="4598640"/>
-            <a:ext cx="3010680" cy="942480"/>
+            <a:ext cx="3010320" cy="942120"/>
           </a:xfrm>
           <a:prstGeom prst="rect">
             <a:avLst/>
@@ -15905,7 +17687,7 @@
       </p:sp>
       <p:sp>
         <p:nvSpPr>
-          <p:cNvPr id="218" name="Line 6"/>
+          <p:cNvPr id="256" name="Line 6"/>
           <p:cNvSpPr/>
           <p:nvPr/>
         </p:nvSpPr>
@@ -15939,7 +17721,7 @@
       </p:sp>
       <p:sp>
         <p:nvSpPr>
-          <p:cNvPr id="219" name="Line 7"/>
+          <p:cNvPr id="257" name="Line 7"/>
           <p:cNvSpPr/>
           <p:nvPr/>
         </p:nvSpPr>
@@ -15973,7 +17755,7 @@
       </p:sp>
       <p:pic>
         <p:nvPicPr>
-          <p:cNvPr id="220" name="" descr=""/>
+          <p:cNvPr id="258" name="" descr=""/>
           <p:cNvPicPr/>
           <p:nvPr/>
         </p:nvPicPr>
@@ -15984,7 +17766,7 @@
         <p:spPr>
           <a:xfrm>
             <a:off x="1097280" y="1920240"/>
-            <a:ext cx="2011320" cy="1908360"/>
+            <a:ext cx="2010960" cy="1908000"/>
           </a:xfrm>
           <a:prstGeom prst="rect">
             <a:avLst/>
@@ -15996,14 +17778,14 @@
       </p:pic>
       <p:sp>
         <p:nvSpPr>
-          <p:cNvPr id="221" name="CustomShape 8"/>
+          <p:cNvPr id="259" name="CustomShape 8"/>
           <p:cNvSpPr/>
           <p:nvPr/>
         </p:nvSpPr>
         <p:spPr>
           <a:xfrm>
             <a:off x="3017520" y="3931920"/>
-            <a:ext cx="2194200" cy="456840"/>
+            <a:ext cx="2193840" cy="456480"/>
           </a:xfrm>
           <a:prstGeom prst="wedgeRoundRectCallout">
             <a:avLst>
@@ -16085,7 +17867,7 @@
       </p:grpSpPr>
       <p:pic>
         <p:nvPicPr>
-          <p:cNvPr id="222" name="Picture 2" descr=""/>
+          <p:cNvPr id="260" name="Picture 2" descr=""/>
           <p:cNvPicPr/>
           <p:nvPr/>
         </p:nvPicPr>
@@ -16096,7 +17878,7 @@
         <p:spPr>
           <a:xfrm>
             <a:off x="6675120" y="3383280"/>
-            <a:ext cx="3108600" cy="2818800"/>
+            <a:ext cx="3108240" cy="2818440"/>
           </a:xfrm>
           <a:prstGeom prst="rect">
             <a:avLst/>
@@ -16108,14 +17890,14 @@
       </p:pic>
       <p:sp>
         <p:nvSpPr>
-          <p:cNvPr id="223" name="CustomShape 1"/>
+          <p:cNvPr id="261" name="CustomShape 1"/>
           <p:cNvSpPr/>
           <p:nvPr/>
         </p:nvSpPr>
         <p:spPr>
           <a:xfrm>
             <a:off x="822960" y="286560"/>
-            <a:ext cx="7543080" cy="1450080"/>
+            <a:ext cx="7542720" cy="1449720"/>
           </a:xfrm>
           <a:prstGeom prst="rect">
             <a:avLst/>
@@ -16147,6 +17929,7 @@
                   <a:srgbClr val="404040"/>
                 </a:solidFill>
                 <a:latin typeface="Calibri Light"/>
+                <a:ea typeface="DejaVu Sans"/>
               </a:rPr>
               <a:t>Get to know each other</a:t>
             </a:r>
@@ -16158,14 +17941,14 @@
       </p:sp>
       <p:sp>
         <p:nvSpPr>
-          <p:cNvPr id="224" name="CustomShape 2"/>
+          <p:cNvPr id="262" name="CustomShape 2"/>
           <p:cNvSpPr/>
           <p:nvPr/>
         </p:nvSpPr>
         <p:spPr>
           <a:xfrm>
             <a:off x="646200" y="1814040"/>
-            <a:ext cx="8348760" cy="3580560"/>
+            <a:ext cx="8348400" cy="3580200"/>
           </a:xfrm>
           <a:prstGeom prst="rect">
             <a:avLst/>
@@ -16186,7 +17969,7 @@
             <a:normAutofit/>
           </a:bodyPr>
           <a:p>
-            <a:pPr marL="91440" indent="-90720">
+            <a:pPr marL="91440" indent="-90360">
               <a:lnSpc>
                 <a:spcPct val="90000"/>
               </a:lnSpc>
@@ -16208,6 +17991,7 @@
                   <a:srgbClr val="404040"/>
                 </a:solidFill>
                 <a:latin typeface="Calibri"/>
+                <a:ea typeface="DejaVu Sans"/>
               </a:rPr>
               <a:t>We will be in this room for 55+ hours over 2 weeks.</a:t>
             </a:r>
@@ -16232,7 +18016,7 @@
             </a:endParaRPr>
           </a:p>
           <a:p>
-            <a:pPr marL="91440" indent="-90720">
+            <a:pPr marL="91440" indent="-90360">
               <a:lnSpc>
                 <a:spcPct val="90000"/>
               </a:lnSpc>
@@ -16254,6 +18038,7 @@
                   <a:srgbClr val="404040"/>
                 </a:solidFill>
                 <a:latin typeface="Calibri"/>
+                <a:ea typeface="DejaVu Sans"/>
               </a:rPr>
               <a:t>Name, hometown, and something interesting or unusual about yourself.</a:t>
             </a:r>
@@ -16278,7 +18063,7 @@
             </a:endParaRPr>
           </a:p>
           <a:p>
-            <a:pPr marL="91440" indent="-90720">
+            <a:pPr marL="91440" indent="-90360">
               <a:lnSpc>
                 <a:spcPct val="90000"/>
               </a:lnSpc>
@@ -16300,6 +18085,7 @@
                   <a:srgbClr val="404040"/>
                 </a:solidFill>
                 <a:latin typeface="Calibri"/>
+                <a:ea typeface="DejaVu Sans"/>
               </a:rPr>
               <a:t>Why did you pick this project? What you hope to learn/do?</a:t>
             </a:r>
@@ -16324,7 +18110,7 @@
             </a:endParaRPr>
           </a:p>
           <a:p>
-            <a:pPr marL="91440" indent="-90720">
+            <a:pPr marL="91440" indent="-90360">
               <a:lnSpc>
                 <a:spcPct val="90000"/>
               </a:lnSpc>
@@ -16346,6 +18132,7 @@
                   <a:srgbClr val="404040"/>
                 </a:solidFill>
                 <a:latin typeface="Calibri"/>
+                <a:ea typeface="DejaVu Sans"/>
               </a:rPr>
               <a:t>If you have programming experience, tell us about it.</a:t>
             </a:r>
@@ -16357,14 +18144,14 @@
       </p:sp>
       <p:sp>
         <p:nvSpPr>
-          <p:cNvPr id="225" name="CustomShape 3"/>
+          <p:cNvPr id="263" name="CustomShape 3"/>
           <p:cNvSpPr/>
           <p:nvPr/>
         </p:nvSpPr>
         <p:spPr>
           <a:xfrm>
             <a:off x="7425360" y="6459840"/>
-            <a:ext cx="983160" cy="364320"/>
+            <a:ext cx="982800" cy="363960"/>
           </a:xfrm>
           <a:prstGeom prst="rect">
             <a:avLst/>
@@ -16390,7 +18177,7 @@
                 <a:spcPct val="100000"/>
               </a:lnSpc>
             </a:pPr>
-            <a:fld id="{EB49C5BA-473B-4738-B175-394474F31660}" type="slidenum">
+            <a:fld id="{94C34D67-FA9E-4B5A-8DC6-951625180968}" type="slidenum">
               <a:rPr b="0" lang="en-US" sz="1050" spc="-1" strike="noStrike">
                 <a:solidFill>
                   <a:srgbClr val="ffffff"/>
@@ -16438,14 +18225,14 @@
       </p:grpSpPr>
       <p:sp>
         <p:nvSpPr>
-          <p:cNvPr id="226" name="CustomShape 1"/>
+          <p:cNvPr id="264" name="CustomShape 1"/>
           <p:cNvSpPr/>
           <p:nvPr/>
         </p:nvSpPr>
         <p:spPr>
           <a:xfrm>
             <a:off x="822960" y="286560"/>
-            <a:ext cx="7543080" cy="1450080"/>
+            <a:ext cx="7542720" cy="1449720"/>
           </a:xfrm>
           <a:prstGeom prst="rect">
             <a:avLst/>
@@ -16477,6 +18264,7 @@
                   <a:srgbClr val="404040"/>
                 </a:solidFill>
                 <a:latin typeface="Calibri Light"/>
+                <a:ea typeface="DejaVu Sans"/>
               </a:rPr>
               <a:t>Website</a:t>
             </a:r>
@@ -16488,14 +18276,14 @@
       </p:sp>
       <p:sp>
         <p:nvSpPr>
-          <p:cNvPr id="227" name="CustomShape 2"/>
+          <p:cNvPr id="265" name="CustomShape 2"/>
           <p:cNvSpPr/>
           <p:nvPr/>
         </p:nvSpPr>
         <p:spPr>
           <a:xfrm>
             <a:off x="822960" y="1845720"/>
-            <a:ext cx="7543080" cy="4022640"/>
+            <a:ext cx="7542720" cy="4022280"/>
           </a:xfrm>
           <a:prstGeom prst="rect">
             <a:avLst/>
@@ -16516,7 +18304,7 @@
             <a:noAutofit/>
           </a:bodyPr>
           <a:p>
-            <a:pPr marL="91440" indent="-90720">
+            <a:pPr marL="91440" indent="-90360">
               <a:lnSpc>
                 <a:spcPct val="90000"/>
               </a:lnSpc>
@@ -16538,6 +18326,7 @@
                   <a:srgbClr val="404040"/>
                 </a:solidFill>
                 <a:latin typeface="Calibri"/>
+                <a:ea typeface="DejaVu Sans"/>
               </a:rPr>
               <a:t>Go to: </a:t>
             </a:r>
@@ -16548,6 +18337,7 @@
                 </a:solidFill>
                 <a:uFillTx/>
                 <a:latin typeface="Calibri"/>
+                <a:ea typeface="DejaVu Sans"/>
                 <a:hlinkClick r:id="rId1"/>
               </a:rPr>
               <a:t>https://rhit-csse.github.io/catapult/</a:t>
@@ -16559,6 +18349,7 @@
                   <a:srgbClr val="404040"/>
                 </a:solidFill>
                 <a:latin typeface="Calibri"/>
+                <a:ea typeface="DejaVu Sans"/>
               </a:rPr>
               <a:t> </a:t>
             </a:r>
@@ -16567,7 +18358,7 @@
             </a:endParaRPr>
           </a:p>
           <a:p>
-            <a:pPr marL="91440" indent="-90720">
+            <a:pPr marL="91440" indent="-90360">
               <a:lnSpc>
                 <a:spcPct val="90000"/>
               </a:lnSpc>
@@ -16589,6 +18380,7 @@
                   <a:srgbClr val="404040"/>
                 </a:solidFill>
                 <a:latin typeface="Calibri"/>
+                <a:ea typeface="DejaVu Sans"/>
               </a:rPr>
               <a:t>There is a link with instructions about how to install the software – follow it if you’ve brought your own laptop.  Myself and the teaching assistants will be going around helping folks as they need it.</a:t>
             </a:r>
@@ -16597,7 +18389,7 @@
             </a:endParaRPr>
           </a:p>
           <a:p>
-            <a:pPr marL="91440" indent="-90720">
+            <a:pPr marL="91440" indent="-90360">
               <a:lnSpc>
                 <a:spcPct val="90000"/>
               </a:lnSpc>
@@ -16619,6 +18411,7 @@
                   <a:srgbClr val="404040"/>
                 </a:solidFill>
                 <a:latin typeface="Calibri"/>
+                <a:ea typeface="DejaVu Sans"/>
               </a:rPr>
               <a:t>If you’re using a provided laptop, poke around for a few minutes and we’ll continue shortly.</a:t>
             </a:r>
@@ -16630,14 +18423,14 @@
       </p:sp>
       <p:sp>
         <p:nvSpPr>
-          <p:cNvPr id="228" name="CustomShape 3"/>
+          <p:cNvPr id="266" name="CustomShape 3"/>
           <p:cNvSpPr/>
           <p:nvPr/>
         </p:nvSpPr>
         <p:spPr>
           <a:xfrm>
             <a:off x="7425360" y="6459840"/>
-            <a:ext cx="983160" cy="364320"/>
+            <a:ext cx="982800" cy="363960"/>
           </a:xfrm>
           <a:prstGeom prst="rect">
             <a:avLst/>
@@ -16663,7 +18456,7 @@
                 <a:spcPct val="100000"/>
               </a:lnSpc>
             </a:pPr>
-            <a:fld id="{A23CB86E-CB48-441E-B8C4-50DEA709C37B}" type="slidenum">
+            <a:fld id="{7458B2B5-9308-473D-9D41-DDF7D49DED19}" type="slidenum">
               <a:rPr b="0" lang="en-US" sz="1050" spc="-1" strike="noStrike">
                 <a:solidFill>
                   <a:srgbClr val="ffffff"/>
@@ -16711,14 +18504,14 @@
       </p:grpSpPr>
       <p:sp>
         <p:nvSpPr>
-          <p:cNvPr id="229" name="CustomShape 1"/>
+          <p:cNvPr id="267" name="CustomShape 1"/>
           <p:cNvSpPr/>
           <p:nvPr/>
         </p:nvSpPr>
         <p:spPr>
           <a:xfrm>
             <a:off x="822960" y="286560"/>
-            <a:ext cx="7543080" cy="1450080"/>
+            <a:ext cx="7542720" cy="1449720"/>
           </a:xfrm>
           <a:prstGeom prst="rect">
             <a:avLst/>
@@ -16750,6 +18543,7 @@
                   <a:srgbClr val="404040"/>
                 </a:solidFill>
                 <a:latin typeface="Calibri Light"/>
+                <a:ea typeface="DejaVu Sans"/>
               </a:rPr>
               <a:t>Overall Plan</a:t>
             </a:r>
@@ -16759,6 +18553,7 @@
                   <a:srgbClr val="404040"/>
                 </a:solidFill>
                 <a:latin typeface="Calibri Light"/>
+                <a:ea typeface="DejaVu Sans"/>
               </a:rPr>
               <a:t>	</a:t>
             </a:r>
@@ -16768,6 +18563,7 @@
                   <a:srgbClr val="404040"/>
                 </a:solidFill>
                 <a:latin typeface="Calibri Light"/>
+                <a:ea typeface="DejaVu Sans"/>
               </a:rPr>
               <a:t>	</a:t>
             </a:r>
@@ -16777,6 +18573,7 @@
                   <a:srgbClr val="404040"/>
                 </a:solidFill>
                 <a:latin typeface="Calibri Light"/>
+                <a:ea typeface="DejaVu Sans"/>
               </a:rPr>
               <a:t>	</a:t>
             </a:r>
@@ -16786,6 +18583,7 @@
                   <a:srgbClr val="404040"/>
                 </a:solidFill>
                 <a:latin typeface="Calibri Light"/>
+                <a:ea typeface="DejaVu Sans"/>
               </a:rPr>
               <a:t>	</a:t>
             </a:r>
@@ -16795,6 +18593,7 @@
                   <a:srgbClr val="404040"/>
                 </a:solidFill>
                 <a:latin typeface="Calibri Light"/>
+                <a:ea typeface="DejaVu Sans"/>
               </a:rPr>
               <a:t>1/2</a:t>
             </a:r>
@@ -16806,14 +18605,14 @@
       </p:sp>
       <p:sp>
         <p:nvSpPr>
-          <p:cNvPr id="230" name="CustomShape 2"/>
+          <p:cNvPr id="268" name="CustomShape 2"/>
           <p:cNvSpPr/>
           <p:nvPr/>
         </p:nvSpPr>
         <p:spPr>
           <a:xfrm>
             <a:off x="822960" y="1845720"/>
-            <a:ext cx="7543080" cy="4022640"/>
+            <a:ext cx="7542720" cy="4022280"/>
           </a:xfrm>
           <a:prstGeom prst="rect">
             <a:avLst/>
@@ -16834,7 +18633,7 @@
             <a:normAutofit/>
           </a:bodyPr>
           <a:p>
-            <a:pPr marL="91440" indent="-90720">
+            <a:pPr marL="91440" indent="-90360">
               <a:lnSpc>
                 <a:spcPct val="90000"/>
               </a:lnSpc>
@@ -16856,6 +18655,7 @@
                   <a:srgbClr val="404040"/>
                 </a:solidFill>
                 <a:latin typeface="Calibri"/>
+                <a:ea typeface="DejaVu Sans"/>
               </a:rPr>
               <a:t>For the first 5 days</a:t>
             </a:r>
@@ -16874,7 +18674,7 @@
             </a:endParaRPr>
           </a:p>
           <a:p>
-            <a:pPr lvl="1" marL="384120" indent="-182160">
+            <a:pPr lvl="1" marL="384120" indent="-181800">
               <a:lnSpc>
                 <a:spcPct val="90000"/>
               </a:lnSpc>
@@ -16896,6 +18696,7 @@
                   <a:srgbClr val="404040"/>
                 </a:solidFill>
                 <a:latin typeface="Calibri"/>
+                <a:ea typeface="DejaVu Sans"/>
               </a:rPr>
               <a:t>Instruction in the classroom aimed at those with no programming background</a:t>
             </a:r>
@@ -16914,7 +18715,7 @@
             </a:endParaRPr>
           </a:p>
           <a:p>
-            <a:pPr lvl="1" marL="384120" indent="-182160">
+            <a:pPr lvl="1" marL="384120" indent="-181800">
               <a:lnSpc>
                 <a:spcPct val="90000"/>
               </a:lnSpc>
@@ -16936,6 +18737,7 @@
                   <a:srgbClr val="404040"/>
                 </a:solidFill>
                 <a:latin typeface="Calibri"/>
+                <a:ea typeface="DejaVu Sans"/>
               </a:rPr>
               <a:t>Work in the lab on programs that we assign</a:t>
             </a:r>
@@ -16954,7 +18756,7 @@
             </a:endParaRPr>
           </a:p>
           <a:p>
-            <a:pPr lvl="1" marL="384120" indent="-182160">
+            <a:pPr lvl="1" marL="384120" indent="-181800">
               <a:lnSpc>
                 <a:spcPct val="90000"/>
               </a:lnSpc>
@@ -16976,6 +18778,7 @@
                   <a:srgbClr val="404040"/>
                 </a:solidFill>
                 <a:latin typeface="Calibri"/>
+                <a:ea typeface="DejaVu Sans"/>
               </a:rPr>
               <a:t>Start thinking about projects and who you would like to work with</a:t>
             </a:r>
@@ -17019,14 +18822,14 @@
       </p:sp>
       <p:sp>
         <p:nvSpPr>
-          <p:cNvPr id="231" name="CustomShape 3"/>
+          <p:cNvPr id="269" name="CustomShape 3"/>
           <p:cNvSpPr/>
           <p:nvPr/>
         </p:nvSpPr>
         <p:spPr>
           <a:xfrm>
             <a:off x="7425360" y="6459840"/>
-            <a:ext cx="983160" cy="364320"/>
+            <a:ext cx="982800" cy="363960"/>
           </a:xfrm>
           <a:prstGeom prst="rect">
             <a:avLst/>
@@ -17052,7 +18855,7 @@
                 <a:spcPct val="100000"/>
               </a:lnSpc>
             </a:pPr>
-            <a:fld id="{DF69BFE2-3B64-4034-99D0-BAD9A2CB4CE3}" type="slidenum">
+            <a:fld id="{99745B1E-B166-453F-8ED2-22FF92C4FB7B}" type="slidenum">
               <a:rPr b="0" lang="en-US" sz="1050" spc="-1" strike="noStrike">
                 <a:solidFill>
                   <a:srgbClr val="ffffff"/>
@@ -17100,14 +18903,14 @@
       </p:grpSpPr>
       <p:sp>
         <p:nvSpPr>
-          <p:cNvPr id="232" name="CustomShape 1"/>
+          <p:cNvPr id="270" name="CustomShape 1"/>
           <p:cNvSpPr/>
           <p:nvPr/>
         </p:nvSpPr>
         <p:spPr>
           <a:xfrm>
             <a:off x="822960" y="286560"/>
-            <a:ext cx="7543080" cy="1450080"/>
+            <a:ext cx="7542720" cy="1449720"/>
           </a:xfrm>
           <a:prstGeom prst="rect">
             <a:avLst/>
@@ -17139,6 +18942,7 @@
                   <a:srgbClr val="404040"/>
                 </a:solidFill>
                 <a:latin typeface="Calibri Light"/>
+                <a:ea typeface="DejaVu Sans"/>
               </a:rPr>
               <a:t>Overall Plan</a:t>
             </a:r>
@@ -17148,6 +18952,7 @@
                   <a:srgbClr val="404040"/>
                 </a:solidFill>
                 <a:latin typeface="Calibri Light"/>
+                <a:ea typeface="DejaVu Sans"/>
               </a:rPr>
               <a:t>	</a:t>
             </a:r>
@@ -17157,6 +18962,7 @@
                   <a:srgbClr val="404040"/>
                 </a:solidFill>
                 <a:latin typeface="Calibri Light"/>
+                <a:ea typeface="DejaVu Sans"/>
               </a:rPr>
               <a:t>	</a:t>
             </a:r>
@@ -17166,6 +18972,7 @@
                   <a:srgbClr val="404040"/>
                 </a:solidFill>
                 <a:latin typeface="Calibri Light"/>
+                <a:ea typeface="DejaVu Sans"/>
               </a:rPr>
               <a:t>	</a:t>
             </a:r>
@@ -17175,6 +18982,7 @@
                   <a:srgbClr val="404040"/>
                 </a:solidFill>
                 <a:latin typeface="Calibri Light"/>
+                <a:ea typeface="DejaVu Sans"/>
               </a:rPr>
               <a:t>	</a:t>
             </a:r>
@@ -17184,6 +18992,7 @@
                   <a:srgbClr val="404040"/>
                 </a:solidFill>
                 <a:latin typeface="Calibri Light"/>
+                <a:ea typeface="DejaVu Sans"/>
               </a:rPr>
               <a:t>2/2</a:t>
             </a:r>
@@ -17195,14 +19004,14 @@
       </p:sp>
       <p:sp>
         <p:nvSpPr>
-          <p:cNvPr id="233" name="CustomShape 2"/>
+          <p:cNvPr id="271" name="CustomShape 2"/>
           <p:cNvSpPr/>
           <p:nvPr/>
         </p:nvSpPr>
         <p:spPr>
           <a:xfrm>
             <a:off x="822960" y="1845720"/>
-            <a:ext cx="7543080" cy="4022640"/>
+            <a:ext cx="7542720" cy="4022280"/>
           </a:xfrm>
           <a:prstGeom prst="rect">
             <a:avLst/>
@@ -17223,7 +19032,7 @@
             <a:normAutofit/>
           </a:bodyPr>
           <a:p>
-            <a:pPr marL="91440" indent="-90720">
+            <a:pPr marL="91440" indent="-90360">
               <a:lnSpc>
                 <a:spcPct val="90000"/>
               </a:lnSpc>
@@ -17245,6 +19054,7 @@
                   <a:srgbClr val="404040"/>
                 </a:solidFill>
                 <a:latin typeface="Calibri"/>
+                <a:ea typeface="DejaVu Sans"/>
               </a:rPr>
               <a:t>By the end of Friday (or so)</a:t>
             </a:r>
@@ -17263,7 +19073,7 @@
             </a:endParaRPr>
           </a:p>
           <a:p>
-            <a:pPr lvl="1" marL="384120" indent="-182160">
+            <a:pPr lvl="1" marL="384120" indent="-181800">
               <a:lnSpc>
                 <a:spcPct val="90000"/>
               </a:lnSpc>
@@ -17285,6 +19095,7 @@
                   <a:srgbClr val="404040"/>
                 </a:solidFill>
                 <a:latin typeface="Calibri"/>
+                <a:ea typeface="DejaVu Sans"/>
               </a:rPr>
               <a:t>Finalize groups and projects</a:t>
             </a:r>
@@ -17303,7 +19114,7 @@
             </a:endParaRPr>
           </a:p>
           <a:p>
-            <a:pPr marL="91440" indent="-90720">
+            <a:pPr marL="91440" indent="-90360">
               <a:lnSpc>
                 <a:spcPct val="90000"/>
               </a:lnSpc>
@@ -17325,6 +19136,7 @@
                   <a:srgbClr val="404040"/>
                 </a:solidFill>
                 <a:latin typeface="Calibri"/>
+                <a:ea typeface="DejaVu Sans"/>
               </a:rPr>
               <a:t>After that</a:t>
             </a:r>
@@ -17343,7 +19155,7 @@
             </a:endParaRPr>
           </a:p>
           <a:p>
-            <a:pPr lvl="1" marL="384120" indent="-182160">
+            <a:pPr lvl="1" marL="384120" indent="-181800">
               <a:lnSpc>
                 <a:spcPct val="90000"/>
               </a:lnSpc>
@@ -17365,6 +19177,7 @@
                   <a:srgbClr val="404040"/>
                 </a:solidFill>
                 <a:latin typeface="Calibri"/>
+                <a:ea typeface="DejaVu Sans"/>
               </a:rPr>
               <a:t>Work on your group’s project</a:t>
             </a:r>
@@ -17383,7 +19196,7 @@
             </a:endParaRPr>
           </a:p>
           <a:p>
-            <a:pPr lvl="1" marL="384120" indent="-182160">
+            <a:pPr lvl="1" marL="384120" indent="-181800">
               <a:lnSpc>
                 <a:spcPct val="90000"/>
               </a:lnSpc>
@@ -17405,6 +19218,7 @@
                   <a:srgbClr val="404040"/>
                 </a:solidFill>
                 <a:latin typeface="Calibri"/>
+                <a:ea typeface="DejaVu Sans"/>
               </a:rPr>
               <a:t>Get help from your instructors and assistants</a:t>
             </a:r>
@@ -17423,7 +19237,7 @@
             </a:endParaRPr>
           </a:p>
           <a:p>
-            <a:pPr lvl="1" marL="384120" indent="-182160">
+            <a:pPr lvl="1" marL="384120" indent="-181800">
               <a:lnSpc>
                 <a:spcPct val="90000"/>
               </a:lnSpc>
@@ -17445,6 +19259,7 @@
                   <a:srgbClr val="404040"/>
                 </a:solidFill>
                 <a:latin typeface="Calibri"/>
+                <a:ea typeface="DejaVu Sans"/>
               </a:rPr>
               <a:t>There will be occasional “all together” classroom time</a:t>
             </a:r>
@@ -17472,14 +19287,14 @@
       </p:sp>
       <p:sp>
         <p:nvSpPr>
-          <p:cNvPr id="234" name="CustomShape 3"/>
+          <p:cNvPr id="272" name="CustomShape 3"/>
           <p:cNvSpPr/>
           <p:nvPr/>
         </p:nvSpPr>
         <p:spPr>
           <a:xfrm>
             <a:off x="7425360" y="6459840"/>
-            <a:ext cx="983160" cy="364320"/>
+            <a:ext cx="982800" cy="363960"/>
           </a:xfrm>
           <a:prstGeom prst="rect">
             <a:avLst/>
@@ -17505,7 +19320,7 @@
                 <a:spcPct val="100000"/>
               </a:lnSpc>
             </a:pPr>
-            <a:fld id="{8C9472FD-FF67-4976-AFAB-57DC61E4BCA3}" type="slidenum">
+            <a:fld id="{9B4425C2-6A1B-4575-B133-CE1D2CF21C0B}" type="slidenum">
               <a:rPr b="0" lang="en-US" sz="1050" spc="-1" strike="noStrike">
                 <a:solidFill>
                   <a:srgbClr val="ffffff"/>
@@ -17523,7 +19338,7 @@
       </p:sp>
       <p:pic>
         <p:nvPicPr>
-          <p:cNvPr id="235" name="Picture 4" descr=""/>
+          <p:cNvPr id="273" name="Picture 4" descr=""/>
           <p:cNvPicPr/>
           <p:nvPr/>
         </p:nvPicPr>
@@ -17534,7 +19349,7 @@
         <p:spPr>
           <a:xfrm>
             <a:off x="4419720" y="1981080"/>
-            <a:ext cx="4291200" cy="2018880"/>
+            <a:ext cx="4290840" cy="2018520"/>
           </a:xfrm>
           <a:prstGeom prst="rect">
             <a:avLst/>
@@ -17576,14 +19391,14 @@
       </p:grpSpPr>
       <p:sp>
         <p:nvSpPr>
-          <p:cNvPr id="236" name="CustomShape 1"/>
+          <p:cNvPr id="274" name="CustomShape 1"/>
           <p:cNvSpPr/>
           <p:nvPr/>
         </p:nvSpPr>
         <p:spPr>
           <a:xfrm>
             <a:off x="822960" y="286560"/>
-            <a:ext cx="7543080" cy="1450080"/>
+            <a:ext cx="7542720" cy="1449720"/>
           </a:xfrm>
           <a:prstGeom prst="rect">
             <a:avLst/>
@@ -17615,6 +19430,7 @@
                   <a:srgbClr val="404040"/>
                 </a:solidFill>
                 <a:latin typeface="Calibri Light"/>
+                <a:ea typeface="DejaVu Sans"/>
               </a:rPr>
               <a:t>Lab Etiquette</a:t>
             </a:r>
@@ -17624,6 +19440,7 @@
                   <a:srgbClr val="404040"/>
                 </a:solidFill>
                 <a:latin typeface="Calibri Light"/>
+                <a:ea typeface="DejaVu Sans"/>
               </a:rPr>
               <a:t>	</a:t>
             </a:r>
@@ -17633,6 +19450,7 @@
                   <a:srgbClr val="404040"/>
                 </a:solidFill>
                 <a:latin typeface="Calibri Light"/>
+                <a:ea typeface="DejaVu Sans"/>
               </a:rPr>
               <a:t>	</a:t>
             </a:r>
@@ -17642,6 +19460,7 @@
                   <a:srgbClr val="404040"/>
                 </a:solidFill>
                 <a:latin typeface="Calibri Light"/>
+                <a:ea typeface="DejaVu Sans"/>
               </a:rPr>
               <a:t>	</a:t>
             </a:r>
@@ -17651,6 +19470,7 @@
                   <a:srgbClr val="404040"/>
                 </a:solidFill>
                 <a:latin typeface="Calibri Light"/>
+                <a:ea typeface="DejaVu Sans"/>
               </a:rPr>
               <a:t>	</a:t>
             </a:r>
@@ -17662,14 +19482,14 @@
       </p:sp>
       <p:sp>
         <p:nvSpPr>
-          <p:cNvPr id="237" name="CustomShape 2"/>
+          <p:cNvPr id="275" name="CustomShape 2"/>
           <p:cNvSpPr/>
           <p:nvPr/>
         </p:nvSpPr>
         <p:spPr>
           <a:xfrm>
             <a:off x="822960" y="1845720"/>
-            <a:ext cx="7543080" cy="4402080"/>
+            <a:ext cx="7542720" cy="4401720"/>
           </a:xfrm>
           <a:prstGeom prst="rect">
             <a:avLst/>
@@ -17687,10 +19507,10 @@
         </p:style>
         <p:txBody>
           <a:bodyPr lIns="0" rIns="0" tIns="45000" bIns="45000">
-            <a:normAutofit fontScale="88000"/>
-          </a:bodyPr>
-          <a:p>
-            <a:pPr marL="91440" indent="-90720">
+            <a:normAutofit fontScale="81000"/>
+          </a:bodyPr>
+          <a:p>
+            <a:pPr marL="91440" indent="-90360">
               <a:lnSpc>
                 <a:spcPct val="90000"/>
               </a:lnSpc>
@@ -17712,6 +19532,7 @@
                   <a:srgbClr val="404040"/>
                 </a:solidFill>
                 <a:latin typeface="Calibri"/>
+                <a:ea typeface="DejaVu Sans"/>
               </a:rPr>
               <a:t>Project time is time to focus on your project</a:t>
             </a:r>
@@ -17720,7 +19541,7 @@
             </a:endParaRPr>
           </a:p>
           <a:p>
-            <a:pPr lvl="1" marL="384120" indent="-182160">
+            <a:pPr lvl="1" marL="384120" indent="-181800">
               <a:lnSpc>
                 <a:spcPct val="90000"/>
               </a:lnSpc>
@@ -17742,6 +19563,7 @@
                   <a:srgbClr val="404040"/>
                 </a:solidFill>
                 <a:latin typeface="Calibri"/>
+                <a:ea typeface="DejaVu Sans"/>
               </a:rPr>
               <a:t>not</a:t>
             </a:r>
@@ -17751,6 +19573,7 @@
                   <a:srgbClr val="404040"/>
                 </a:solidFill>
                 <a:latin typeface="Calibri"/>
+                <a:ea typeface="DejaVu Sans"/>
               </a:rPr>
               <a:t> the time to surf the web or send email or texts</a:t>
             </a:r>
@@ -17759,7 +19582,7 @@
             </a:endParaRPr>
           </a:p>
           <a:p>
-            <a:pPr lvl="1" marL="384120" indent="-182160">
+            <a:pPr lvl="1" marL="384120" indent="-181800">
               <a:lnSpc>
                 <a:spcPct val="90000"/>
               </a:lnSpc>
@@ -17781,6 +19604,7 @@
                   <a:srgbClr val="404040"/>
                 </a:solidFill>
                 <a:latin typeface="Calibri"/>
+                <a:ea typeface="DejaVu Sans"/>
               </a:rPr>
               <a:t>If a partner begins to get “off track”, a reminder from you may help</a:t>
             </a:r>
@@ -17789,7 +19613,7 @@
             </a:endParaRPr>
           </a:p>
           <a:p>
-            <a:pPr lvl="1" marL="384120" indent="-182160">
+            <a:pPr lvl="1" marL="384120" indent="-181800">
               <a:lnSpc>
                 <a:spcPct val="90000"/>
               </a:lnSpc>
@@ -17811,6 +19635,7 @@
                   <a:srgbClr val="404040"/>
                 </a:solidFill>
                 <a:latin typeface="Calibri"/>
+                <a:ea typeface="DejaVu Sans"/>
               </a:rPr>
               <a:t>We will take breaks</a:t>
             </a:r>
@@ -17835,7 +19660,7 @@
             </a:endParaRPr>
           </a:p>
           <a:p>
-            <a:pPr marL="91440" indent="-90720">
+            <a:pPr marL="91440" indent="-90360">
               <a:lnSpc>
                 <a:spcPct val="90000"/>
               </a:lnSpc>
@@ -17857,6 +19682,7 @@
                   <a:srgbClr val="404040"/>
                 </a:solidFill>
                 <a:latin typeface="Calibri"/>
+                <a:ea typeface="DejaVu Sans"/>
               </a:rPr>
               <a:t>Let’s speak to each other kindly, and only with words that our mothers would not be embarrassed to hear us say</a:t>
             </a:r>
@@ -17881,7 +19707,7 @@
             </a:endParaRPr>
           </a:p>
           <a:p>
-            <a:pPr marL="91440" indent="-90720">
+            <a:pPr marL="91440" indent="-90360">
               <a:lnSpc>
                 <a:spcPct val="90000"/>
               </a:lnSpc>
@@ -17903,6 +19729,7 @@
                   <a:srgbClr val="404040"/>
                 </a:solidFill>
                 <a:latin typeface="Calibri"/>
+                <a:ea typeface="DejaVu Sans"/>
               </a:rPr>
               <a:t>Be very careful with drink in the labs</a:t>
             </a:r>
@@ -17927,7 +19754,7 @@
             </a:endParaRPr>
           </a:p>
           <a:p>
-            <a:pPr marL="91440" indent="-90720">
+            <a:pPr marL="91440" indent="-90360">
               <a:lnSpc>
                 <a:spcPct val="90000"/>
               </a:lnSpc>
@@ -17949,8 +19776,9 @@
                   <a:srgbClr val="404040"/>
                 </a:solidFill>
                 <a:latin typeface="Calibri"/>
-              </a:rPr>
-              <a:t>If you need to use the bathroom, get a drink of water, etc., it is not necessary to ask first</a:t>
+                <a:ea typeface="DejaVu Sans"/>
+              </a:rPr>
+              <a:t>If you need to use the bathroom, get a drink of water, etc., it is not necessary to ask first.  But if you are gone longer please sign out.</a:t>
             </a:r>
             <a:endParaRPr b="0" lang="en-US" sz="2000" spc="-1" strike="noStrike">
               <a:latin typeface="DejaVu Sans"/>
@@ -18002,7 +19830,7 @@
                                           </p:stCondLst>
                                         </p:cTn>
                                         <p:tgtEl>
-                                          <p:spTgt spid="237">
+                                          <p:spTgt spid="275">
                                             <p:txEl>
                                               <p:pRg st="0" end="0"/>
                                             </p:txEl>
@@ -18020,7 +19848,7 @@
                                       <p:cBhvr>
                                         <p:cTn id="7" dur="1" fill="hold"/>
                                         <p:tgtEl>
-                                          <p:spTgt spid="237">
+                                          <p:spTgt spid="275">
                                             <p:txEl>
                                               <p:pRg st="0" end="0"/>
                                             </p:txEl>
@@ -18051,7 +19879,7 @@
                                           </p:stCondLst>
                                         </p:cTn>
                                         <p:tgtEl>
-                                          <p:spTgt spid="237">
+                                          <p:spTgt spid="275">
                                             <p:txEl>
                                               <p:pRg st="1" end="1"/>
                                             </p:txEl>
@@ -18069,7 +19897,7 @@
                                       <p:cBhvr>
                                         <p:cTn id="10" dur="1" fill="hold"/>
                                         <p:tgtEl>
-                                          <p:spTgt spid="237">
+                                          <p:spTgt spid="275">
                                             <p:txEl>
                                               <p:pRg st="1" end="1"/>
                                             </p:txEl>
@@ -18100,7 +19928,7 @@
                                           </p:stCondLst>
                                         </p:cTn>
                                         <p:tgtEl>
-                                          <p:spTgt spid="237">
+                                          <p:spTgt spid="275">
                                             <p:txEl>
                                               <p:pRg st="2" end="2"/>
                                             </p:txEl>
@@ -18118,7 +19946,7 @@
                                       <p:cBhvr>
                                         <p:cTn id="13" dur="1" fill="hold"/>
                                         <p:tgtEl>
-                                          <p:spTgt spid="237">
+                                          <p:spTgt spid="275">
                                             <p:txEl>
                                               <p:pRg st="2" end="2"/>
                                             </p:txEl>
@@ -18149,7 +19977,7 @@
                                           </p:stCondLst>
                                         </p:cTn>
                                         <p:tgtEl>
-                                          <p:spTgt spid="237">
+                                          <p:spTgt spid="275">
                                             <p:txEl>
                                               <p:pRg st="3" end="3"/>
                                             </p:txEl>
@@ -18167,7 +19995,7 @@
                                       <p:cBhvr>
                                         <p:cTn id="16" dur="1" fill="hold"/>
                                         <p:tgtEl>
-                                          <p:spTgt spid="237">
+                                          <p:spTgt spid="275">
                                             <p:txEl>
                                               <p:pRg st="3" end="3"/>
                                             </p:txEl>
@@ -18216,7 +20044,7 @@
                                           </p:stCondLst>
                                         </p:cTn>
                                         <p:tgtEl>
-                                          <p:spTgt spid="237">
+                                          <p:spTgt spid="275">
                                             <p:txEl>
                                               <p:pRg st="5" end="5"/>
                                             </p:txEl>
@@ -18234,7 +20062,7 @@
                                       <p:cBhvr>
                                         <p:cTn id="21" dur="1" fill="hold"/>
                                         <p:tgtEl>
-                                          <p:spTgt spid="237">
+                                          <p:spTgt spid="275">
                                             <p:txEl>
                                               <p:pRg st="5" end="5"/>
                                             </p:txEl>
@@ -18283,7 +20111,7 @@
                                           </p:stCondLst>
                                         </p:cTn>
                                         <p:tgtEl>
-                                          <p:spTgt spid="237">
+                                          <p:spTgt spid="275">
                                             <p:txEl>
                                               <p:pRg st="7" end="7"/>
                                             </p:txEl>
@@ -18301,7 +20129,7 @@
                                       <p:cBhvr>
                                         <p:cTn id="26" dur="1" fill="hold"/>
                                         <p:tgtEl>
-                                          <p:spTgt spid="237">
+                                          <p:spTgt spid="275">
                                             <p:txEl>
                                               <p:pRg st="7" end="7"/>
                                             </p:txEl>
@@ -18350,7 +20178,7 @@
                                           </p:stCondLst>
                                         </p:cTn>
                                         <p:tgtEl>
-                                          <p:spTgt spid="237">
+                                          <p:spTgt spid="275">
                                             <p:txEl>
                                               <p:pRg st="9" end="9"/>
                                             </p:txEl>
@@ -18368,7 +20196,7 @@
                                       <p:cBhvr>
                                         <p:cTn id="31" dur="1" fill="hold"/>
                                         <p:tgtEl>
-                                          <p:spTgt spid="237">
+                                          <p:spTgt spid="275">
                                             <p:txEl>
                                               <p:pRg st="9" end="9"/>
                                             </p:txEl>
@@ -18435,14 +20263,14 @@
       </p:grpSpPr>
       <p:sp>
         <p:nvSpPr>
-          <p:cNvPr id="238" name="CustomShape 1"/>
+          <p:cNvPr id="276" name="CustomShape 1"/>
           <p:cNvSpPr/>
           <p:nvPr/>
         </p:nvSpPr>
         <p:spPr>
           <a:xfrm>
             <a:off x="822960" y="286560"/>
-            <a:ext cx="7543080" cy="1450080"/>
+            <a:ext cx="7542720" cy="1449720"/>
           </a:xfrm>
           <a:prstGeom prst="rect">
             <a:avLst/>
@@ -18474,6 +20302,7 @@
                   <a:srgbClr val="404040"/>
                 </a:solidFill>
                 <a:latin typeface="Calibri Light"/>
+                <a:ea typeface="DejaVu Sans"/>
               </a:rPr>
               <a:t>What if you already know something (or lots!) about programming?</a:t>
             </a:r>
@@ -18485,14 +20314,14 @@
       </p:sp>
       <p:sp>
         <p:nvSpPr>
-          <p:cNvPr id="239" name="CustomShape 2"/>
+          <p:cNvPr id="277" name="CustomShape 2"/>
           <p:cNvSpPr/>
           <p:nvPr/>
         </p:nvSpPr>
         <p:spPr>
           <a:xfrm>
             <a:off x="822960" y="1845720"/>
-            <a:ext cx="7543080" cy="4022640"/>
+            <a:ext cx="7542720" cy="4022280"/>
           </a:xfrm>
           <a:prstGeom prst="rect">
             <a:avLst/>
@@ -18513,7 +20342,7 @@
             <a:noAutofit/>
           </a:bodyPr>
           <a:p>
-            <a:pPr marL="91440" indent="-90720">
+            <a:pPr marL="91440" indent="-90360">
               <a:lnSpc>
                 <a:spcPct val="90000"/>
               </a:lnSpc>
@@ -18535,6 +20364,7 @@
                   <a:srgbClr val="404040"/>
                 </a:solidFill>
                 <a:latin typeface="Calibri"/>
+                <a:ea typeface="DejaVu Sans"/>
               </a:rPr>
               <a:t>You’ll still probably learn some new and important things in the next couple of days</a:t>
             </a:r>
@@ -18559,7 +20389,7 @@
             </a:endParaRPr>
           </a:p>
           <a:p>
-            <a:pPr marL="91440" indent="-90720">
+            <a:pPr marL="91440" indent="-90360">
               <a:lnSpc>
                 <a:spcPct val="90000"/>
               </a:lnSpc>
@@ -18581,6 +20411,7 @@
                   <a:srgbClr val="404040"/>
                 </a:solidFill>
                 <a:latin typeface="Calibri"/>
+                <a:ea typeface="DejaVu Sans"/>
               </a:rPr>
               <a:t>If you find a concept or assignment to be easy, please put that to good use by patiently helping others around you to understand it</a:t>
             </a:r>
@@ -18605,7 +20436,7 @@
             </a:endParaRPr>
           </a:p>
           <a:p>
-            <a:pPr marL="91440" indent="-90720">
+            <a:pPr marL="91440" indent="-90360">
               <a:lnSpc>
                 <a:spcPct val="90000"/>
               </a:lnSpc>
@@ -18627,6 +20458,7 @@
                   <a:srgbClr val="404040"/>
                 </a:solidFill>
                 <a:latin typeface="Calibri"/>
+                <a:ea typeface="DejaVu Sans"/>
               </a:rPr>
               <a:t>Also feel free to go above and beyond and add features to the projects.  I can also provide suggestions at a variety of difficulty levels.</a:t>
             </a:r>
@@ -18680,7 +20512,7 @@
                                           </p:stCondLst>
                                         </p:cTn>
                                         <p:tgtEl>
-                                          <p:spTgt spid="239">
+                                          <p:spTgt spid="277">
                                             <p:txEl>
                                               <p:pRg st="0" end="0"/>
                                             </p:txEl>
@@ -18698,7 +20530,7 @@
                                       <p:cBhvr>
                                         <p:cTn id="38" dur="1" fill="hold"/>
                                         <p:tgtEl>
-                                          <p:spTgt spid="239">
+                                          <p:spTgt spid="277">
                                             <p:txEl>
                                               <p:pRg st="0" end="0"/>
                                             </p:txEl>
@@ -18747,7 +20579,7 @@
                                           </p:stCondLst>
                                         </p:cTn>
                                         <p:tgtEl>
-                                          <p:spTgt spid="239">
+                                          <p:spTgt spid="277">
                                             <p:txEl>
                                               <p:pRg st="2" end="2"/>
                                             </p:txEl>
@@ -18765,7 +20597,7 @@
                                       <p:cBhvr>
                                         <p:cTn id="43" dur="1" fill="hold"/>
                                         <p:tgtEl>
-                                          <p:spTgt spid="239">
+                                          <p:spTgt spid="277">
                                             <p:txEl>
                                               <p:pRg st="2" end="2"/>
                                             </p:txEl>
@@ -18814,7 +20646,7 @@
                                           </p:stCondLst>
                                         </p:cTn>
                                         <p:tgtEl>
-                                          <p:spTgt spid="239">
+                                          <p:spTgt spid="277">
                                             <p:txEl>
                                               <p:pRg st="4" end="4"/>
                                             </p:txEl>
@@ -18832,7 +20664,7 @@
                                       <p:cBhvr>
                                         <p:cTn id="48" dur="1" fill="hold"/>
                                         <p:tgtEl>
-                                          <p:spTgt spid="239">
+                                          <p:spTgt spid="277">
                                             <p:txEl>
                                               <p:pRg st="4" end="4"/>
                                             </p:txEl>
@@ -20216,4 +22048,227 @@
     </a:fmtScheme>
   </a:themeElements>
 </a:theme>
+</file>
+
+<file path=ppt/theme/theme7.xml><?xml version="1.0" encoding="utf-8"?>
+<a:theme xmlns:a="http://schemas.openxmlformats.org/drawingml/2006/main" name="Office Theme">
+  <a:themeElements>
+    <a:clrScheme name="Office">
+      <a:dk1>
+        <a:sysClr val="windowText" lastClr="000000"/>
+      </a:dk1>
+      <a:lt1>
+        <a:sysClr val="window" lastClr="FFFFFF"/>
+      </a:lt1>
+      <a:dk2>
+        <a:srgbClr val="637052"/>
+      </a:dk2>
+      <a:lt2>
+        <a:srgbClr val="ccddea"/>
+      </a:lt2>
+      <a:accent1>
+        <a:srgbClr val="e48312"/>
+      </a:accent1>
+      <a:accent2>
+        <a:srgbClr val="bd582c"/>
+      </a:accent2>
+      <a:accent3>
+        <a:srgbClr val="865640"/>
+      </a:accent3>
+      <a:accent4>
+        <a:srgbClr val="9b8357"/>
+      </a:accent4>
+      <a:accent5>
+        <a:srgbClr val="c2bc80"/>
+      </a:accent5>
+      <a:accent6>
+        <a:srgbClr val="94a088"/>
+      </a:accent6>
+      <a:hlink>
+        <a:srgbClr val="2998e3"/>
+      </a:hlink>
+      <a:folHlink>
+        <a:srgbClr val="8c8c8c"/>
+      </a:folHlink>
+    </a:clrScheme>
+    <a:fontScheme name="Office">
+      <a:majorFont>
+        <a:latin typeface="Arial"/>
+        <a:ea typeface="DejaVu Sans"/>
+        <a:cs typeface="DejaVu Sans"/>
+      </a:majorFont>
+      <a:minorFont>
+        <a:latin typeface="Arial"/>
+        <a:ea typeface="DejaVu Sans"/>
+        <a:cs typeface="DejaVu Sans"/>
+      </a:minorFont>
+    </a:fontScheme>
+    <a:fmtScheme name="Office">
+      <a:fillStyleLst>
+        <a:solidFill>
+          <a:schemeClr val="phClr"/>
+        </a:solidFill>
+        <a:gradFill rotWithShape="1">
+          <a:gsLst>
+            <a:gs pos="0">
+              <a:schemeClr val="phClr">
+                <a:tint val="50000"/>
+                <a:satMod val="300000"/>
+              </a:schemeClr>
+            </a:gs>
+            <a:gs pos="35000">
+              <a:schemeClr val="phClr">
+                <a:tint val="37000"/>
+                <a:satMod val="300000"/>
+              </a:schemeClr>
+            </a:gs>
+            <a:gs pos="100000">
+              <a:schemeClr val="phClr">
+                <a:tint val="15000"/>
+                <a:satMod val="350000"/>
+              </a:schemeClr>
+            </a:gs>
+          </a:gsLst>
+          <a:lin ang="16200000" scaled="1"/>
+        </a:gradFill>
+        <a:gradFill rotWithShape="1">
+          <a:gsLst>
+            <a:gs pos="0">
+              <a:schemeClr val="phClr">
+                <a:shade val="51000"/>
+                <a:satMod val="130000"/>
+              </a:schemeClr>
+            </a:gs>
+            <a:gs pos="80000">
+              <a:schemeClr val="phClr">
+                <a:shade val="93000"/>
+                <a:satMod val="130000"/>
+              </a:schemeClr>
+            </a:gs>
+            <a:gs pos="100000">
+              <a:schemeClr val="phClr">
+                <a:shade val="94000"/>
+                <a:satMod val="135000"/>
+              </a:schemeClr>
+            </a:gs>
+          </a:gsLst>
+          <a:lin ang="16200000" scaled="0"/>
+        </a:gradFill>
+      </a:fillStyleLst>
+      <a:lnStyleLst>
+        <a:ln w="9525" cap="flat" cmpd="sng" algn="ctr">
+          <a:solidFill>
+            <a:schemeClr val="phClr">
+              <a:shade val="95000"/>
+              <a:satMod val="105000"/>
+            </a:schemeClr>
+          </a:solidFill>
+          <a:prstDash val="solid"/>
+        </a:ln>
+        <a:ln w="25400" cap="flat" cmpd="sng" algn="ctr">
+          <a:solidFill>
+            <a:schemeClr val="phClr"/>
+          </a:solidFill>
+          <a:prstDash val="solid"/>
+        </a:ln>
+        <a:ln w="38100" cap="flat" cmpd="sng" algn="ctr">
+          <a:solidFill>
+            <a:schemeClr val="phClr"/>
+          </a:solidFill>
+          <a:prstDash val="solid"/>
+        </a:ln>
+      </a:lnStyleLst>
+      <a:effectStyleLst>
+        <a:effectStyle>
+          <a:effectLst>
+            <a:outerShdw blurRad="40000" dist="20000" dir="5400000" rotWithShape="0">
+              <a:srgbClr val="000000">
+                <a:alpha val="38000"/>
+              </a:srgbClr>
+            </a:outerShdw>
+          </a:effectLst>
+        </a:effectStyle>
+        <a:effectStyle>
+          <a:effectLst>
+            <a:outerShdw blurRad="40000" dist="23000" dir="5400000" rotWithShape="0">
+              <a:srgbClr val="000000">
+                <a:alpha val="35000"/>
+              </a:srgbClr>
+            </a:outerShdw>
+          </a:effectLst>
+        </a:effectStyle>
+        <a:effectStyle>
+          <a:effectLst>
+            <a:outerShdw blurRad="40000" dist="23000" dir="5400000" rotWithShape="0">
+              <a:srgbClr val="000000">
+                <a:alpha val="35000"/>
+              </a:srgbClr>
+            </a:outerShdw>
+          </a:effectLst>
+          <a:scene3d>
+            <a:camera prst="orthographicFront">
+              <a:rot lat="0" lon="0" rev="0"/>
+            </a:camera>
+            <a:lightRig rig="threePt" dir="t">
+              <a:rot lat="0" lon="0" rev="1200000"/>
+            </a:lightRig>
+          </a:scene3d>
+          <a:sp3d>
+            <a:bevelT w="63500" h="25400"/>
+          </a:sp3d>
+        </a:effectStyle>
+      </a:effectStyleLst>
+      <a:bgFillStyleLst>
+        <a:solidFill>
+          <a:schemeClr val="phClr"/>
+        </a:solidFill>
+        <a:gradFill rotWithShape="1">
+          <a:gsLst>
+            <a:gs pos="0">
+              <a:schemeClr val="phClr">
+                <a:tint val="40000"/>
+                <a:satMod val="350000"/>
+              </a:schemeClr>
+            </a:gs>
+            <a:gs pos="40000">
+              <a:schemeClr val="phClr">
+                <a:tint val="45000"/>
+                <a:shade val="99000"/>
+                <a:satMod val="350000"/>
+              </a:schemeClr>
+            </a:gs>
+            <a:gs pos="100000">
+              <a:schemeClr val="phClr">
+                <a:shade val="20000"/>
+                <a:satMod val="255000"/>
+              </a:schemeClr>
+            </a:gs>
+          </a:gsLst>
+          <a:path path="circle">
+            <a:fillToRect l="50000" t="-80000" r="50000" b="180000"/>
+          </a:path>
+        </a:gradFill>
+        <a:gradFill rotWithShape="1">
+          <a:gsLst>
+            <a:gs pos="0">
+              <a:schemeClr val="phClr">
+                <a:tint val="80000"/>
+                <a:satMod val="300000"/>
+              </a:schemeClr>
+            </a:gs>
+            <a:gs pos="100000">
+              <a:schemeClr val="phClr">
+                <a:shade val="30000"/>
+                <a:satMod val="200000"/>
+              </a:schemeClr>
+            </a:gs>
+          </a:gsLst>
+          <a:path path="circle">
+            <a:fillToRect l="50000" t="50000" r="50000" b="50000"/>
+          </a:path>
+        </a:gradFill>
+      </a:bgFillStyleLst>
+    </a:fmtScheme>
+  </a:themeElements>
+</a:theme>
 </file>